--- a/slides/06---Using-databases.pptx
+++ b/slides/06---Using-databases.pptx
@@ -31,6 +31,9 @@
     <p:sldId id="281" r:id="rId25"/>
     <p:sldId id="282" r:id="rId26"/>
     <p:sldId id="283" r:id="rId27"/>
+    <p:sldId id="284" r:id="rId28"/>
+    <p:sldId id="285" r:id="rId29"/>
+    <p:sldId id="286" r:id="rId30"/>
   </p:sldIdLst>
   <p:sldSz cx="9144000" cy="6858000" type="screen4x3"/>
   <p:notesSz cx="6858000" cy="9144000"/>
@@ -3625,6 +3628,203 @@
           </a:p>
         </p:txBody>
       </p:sp>
+      <p:sp>
+        <p:nvSpPr>
+          <p:cNvPr id="3" name="Content Placeholder 2"/>
+          <p:cNvSpPr>
+            <a:spLocks noGrp="1"/>
+          </p:cNvSpPr>
+          <p:nvPr>
+            <p:ph idx="1"/>
+          </p:nvPr>
+        </p:nvSpPr>
+        <p:spPr>
+          <a:xfrm>
+            <a:off x="-1009403" y="2182091"/>
+            <a:ext cx="10307782" cy="4525963"/>
+          </a:xfrm>
+        </p:spPr>
+        <p:txBody>
+          <a:bodyPr>
+            <a:normAutofit/>
+          </a:bodyPr>
+          <a:lstStyle/>
+          <a:p>
+            <a:pPr marL="1270000" lvl="0" indent="0">
+              <a:buNone/>
+            </a:pPr>
+            <a:r>
+              <a:rPr sz="2400" b="1" dirty="0">
+                <a:solidFill>
+                  <a:srgbClr val="007020"/>
+                </a:solidFill>
+                <a:latin typeface="Courier"/>
+              </a:rPr>
+              <a:t>SELECT</a:t>
+            </a:r>
+            <a:r>
+              <a:rPr sz="2400" dirty="0">
+                <a:latin typeface="Courier"/>
+              </a:rPr>
+              <a:t>  </a:t>
+            </a:r>
+            <a:br>
+              <a:rPr sz="2400" dirty="0"/>
+            </a:br>
+            <a:r>
+              <a:rPr sz="2400" dirty="0">
+                <a:latin typeface="Courier"/>
+              </a:rPr>
+              <a:t>        </a:t>
+            </a:r>
+            <a:r>
+              <a:rPr sz="2400" dirty="0" err="1">
+                <a:latin typeface="Courier"/>
+              </a:rPr>
+              <a:t>sample_name</a:t>
+            </a:r>
+            <a:r>
+              <a:rPr sz="2400" dirty="0">
+                <a:latin typeface="Courier"/>
+              </a:rPr>
+              <a:t>, </a:t>
+            </a:r>
+            <a:r>
+              <a:rPr sz="2400" dirty="0" err="1">
+                <a:latin typeface="Courier"/>
+              </a:rPr>
+              <a:t>compound_name</a:t>
+            </a:r>
+            <a:r>
+              <a:rPr sz="2400" dirty="0">
+                <a:latin typeface="Courier"/>
+              </a:rPr>
+              <a:t>, </a:t>
+            </a:r>
+            <a:r>
+              <a:rPr sz="2400" dirty="0" err="1">
+                <a:latin typeface="Courier"/>
+              </a:rPr>
+              <a:t>ion_ratio</a:t>
+            </a:r>
+            <a:br>
+              <a:rPr sz="2400" dirty="0"/>
+            </a:br>
+            <a:r>
+              <a:rPr sz="2400" b="1" dirty="0">
+                <a:solidFill>
+                  <a:srgbClr val="007020"/>
+                </a:solidFill>
+                <a:latin typeface="Courier"/>
+              </a:rPr>
+              <a:t>FROM</a:t>
+            </a:r>
+            <a:br>
+              <a:rPr sz="2400" dirty="0"/>
+            </a:br>
+            <a:r>
+              <a:rPr sz="2400" dirty="0">
+                <a:latin typeface="Courier"/>
+              </a:rPr>
+              <a:t>        </a:t>
+            </a:r>
+            <a:r>
+              <a:rPr sz="2400" b="1" dirty="0">
+                <a:solidFill>
+                  <a:srgbClr val="007020"/>
+                </a:solidFill>
+                <a:latin typeface="Courier"/>
+              </a:rPr>
+              <a:t>sample</a:t>
+            </a:r>
+            <a:br>
+              <a:rPr sz="2400" dirty="0"/>
+            </a:br>
+            <a:r>
+              <a:rPr sz="2400" b="1" dirty="0">
+                <a:solidFill>
+                  <a:srgbClr val="007020"/>
+                </a:solidFill>
+                <a:latin typeface="Courier"/>
+              </a:rPr>
+              <a:t>LIMIT</a:t>
+            </a:r>
+            <a:br>
+              <a:rPr sz="2400" dirty="0"/>
+            </a:br>
+            <a:r>
+              <a:rPr sz="2400" dirty="0">
+                <a:latin typeface="Courier"/>
+              </a:rPr>
+              <a:t>        </a:t>
+            </a:r>
+            <a:r>
+              <a:rPr sz="2400" dirty="0">
+                <a:solidFill>
+                  <a:srgbClr val="40A070"/>
+                </a:solidFill>
+                <a:latin typeface="Courier"/>
+              </a:rPr>
+              <a:t>10</a:t>
+            </a:r>
+            <a:r>
+              <a:rPr sz="2400" dirty="0">
+                <a:latin typeface="Courier"/>
+              </a:rPr>
+              <a:t>;</a:t>
+            </a:r>
+          </a:p>
+        </p:txBody>
+      </p:sp>
+    </p:spTree>
+  </p:cSld>
+  <p:clrMapOvr>
+    <a:masterClrMapping/>
+  </p:clrMapOvr>
+</p:sld>
+</file>
+
+<file path=ppt/slides/slide15.xml><?xml version="1.0" encoding="utf-8"?>
+<p:sld xmlns:a="http://schemas.openxmlformats.org/drawingml/2006/main" xmlns:r="http://schemas.openxmlformats.org/officeDocument/2006/relationships" xmlns:p="http://schemas.openxmlformats.org/presentationml/2006/main">
+  <p:cSld>
+    <p:spTree>
+      <p:nvGrpSpPr>
+        <p:cNvPr id="1" name=""/>
+        <p:cNvGrpSpPr/>
+        <p:nvPr/>
+      </p:nvGrpSpPr>
+      <p:grpSpPr>
+        <a:xfrm>
+          <a:off x="0" y="0"/>
+          <a:ext cx="0" cy="0"/>
+          <a:chOff x="0" y="0"/>
+          <a:chExt cx="0" cy="0"/>
+        </a:xfrm>
+      </p:grpSpPr>
+      <p:sp>
+        <p:nvSpPr>
+          <p:cNvPr id="2" name="Title 1"/>
+          <p:cNvSpPr>
+            <a:spLocks noGrp="1"/>
+          </p:cNvSpPr>
+          <p:nvPr>
+            <p:ph type="title"/>
+          </p:nvPr>
+        </p:nvSpPr>
+        <p:spPr/>
+        <p:txBody>
+          <a:bodyPr/>
+          <a:lstStyle/>
+          <a:p>
+            <a:pPr marL="0" lvl="0" indent="0">
+              <a:buNone/>
+            </a:pPr>
+            <a:r>
+              <a:t>Basic query</a:t>
+            </a:r>
+          </a:p>
+        </p:txBody>
+      </p:sp>
       <p:graphicFrame>
         <p:nvGraphicFramePr>
           <p:cNvPr id="6" name="Content Placeholder 5"/>
@@ -4281,7 +4481,240 @@
 </p:sld>
 </file>
 
-<file path=ppt/slides/slide15.xml><?xml version="1.0" encoding="utf-8"?>
+<file path=ppt/slides/slide16.xml><?xml version="1.0" encoding="utf-8"?>
+<p:sld xmlns:a="http://schemas.openxmlformats.org/drawingml/2006/main" xmlns:r="http://schemas.openxmlformats.org/officeDocument/2006/relationships" xmlns:p="http://schemas.openxmlformats.org/presentationml/2006/main">
+  <p:cSld>
+    <p:spTree>
+      <p:nvGrpSpPr>
+        <p:cNvPr id="1" name=""/>
+        <p:cNvGrpSpPr/>
+        <p:nvPr/>
+      </p:nvGrpSpPr>
+      <p:grpSpPr>
+        <a:xfrm>
+          <a:off x="0" y="0"/>
+          <a:ext cx="0" cy="0"/>
+          <a:chOff x="0" y="0"/>
+          <a:chExt cx="0" cy="0"/>
+        </a:xfrm>
+      </p:grpSpPr>
+      <p:sp>
+        <p:nvSpPr>
+          <p:cNvPr id="2" name="Title 1"/>
+          <p:cNvSpPr>
+            <a:spLocks noGrp="1"/>
+          </p:cNvSpPr>
+          <p:nvPr>
+            <p:ph type="title"/>
+          </p:nvPr>
+        </p:nvSpPr>
+        <p:spPr/>
+        <p:txBody>
+          <a:bodyPr/>
+          <a:lstStyle/>
+          <a:p>
+            <a:pPr marL="0" lvl="0" indent="0">
+              <a:buNone/>
+            </a:pPr>
+            <a:r>
+              <a:t>Specify a subset of rows</a:t>
+            </a:r>
+          </a:p>
+        </p:txBody>
+      </p:sp>
+      <p:sp>
+        <p:nvSpPr>
+          <p:cNvPr id="3" name="Content Placeholder 2"/>
+          <p:cNvSpPr>
+            <a:spLocks noGrp="1"/>
+          </p:cNvSpPr>
+          <p:nvPr>
+            <p:ph idx="1"/>
+          </p:nvPr>
+        </p:nvSpPr>
+        <p:spPr>
+          <a:xfrm>
+            <a:off x="-890649" y="2057399"/>
+            <a:ext cx="10034649" cy="4525963"/>
+          </a:xfrm>
+        </p:spPr>
+        <p:txBody>
+          <a:bodyPr>
+            <a:normAutofit/>
+          </a:bodyPr>
+          <a:lstStyle/>
+          <a:p>
+            <a:pPr marL="1270000" lvl="0" indent="0">
+              <a:buNone/>
+            </a:pPr>
+            <a:r>
+              <a:rPr sz="2400" b="1" dirty="0">
+                <a:solidFill>
+                  <a:srgbClr val="007020"/>
+                </a:solidFill>
+                <a:latin typeface="Courier"/>
+              </a:rPr>
+              <a:t>SELECT</a:t>
+            </a:r>
+            <a:r>
+              <a:rPr sz="2400" dirty="0">
+                <a:latin typeface="Courier"/>
+              </a:rPr>
+              <a:t>  </a:t>
+            </a:r>
+            <a:br>
+              <a:rPr sz="2400" dirty="0"/>
+            </a:br>
+            <a:r>
+              <a:rPr sz="2400" dirty="0">
+                <a:latin typeface="Courier"/>
+              </a:rPr>
+              <a:t>        </a:t>
+            </a:r>
+            <a:r>
+              <a:rPr sz="2400" dirty="0" err="1">
+                <a:latin typeface="Courier"/>
+              </a:rPr>
+              <a:t>sample_name</a:t>
+            </a:r>
+            <a:r>
+              <a:rPr sz="2400" dirty="0">
+                <a:latin typeface="Courier"/>
+              </a:rPr>
+              <a:t>, </a:t>
+            </a:r>
+            <a:r>
+              <a:rPr sz="2400" dirty="0" err="1">
+                <a:latin typeface="Courier"/>
+              </a:rPr>
+              <a:t>compound_name</a:t>
+            </a:r>
+            <a:r>
+              <a:rPr sz="2400" dirty="0">
+                <a:latin typeface="Courier"/>
+              </a:rPr>
+              <a:t>, </a:t>
+            </a:r>
+            <a:r>
+              <a:rPr sz="2400" dirty="0" err="1">
+                <a:latin typeface="Courier"/>
+              </a:rPr>
+              <a:t>ion_ratio</a:t>
+            </a:r>
+            <a:br>
+              <a:rPr sz="2400" dirty="0"/>
+            </a:br>
+            <a:r>
+              <a:rPr sz="2400" b="1" dirty="0">
+                <a:solidFill>
+                  <a:srgbClr val="007020"/>
+                </a:solidFill>
+                <a:latin typeface="Courier"/>
+              </a:rPr>
+              <a:t>FROM</a:t>
+            </a:r>
+            <a:br>
+              <a:rPr sz="2400" dirty="0"/>
+            </a:br>
+            <a:r>
+              <a:rPr sz="2400" dirty="0">
+                <a:latin typeface="Courier"/>
+              </a:rPr>
+              <a:t>        </a:t>
+            </a:r>
+            <a:r>
+              <a:rPr sz="2400" b="1" dirty="0">
+                <a:solidFill>
+                  <a:srgbClr val="007020"/>
+                </a:solidFill>
+                <a:latin typeface="Courier"/>
+              </a:rPr>
+              <a:t>sample</a:t>
+            </a:r>
+            <a:br>
+              <a:rPr sz="2400" dirty="0"/>
+            </a:br>
+            <a:r>
+              <a:rPr sz="2400" b="1" dirty="0">
+                <a:solidFill>
+                  <a:srgbClr val="007020"/>
+                </a:solidFill>
+                <a:latin typeface="Courier"/>
+              </a:rPr>
+              <a:t>WHERE</a:t>
+            </a:r>
+            <a:br>
+              <a:rPr sz="2400" dirty="0"/>
+            </a:br>
+            <a:r>
+              <a:rPr sz="2400" dirty="0">
+                <a:latin typeface="Courier"/>
+              </a:rPr>
+              <a:t>        </a:t>
+            </a:r>
+            <a:r>
+              <a:rPr sz="2400" dirty="0" err="1">
+                <a:latin typeface="Courier"/>
+              </a:rPr>
+              <a:t>compound_name</a:t>
+            </a:r>
+            <a:r>
+              <a:rPr sz="2400" dirty="0">
+                <a:latin typeface="Courier"/>
+              </a:rPr>
+              <a:t> </a:t>
+            </a:r>
+            <a:r>
+              <a:rPr sz="2400" dirty="0">
+                <a:solidFill>
+                  <a:srgbClr val="666666"/>
+                </a:solidFill>
+                <a:latin typeface="Courier"/>
+              </a:rPr>
+              <a:t>=</a:t>
+            </a:r>
+            <a:r>
+              <a:rPr sz="2400" dirty="0">
+                <a:latin typeface="Courier"/>
+              </a:rPr>
+              <a:t> </a:t>
+            </a:r>
+            <a:r>
+              <a:rPr sz="2400" dirty="0">
+                <a:solidFill>
+                  <a:srgbClr val="4070A0"/>
+                </a:solidFill>
+                <a:latin typeface="Courier"/>
+              </a:rPr>
+              <a:t>'morphine'</a:t>
+            </a:r>
+            <a:r>
+              <a:rPr sz="2400" dirty="0">
+                <a:latin typeface="Courier"/>
+              </a:rPr>
+              <a:t>   </a:t>
+            </a:r>
+            <a:r>
+              <a:rPr sz="2400" i="1" dirty="0">
+                <a:solidFill>
+                  <a:srgbClr val="60A0B0"/>
+                </a:solidFill>
+                <a:latin typeface="Courier"/>
+              </a:rPr>
+              <a:t>-- Note the single quotes</a:t>
+            </a:r>
+          </a:p>
+        </p:txBody>
+      </p:sp>
+    </p:spTree>
+  </p:cSld>
+  <p:clrMapOvr>
+    <a:masterClrMapping/>
+  </p:clrMapOvr>
+</p:sld>
+</file>
+
+<file path=ppt/slides/slide17.xml><?xml version="1.0" encoding="utf-8"?>
 <p:sld xmlns:a="http://schemas.openxmlformats.org/drawingml/2006/main" xmlns:r="http://schemas.openxmlformats.org/officeDocument/2006/relationships" xmlns:p="http://schemas.openxmlformats.org/presentationml/2006/main">
   <p:cSld>
     <p:spTree>
@@ -4978,4087 +5411,6 @@
 </p:sld>
 </file>
 
-<file path=ppt/slides/slide16.xml><?xml version="1.0" encoding="utf-8"?>
-<p:sld xmlns:a="http://schemas.openxmlformats.org/drawingml/2006/main" xmlns:r="http://schemas.openxmlformats.org/officeDocument/2006/relationships" xmlns:p="http://schemas.openxmlformats.org/presentationml/2006/main">
-  <p:cSld>
-    <p:spTree>
-      <p:nvGrpSpPr>
-        <p:cNvPr id="1" name=""/>
-        <p:cNvGrpSpPr/>
-        <p:nvPr/>
-      </p:nvGrpSpPr>
-      <p:grpSpPr>
-        <a:xfrm>
-          <a:off x="0" y="0"/>
-          <a:ext cx="0" cy="0"/>
-          <a:chOff x="0" y="0"/>
-          <a:chExt cx="0" cy="0"/>
-        </a:xfrm>
-      </p:grpSpPr>
-      <p:sp>
-        <p:nvSpPr>
-          <p:cNvPr id="2" name="Title 1"/>
-          <p:cNvSpPr>
-            <a:spLocks noGrp="1"/>
-          </p:cNvSpPr>
-          <p:nvPr>
-            <p:ph type="title"/>
-          </p:nvPr>
-        </p:nvSpPr>
-        <p:spPr/>
-        <p:txBody>
-          <a:bodyPr/>
-          <a:lstStyle/>
-          <a:p>
-            <a:pPr marL="0" lvl="0" indent="0">
-              <a:buNone/>
-            </a:pPr>
-            <a:r>
-              <a:t>Join tables</a:t>
-            </a:r>
-          </a:p>
-        </p:txBody>
-      </p:sp>
-      <p:graphicFrame>
-        <p:nvGraphicFramePr>
-          <p:cNvPr id="6" name="Content Placeholder 5"/>
-          <p:cNvGraphicFramePr>
-            <a:graphicFrameLocks noGrp="1"/>
-          </p:cNvGraphicFramePr>
-          <p:nvPr>
-            <p:ph idx="1"/>
-            <p:extLst>
-              <p:ext uri="{D42A27DB-BD31-4B8C-83A1-F6EECF244321}">
-                <p14:modId xmlns:p14="http://schemas.microsoft.com/office/powerpoint/2010/main" val="816948335"/>
-              </p:ext>
-            </p:extLst>
-          </p:nvPr>
-        </p:nvGraphicFramePr>
-        <p:xfrm>
-          <a:off x="53439" y="1232066"/>
-          <a:ext cx="9090561" cy="8704022"/>
-        </p:xfrm>
-        <a:graphic>
-          <a:graphicData uri="http://schemas.openxmlformats.org/drawingml/2006/table">
-            <a:tbl>
-              <a:tblPr firstRow="1" bandRow="1">
-                <a:tableStyleId>{5C22544A-7EE6-4342-B048-85BDC9FD1C3A}</a:tableStyleId>
-              </a:tblPr>
-              <a:tblGrid>
-                <a:gridCol w="404796">
-                  <a:extLst>
-                    <a:ext uri="{9D8B030D-6E8A-4147-A177-3AD203B41FA5}">
-                      <a16:colId xmlns:a16="http://schemas.microsoft.com/office/drawing/2014/main" val="20000"/>
-                    </a:ext>
-                  </a:extLst>
-                </a:gridCol>
-                <a:gridCol w="404796">
-                  <a:extLst>
-                    <a:ext uri="{9D8B030D-6E8A-4147-A177-3AD203B41FA5}">
-                      <a16:colId xmlns:a16="http://schemas.microsoft.com/office/drawing/2014/main" val="20001"/>
-                    </a:ext>
-                  </a:extLst>
-                </a:gridCol>
-                <a:gridCol w="404796">
-                  <a:extLst>
-                    <a:ext uri="{9D8B030D-6E8A-4147-A177-3AD203B41FA5}">
-                      <a16:colId xmlns:a16="http://schemas.microsoft.com/office/drawing/2014/main" val="20002"/>
-                    </a:ext>
-                  </a:extLst>
-                </a:gridCol>
-                <a:gridCol w="404796">
-                  <a:extLst>
-                    <a:ext uri="{9D8B030D-6E8A-4147-A177-3AD203B41FA5}">
-                      <a16:colId xmlns:a16="http://schemas.microsoft.com/office/drawing/2014/main" val="20003"/>
-                    </a:ext>
-                  </a:extLst>
-                </a:gridCol>
-                <a:gridCol w="404796">
-                  <a:extLst>
-                    <a:ext uri="{9D8B030D-6E8A-4147-A177-3AD203B41FA5}">
-                      <a16:colId xmlns:a16="http://schemas.microsoft.com/office/drawing/2014/main" val="20004"/>
-                    </a:ext>
-                  </a:extLst>
-                </a:gridCol>
-                <a:gridCol w="404796">
-                  <a:extLst>
-                    <a:ext uri="{9D8B030D-6E8A-4147-A177-3AD203B41FA5}">
-                      <a16:colId xmlns:a16="http://schemas.microsoft.com/office/drawing/2014/main" val="20005"/>
-                    </a:ext>
-                  </a:extLst>
-                </a:gridCol>
-                <a:gridCol w="404796">
-                  <a:extLst>
-                    <a:ext uri="{9D8B030D-6E8A-4147-A177-3AD203B41FA5}">
-                      <a16:colId xmlns:a16="http://schemas.microsoft.com/office/drawing/2014/main" val="20006"/>
-                    </a:ext>
-                  </a:extLst>
-                </a:gridCol>
-                <a:gridCol w="404796">
-                  <a:extLst>
-                    <a:ext uri="{9D8B030D-6E8A-4147-A177-3AD203B41FA5}">
-                      <a16:colId xmlns:a16="http://schemas.microsoft.com/office/drawing/2014/main" val="20007"/>
-                    </a:ext>
-                  </a:extLst>
-                </a:gridCol>
-                <a:gridCol w="404796">
-                  <a:extLst>
-                    <a:ext uri="{9D8B030D-6E8A-4147-A177-3AD203B41FA5}">
-                      <a16:colId xmlns:a16="http://schemas.microsoft.com/office/drawing/2014/main" val="20008"/>
-                    </a:ext>
-                  </a:extLst>
-                </a:gridCol>
-                <a:gridCol w="404796">
-                  <a:extLst>
-                    <a:ext uri="{9D8B030D-6E8A-4147-A177-3AD203B41FA5}">
-                      <a16:colId xmlns:a16="http://schemas.microsoft.com/office/drawing/2014/main" val="20009"/>
-                    </a:ext>
-                  </a:extLst>
-                </a:gridCol>
-                <a:gridCol w="404796">
-                  <a:extLst>
-                    <a:ext uri="{9D8B030D-6E8A-4147-A177-3AD203B41FA5}">
-                      <a16:colId xmlns:a16="http://schemas.microsoft.com/office/drawing/2014/main" val="20010"/>
-                    </a:ext>
-                  </a:extLst>
-                </a:gridCol>
-                <a:gridCol w="404796">
-                  <a:extLst>
-                    <a:ext uri="{9D8B030D-6E8A-4147-A177-3AD203B41FA5}">
-                      <a16:colId xmlns:a16="http://schemas.microsoft.com/office/drawing/2014/main" val="20011"/>
-                    </a:ext>
-                  </a:extLst>
-                </a:gridCol>
-                <a:gridCol w="404796">
-                  <a:extLst>
-                    <a:ext uri="{9D8B030D-6E8A-4147-A177-3AD203B41FA5}">
-                      <a16:colId xmlns:a16="http://schemas.microsoft.com/office/drawing/2014/main" val="20012"/>
-                    </a:ext>
-                  </a:extLst>
-                </a:gridCol>
-                <a:gridCol w="404796">
-                  <a:extLst>
-                    <a:ext uri="{9D8B030D-6E8A-4147-A177-3AD203B41FA5}">
-                      <a16:colId xmlns:a16="http://schemas.microsoft.com/office/drawing/2014/main" val="20013"/>
-                    </a:ext>
-                  </a:extLst>
-                </a:gridCol>
-                <a:gridCol w="404796">
-                  <a:extLst>
-                    <a:ext uri="{9D8B030D-6E8A-4147-A177-3AD203B41FA5}">
-                      <a16:colId xmlns:a16="http://schemas.microsoft.com/office/drawing/2014/main" val="20014"/>
-                    </a:ext>
-                  </a:extLst>
-                </a:gridCol>
-                <a:gridCol w="404796">
-                  <a:extLst>
-                    <a:ext uri="{9D8B030D-6E8A-4147-A177-3AD203B41FA5}">
-                      <a16:colId xmlns:a16="http://schemas.microsoft.com/office/drawing/2014/main" val="20015"/>
-                    </a:ext>
-                  </a:extLst>
-                </a:gridCol>
-                <a:gridCol w="404796">
-                  <a:extLst>
-                    <a:ext uri="{9D8B030D-6E8A-4147-A177-3AD203B41FA5}">
-                      <a16:colId xmlns:a16="http://schemas.microsoft.com/office/drawing/2014/main" val="20016"/>
-                    </a:ext>
-                  </a:extLst>
-                </a:gridCol>
-                <a:gridCol w="404796">
-                  <a:extLst>
-                    <a:ext uri="{9D8B030D-6E8A-4147-A177-3AD203B41FA5}">
-                      <a16:colId xmlns:a16="http://schemas.microsoft.com/office/drawing/2014/main" val="20017"/>
-                    </a:ext>
-                  </a:extLst>
-                </a:gridCol>
-                <a:gridCol w="404796">
-                  <a:extLst>
-                    <a:ext uri="{9D8B030D-6E8A-4147-A177-3AD203B41FA5}">
-                      <a16:colId xmlns:a16="http://schemas.microsoft.com/office/drawing/2014/main" val="20018"/>
-                    </a:ext>
-                  </a:extLst>
-                </a:gridCol>
-                <a:gridCol w="544414">
-                  <a:extLst>
-                    <a:ext uri="{9D8B030D-6E8A-4147-A177-3AD203B41FA5}">
-                      <a16:colId xmlns:a16="http://schemas.microsoft.com/office/drawing/2014/main" val="20019"/>
-                    </a:ext>
-                  </a:extLst>
-                </a:gridCol>
-                <a:gridCol w="855023">
-                  <a:extLst>
-                    <a:ext uri="{9D8B030D-6E8A-4147-A177-3AD203B41FA5}">
-                      <a16:colId xmlns:a16="http://schemas.microsoft.com/office/drawing/2014/main" val="20020"/>
-                    </a:ext>
-                  </a:extLst>
-                </a:gridCol>
-              </a:tblGrid>
-              <a:tr h="1450670">
-                <a:tc>
-                  <a:txBody>
-                    <a:bodyPr/>
-                    <a:lstStyle/>
-                    <a:p>
-                      <a:pPr marL="0" lvl="0" indent="0" algn="l">
-                        <a:buNone/>
-                      </a:pPr>
-                      <a:r>
-                        <a:rPr sz="800"/>
-                        <a:t>batch_name</a:t>
-                      </a:r>
-                    </a:p>
-                  </a:txBody>
-                  <a:tcPr/>
-                </a:tc>
-                <a:tc>
-                  <a:txBody>
-                    <a:bodyPr/>
-                    <a:lstStyle/>
-                    <a:p>
-                      <a:pPr marL="0" lvl="0" indent="0" algn="l">
-                        <a:buNone/>
-                      </a:pPr>
-                      <a:r>
-                        <a:rPr sz="800"/>
-                        <a:t>sample_name</a:t>
-                      </a:r>
-                    </a:p>
-                  </a:txBody>
-                  <a:tcPr/>
-                </a:tc>
-                <a:tc>
-                  <a:txBody>
-                    <a:bodyPr/>
-                    <a:lstStyle/>
-                    <a:p>
-                      <a:pPr marL="0" lvl="0" indent="0" algn="l">
-                        <a:buNone/>
-                      </a:pPr>
-                      <a:r>
-                        <a:rPr sz="800"/>
-                        <a:t>compound_name</a:t>
-                      </a:r>
-                    </a:p>
-                  </a:txBody>
-                  <a:tcPr/>
-                </a:tc>
-                <a:tc>
-                  <a:txBody>
-                    <a:bodyPr/>
-                    <a:lstStyle/>
-                    <a:p>
-                      <a:pPr marL="0" lvl="0" indent="0" algn="r">
-                        <a:buNone/>
-                      </a:pPr>
-                      <a:r>
-                        <a:rPr sz="800"/>
-                        <a:t>ion_ratio</a:t>
-                      </a:r>
-                    </a:p>
-                  </a:txBody>
-                  <a:tcPr/>
-                </a:tc>
-                <a:tc>
-                  <a:txBody>
-                    <a:bodyPr/>
-                    <a:lstStyle/>
-                    <a:p>
-                      <a:pPr marL="0" lvl="0" indent="0" algn="r">
-                        <a:buNone/>
-                      </a:pPr>
-                      <a:r>
-                        <a:rPr sz="800"/>
-                        <a:t>response</a:t>
-                      </a:r>
-                    </a:p>
-                  </a:txBody>
-                  <a:tcPr/>
-                </a:tc>
-                <a:tc>
-                  <a:txBody>
-                    <a:bodyPr/>
-                    <a:lstStyle/>
-                    <a:p>
-                      <a:pPr marL="0" lvl="0" indent="0" algn="r">
-                        <a:buNone/>
-                      </a:pPr>
-                      <a:r>
-                        <a:rPr sz="800"/>
-                        <a:t>concentration</a:t>
-                      </a:r>
-                    </a:p>
-                  </a:txBody>
-                  <a:tcPr/>
-                </a:tc>
-                <a:tc>
-                  <a:txBody>
-                    <a:bodyPr/>
-                    <a:lstStyle/>
-                    <a:p>
-                      <a:pPr marL="0" lvl="0" indent="0" algn="l">
-                        <a:buNone/>
-                      </a:pPr>
-                      <a:r>
-                        <a:rPr sz="800"/>
-                        <a:t>sample_type</a:t>
-                      </a:r>
-                    </a:p>
-                  </a:txBody>
-                  <a:tcPr/>
-                </a:tc>
-                <a:tc>
-                  <a:txBody>
-                    <a:bodyPr/>
-                    <a:lstStyle/>
-                    <a:p>
-                      <a:pPr marL="0" lvl="0" indent="0" algn="r">
-                        <a:buNone/>
-                      </a:pPr>
-                      <a:r>
-                        <a:rPr sz="800"/>
-                        <a:t>expected_concentration</a:t>
-                      </a:r>
-                    </a:p>
-                  </a:txBody>
-                  <a:tcPr/>
-                </a:tc>
-                <a:tc>
-                  <a:txBody>
-                    <a:bodyPr/>
-                    <a:lstStyle/>
-                    <a:p>
-                      <a:pPr marL="0" lvl="0" indent="0" algn="r">
-                        <a:buNone/>
-                      </a:pPr>
-                      <a:r>
-                        <a:rPr sz="800"/>
-                        <a:t>used_for_curve</a:t>
-                      </a:r>
-                    </a:p>
-                  </a:txBody>
-                  <a:tcPr/>
-                </a:tc>
-                <a:tc>
-                  <a:txBody>
-                    <a:bodyPr/>
-                    <a:lstStyle/>
-                    <a:p>
-                      <a:pPr marL="0" lvl="0" indent="0" algn="r">
-                        <a:buNone/>
-                      </a:pPr>
-                      <a:r>
-                        <a:rPr sz="800"/>
-                        <a:t>sample_passed</a:t>
-                      </a:r>
-                    </a:p>
-                  </a:txBody>
-                  <a:tcPr/>
-                </a:tc>
-                <a:tc>
-                  <a:txBody>
-                    <a:bodyPr/>
-                    <a:lstStyle/>
-                    <a:p>
-                      <a:pPr marL="0" lvl="0" indent="0" algn="l">
-                        <a:buNone/>
-                      </a:pPr>
-                      <a:r>
-                        <a:rPr sz="800"/>
-                        <a:t>batch_name..11</a:t>
-                      </a:r>
-                    </a:p>
-                  </a:txBody>
-                  <a:tcPr/>
-                </a:tc>
-                <a:tc>
-                  <a:txBody>
-                    <a:bodyPr/>
-                    <a:lstStyle/>
-                    <a:p>
-                      <a:pPr marL="0" lvl="0" indent="0" algn="l">
-                        <a:buNone/>
-                      </a:pPr>
-                      <a:r>
-                        <a:rPr sz="800"/>
-                        <a:t>instrument_name</a:t>
-                      </a:r>
-                    </a:p>
-                  </a:txBody>
-                  <a:tcPr/>
-                </a:tc>
-                <a:tc>
-                  <a:txBody>
-                    <a:bodyPr/>
-                    <a:lstStyle/>
-                    <a:p>
-                      <a:pPr marL="0" lvl="0" indent="0" algn="l">
-                        <a:buNone/>
-                      </a:pPr>
-                      <a:r>
-                        <a:rPr sz="800"/>
-                        <a:t>compound_name..13</a:t>
-                      </a:r>
-                    </a:p>
-                  </a:txBody>
-                  <a:tcPr/>
-                </a:tc>
-                <a:tc>
-                  <a:txBody>
-                    <a:bodyPr/>
-                    <a:lstStyle/>
-                    <a:p>
-                      <a:pPr marL="0" lvl="0" indent="0" algn="r">
-                        <a:buNone/>
-                      </a:pPr>
-                      <a:r>
-                        <a:rPr sz="800"/>
-                        <a:t>calibration_slope</a:t>
-                      </a:r>
-                    </a:p>
-                  </a:txBody>
-                  <a:tcPr/>
-                </a:tc>
-                <a:tc>
-                  <a:txBody>
-                    <a:bodyPr/>
-                    <a:lstStyle/>
-                    <a:p>
-                      <a:pPr marL="0" lvl="0" indent="0" algn="r">
-                        <a:buNone/>
-                      </a:pPr>
-                      <a:r>
-                        <a:rPr sz="800"/>
-                        <a:t>calibration_intercept</a:t>
-                      </a:r>
-                    </a:p>
-                  </a:txBody>
-                  <a:tcPr/>
-                </a:tc>
-                <a:tc>
-                  <a:txBody>
-                    <a:bodyPr/>
-                    <a:lstStyle/>
-                    <a:p>
-                      <a:pPr marL="0" lvl="0" indent="0" algn="r">
-                        <a:buNone/>
-                      </a:pPr>
-                      <a:r>
-                        <a:rPr sz="800"/>
-                        <a:t>calibration_r2</a:t>
-                      </a:r>
-                    </a:p>
-                  </a:txBody>
-                  <a:tcPr/>
-                </a:tc>
-                <a:tc>
-                  <a:txBody>
-                    <a:bodyPr/>
-                    <a:lstStyle/>
-                    <a:p>
-                      <a:pPr marL="0" lvl="0" indent="0" algn="r">
-                        <a:buNone/>
-                      </a:pPr>
-                      <a:r>
-                        <a:rPr sz="800"/>
-                        <a:t>batch_passed</a:t>
-                      </a:r>
-                    </a:p>
-                  </a:txBody>
-                  <a:tcPr/>
-                </a:tc>
-                <a:tc>
-                  <a:txBody>
-                    <a:bodyPr/>
-                    <a:lstStyle/>
-                    <a:p>
-                      <a:pPr marL="0" lvl="0" indent="0" algn="l">
-                        <a:buNone/>
-                      </a:pPr>
-                      <a:r>
-                        <a:rPr sz="800"/>
-                        <a:t>reviewer_name</a:t>
-                      </a:r>
-                    </a:p>
-                  </a:txBody>
-                  <a:tcPr/>
-                </a:tc>
-                <a:tc>
-                  <a:txBody>
-                    <a:bodyPr/>
-                    <a:lstStyle/>
-                    <a:p>
-                      <a:pPr marL="0" lvl="0" indent="0" algn="r">
-                        <a:buNone/>
-                      </a:pPr>
-                      <a:r>
-                        <a:rPr sz="800"/>
-                        <a:t>batch_collected_timestamp</a:t>
-                      </a:r>
-                    </a:p>
-                  </a:txBody>
-                  <a:tcPr/>
-                </a:tc>
-                <a:tc>
-                  <a:txBody>
-                    <a:bodyPr/>
-                    <a:lstStyle/>
-                    <a:p>
-                      <a:pPr marL="0" lvl="0" indent="0" algn="r">
-                        <a:buNone/>
-                      </a:pPr>
-                      <a:r>
-                        <a:rPr sz="800"/>
-                        <a:t>review_start_timestamp</a:t>
-                      </a:r>
-                    </a:p>
-                  </a:txBody>
-                  <a:tcPr/>
-                </a:tc>
-                <a:tc>
-                  <a:txBody>
-                    <a:bodyPr/>
-                    <a:lstStyle/>
-                    <a:p>
-                      <a:pPr marL="0" lvl="0" indent="0" algn="r">
-                        <a:buNone/>
-                      </a:pPr>
-                      <a:r>
-                        <a:rPr sz="800"/>
-                        <a:t>review_complete_timestamp</a:t>
-                      </a:r>
-                    </a:p>
-                  </a:txBody>
-                  <a:tcPr/>
-                </a:tc>
-                <a:extLst>
-                  <a:ext uri="{0D108BD9-81ED-4DB2-BD59-A6C34878D82A}">
-                    <a16:rowId xmlns:a16="http://schemas.microsoft.com/office/drawing/2014/main" val="10000"/>
-                  </a:ext>
-                </a:extLst>
-              </a:tr>
-              <a:tr h="695113">
-                <a:tc>
-                  <a:txBody>
-                    <a:bodyPr/>
-                    <a:lstStyle/>
-                    <a:p>
-                      <a:pPr marL="0" lvl="0" indent="0" algn="l">
-                        <a:buNone/>
-                      </a:pPr>
-                      <a:r>
-                        <a:rPr sz="800"/>
-                        <a:t>b802253</a:t>
-                      </a:r>
-                    </a:p>
-                  </a:txBody>
-                  <a:tcPr/>
-                </a:tc>
-                <a:tc>
-                  <a:txBody>
-                    <a:bodyPr/>
-                    <a:lstStyle/>
-                    <a:p>
-                      <a:pPr marL="0" lvl="0" indent="0" algn="l">
-                        <a:buNone/>
-                      </a:pPr>
-                      <a:r>
-                        <a:rPr sz="800"/>
-                        <a:t>s253001</a:t>
-                      </a:r>
-                    </a:p>
-                  </a:txBody>
-                  <a:tcPr/>
-                </a:tc>
-                <a:tc>
-                  <a:txBody>
-                    <a:bodyPr/>
-                    <a:lstStyle/>
-                    <a:p>
-                      <a:pPr marL="0" lvl="0" indent="0" algn="l">
-                        <a:buNone/>
-                      </a:pPr>
-                      <a:r>
-                        <a:rPr sz="800"/>
-                        <a:t>morphine</a:t>
-                      </a:r>
-                    </a:p>
-                  </a:txBody>
-                  <a:tcPr/>
-                </a:tc>
-                <a:tc>
-                  <a:txBody>
-                    <a:bodyPr/>
-                    <a:lstStyle/>
-                    <a:p>
-                      <a:pPr marL="0" lvl="0" indent="0" algn="r">
-                        <a:buNone/>
-                      </a:pPr>
-                      <a:r>
-                        <a:rPr sz="800"/>
-                        <a:t>0</a:t>
-                      </a:r>
-                    </a:p>
-                  </a:txBody>
-                  <a:tcPr/>
-                </a:tc>
-                <a:tc>
-                  <a:txBody>
-                    <a:bodyPr/>
-                    <a:lstStyle/>
-                    <a:p>
-                      <a:pPr marL="0" lvl="0" indent="0" algn="r">
-                        <a:buNone/>
-                      </a:pPr>
-                      <a:r>
-                        <a:rPr sz="800"/>
-                        <a:t>0</a:t>
-                      </a:r>
-                    </a:p>
-                  </a:txBody>
-                  <a:tcPr/>
-                </a:tc>
-                <a:tc>
-                  <a:txBody>
-                    <a:bodyPr/>
-                    <a:lstStyle/>
-                    <a:p>
-                      <a:pPr marL="0" lvl="0" indent="0" algn="r">
-                        <a:buNone/>
-                      </a:pPr>
-                      <a:r>
-                        <a:rPr sz="800"/>
-                        <a:t>0</a:t>
-                      </a:r>
-                    </a:p>
-                  </a:txBody>
-                  <a:tcPr/>
-                </a:tc>
-                <a:tc>
-                  <a:txBody>
-                    <a:bodyPr/>
-                    <a:lstStyle/>
-                    <a:p>
-                      <a:pPr marL="0" lvl="0" indent="0" algn="l">
-                        <a:buNone/>
-                      </a:pPr>
-                      <a:r>
-                        <a:rPr sz="800"/>
-                        <a:t>blank</a:t>
-                      </a:r>
-                    </a:p>
-                  </a:txBody>
-                  <a:tcPr/>
-                </a:tc>
-                <a:tc>
-                  <a:txBody>
-                    <a:bodyPr/>
-                    <a:lstStyle/>
-                    <a:p>
-                      <a:pPr marL="0" lvl="0" indent="0" algn="r">
-                        <a:buNone/>
-                      </a:pPr>
-                      <a:r>
-                        <a:rPr sz="800"/>
-                        <a:t>0</a:t>
-                      </a:r>
-                    </a:p>
-                  </a:txBody>
-                  <a:tcPr/>
-                </a:tc>
-                <a:tc>
-                  <a:txBody>
-                    <a:bodyPr/>
-                    <a:lstStyle/>
-                    <a:p>
-                      <a:pPr marL="0" lvl="0" indent="0" algn="r">
-                        <a:buNone/>
-                      </a:pPr>
-                      <a:r>
-                        <a:rPr sz="800"/>
-                        <a:t>0</a:t>
-                      </a:r>
-                    </a:p>
-                  </a:txBody>
-                  <a:tcPr/>
-                </a:tc>
-                <a:tc>
-                  <a:txBody>
-                    <a:bodyPr/>
-                    <a:lstStyle/>
-                    <a:p>
-                      <a:pPr marL="0" lvl="0" indent="0" algn="r">
-                        <a:buNone/>
-                      </a:pPr>
-                      <a:r>
-                        <a:rPr sz="800"/>
-                        <a:t>0</a:t>
-                      </a:r>
-                    </a:p>
-                  </a:txBody>
-                  <a:tcPr/>
-                </a:tc>
-                <a:tc>
-                  <a:txBody>
-                    <a:bodyPr/>
-                    <a:lstStyle/>
-                    <a:p>
-                      <a:pPr marL="0" lvl="0" indent="0" algn="l">
-                        <a:buNone/>
-                      </a:pPr>
-                      <a:r>
-                        <a:rPr sz="800"/>
-                        <a:t>b802253</a:t>
-                      </a:r>
-                    </a:p>
-                  </a:txBody>
-                  <a:tcPr/>
-                </a:tc>
-                <a:tc>
-                  <a:txBody>
-                    <a:bodyPr/>
-                    <a:lstStyle/>
-                    <a:p>
-                      <a:pPr marL="0" lvl="0" indent="0" algn="l">
-                        <a:buNone/>
-                      </a:pPr>
-                      <a:r>
-                        <a:rPr sz="800"/>
-                        <a:t>doc</a:t>
-                      </a:r>
-                    </a:p>
-                  </a:txBody>
-                  <a:tcPr/>
-                </a:tc>
-                <a:tc>
-                  <a:txBody>
-                    <a:bodyPr/>
-                    <a:lstStyle/>
-                    <a:p>
-                      <a:pPr marL="0" lvl="0" indent="0" algn="l">
-                        <a:buNone/>
-                      </a:pPr>
-                      <a:r>
-                        <a:rPr sz="800"/>
-                        <a:t>morphine</a:t>
-                      </a:r>
-                    </a:p>
-                  </a:txBody>
-                  <a:tcPr/>
-                </a:tc>
-                <a:tc>
-                  <a:txBody>
-                    <a:bodyPr/>
-                    <a:lstStyle/>
-                    <a:p>
-                      <a:pPr marL="0" lvl="0" indent="0" algn="r">
-                        <a:buNone/>
-                      </a:pPr>
-                      <a:r>
-                        <a:rPr sz="800"/>
-                        <a:t>0.0077502</a:t>
-                      </a:r>
-                    </a:p>
-                  </a:txBody>
-                  <a:tcPr/>
-                </a:tc>
-                <a:tc>
-                  <a:txBody>
-                    <a:bodyPr/>
-                    <a:lstStyle/>
-                    <a:p>
-                      <a:pPr marL="0" lvl="0" indent="0" algn="r">
-                        <a:buNone/>
-                      </a:pPr>
-                      <a:r>
-                        <a:rPr sz="800"/>
-                        <a:t>-5.80e-06</a:t>
-                      </a:r>
-                    </a:p>
-                  </a:txBody>
-                  <a:tcPr/>
-                </a:tc>
-                <a:tc>
-                  <a:txBody>
-                    <a:bodyPr/>
-                    <a:lstStyle/>
-                    <a:p>
-                      <a:pPr marL="0" lvl="0" indent="0" algn="r">
-                        <a:buNone/>
-                      </a:pPr>
-                      <a:r>
-                        <a:rPr sz="800"/>
-                        <a:t>0.9965239</a:t>
-                      </a:r>
-                    </a:p>
-                  </a:txBody>
-                  <a:tcPr/>
-                </a:tc>
-                <a:tc>
-                  <a:txBody>
-                    <a:bodyPr/>
-                    <a:lstStyle/>
-                    <a:p>
-                      <a:pPr marL="0" lvl="0" indent="0" algn="r">
-                        <a:buNone/>
-                      </a:pPr>
-                      <a:r>
-                        <a:rPr sz="800"/>
-                        <a:t>1</a:t>
-                      </a:r>
-                    </a:p>
-                  </a:txBody>
-                  <a:tcPr/>
-                </a:tc>
-                <a:tc>
-                  <a:txBody>
-                    <a:bodyPr/>
-                    <a:lstStyle/>
-                    <a:p>
-                      <a:pPr marL="0" lvl="0" indent="0" algn="l">
-                        <a:buNone/>
-                      </a:pPr>
-                      <a:r>
-                        <a:rPr sz="800"/>
-                        <a:t>Xavier</a:t>
-                      </a:r>
-                    </a:p>
-                  </a:txBody>
-                  <a:tcPr/>
-                </a:tc>
-                <a:tc>
-                  <a:txBody>
-                    <a:bodyPr/>
-                    <a:lstStyle/>
-                    <a:p>
-                      <a:pPr marL="0" lvl="0" indent="0" algn="r">
-                        <a:buNone/>
-                      </a:pPr>
-                      <a:r>
-                        <a:rPr sz="800"/>
-                        <a:t>1483738800</a:t>
-                      </a:r>
-                    </a:p>
-                  </a:txBody>
-                  <a:tcPr/>
-                </a:tc>
-                <a:tc>
-                  <a:txBody>
-                    <a:bodyPr/>
-                    <a:lstStyle/>
-                    <a:p>
-                      <a:pPr marL="0" lvl="0" indent="0" algn="r">
-                        <a:buNone/>
-                      </a:pPr>
-                      <a:r>
-                        <a:rPr sz="800"/>
-                        <a:t>1483796580</a:t>
-                      </a:r>
-                    </a:p>
-                  </a:txBody>
-                  <a:tcPr/>
-                </a:tc>
-                <a:tc>
-                  <a:txBody>
-                    <a:bodyPr/>
-                    <a:lstStyle/>
-                    <a:p>
-                      <a:pPr marL="0" lvl="0" indent="0" algn="r">
-                        <a:buNone/>
-                      </a:pPr>
-                      <a:r>
-                        <a:rPr sz="800"/>
-                        <a:t>1483798140</a:t>
-                      </a:r>
-                    </a:p>
-                  </a:txBody>
-                  <a:tcPr/>
-                </a:tc>
-                <a:extLst>
-                  <a:ext uri="{0D108BD9-81ED-4DB2-BD59-A6C34878D82A}">
-                    <a16:rowId xmlns:a16="http://schemas.microsoft.com/office/drawing/2014/main" val="10001"/>
-                  </a:ext>
-                </a:extLst>
-              </a:tr>
-              <a:tr h="846224">
-                <a:tc>
-                  <a:txBody>
-                    <a:bodyPr/>
-                    <a:lstStyle/>
-                    <a:p>
-                      <a:pPr marL="0" lvl="0" indent="0" algn="l">
-                        <a:buNone/>
-                      </a:pPr>
-                      <a:r>
-                        <a:rPr sz="800"/>
-                        <a:t>b802253</a:t>
-                      </a:r>
-                    </a:p>
-                  </a:txBody>
-                  <a:tcPr/>
-                </a:tc>
-                <a:tc>
-                  <a:txBody>
-                    <a:bodyPr/>
-                    <a:lstStyle/>
-                    <a:p>
-                      <a:pPr marL="0" lvl="0" indent="0" algn="l">
-                        <a:buNone/>
-                      </a:pPr>
-                      <a:r>
-                        <a:rPr sz="800"/>
-                        <a:t>s253001</a:t>
-                      </a:r>
-                    </a:p>
-                  </a:txBody>
-                  <a:tcPr/>
-                </a:tc>
-                <a:tc>
-                  <a:txBody>
-                    <a:bodyPr/>
-                    <a:lstStyle/>
-                    <a:p>
-                      <a:pPr marL="0" lvl="0" indent="0" algn="l">
-                        <a:buNone/>
-                      </a:pPr>
-                      <a:r>
-                        <a:rPr sz="800"/>
-                        <a:t>hydromorphone</a:t>
-                      </a:r>
-                    </a:p>
-                  </a:txBody>
-                  <a:tcPr/>
-                </a:tc>
-                <a:tc>
-                  <a:txBody>
-                    <a:bodyPr/>
-                    <a:lstStyle/>
-                    <a:p>
-                      <a:pPr marL="0" lvl="0" indent="0" algn="r">
-                        <a:buNone/>
-                      </a:pPr>
-                      <a:r>
-                        <a:rPr sz="800"/>
-                        <a:t>0</a:t>
-                      </a:r>
-                    </a:p>
-                  </a:txBody>
-                  <a:tcPr/>
-                </a:tc>
-                <a:tc>
-                  <a:txBody>
-                    <a:bodyPr/>
-                    <a:lstStyle/>
-                    <a:p>
-                      <a:pPr marL="0" lvl="0" indent="0" algn="r">
-                        <a:buNone/>
-                      </a:pPr>
-                      <a:r>
-                        <a:rPr sz="800"/>
-                        <a:t>0</a:t>
-                      </a:r>
-                    </a:p>
-                  </a:txBody>
-                  <a:tcPr/>
-                </a:tc>
-                <a:tc>
-                  <a:txBody>
-                    <a:bodyPr/>
-                    <a:lstStyle/>
-                    <a:p>
-                      <a:pPr marL="0" lvl="0" indent="0" algn="r">
-                        <a:buNone/>
-                      </a:pPr>
-                      <a:r>
-                        <a:rPr sz="800"/>
-                        <a:t>0</a:t>
-                      </a:r>
-                    </a:p>
-                  </a:txBody>
-                  <a:tcPr/>
-                </a:tc>
-                <a:tc>
-                  <a:txBody>
-                    <a:bodyPr/>
-                    <a:lstStyle/>
-                    <a:p>
-                      <a:pPr marL="0" lvl="0" indent="0" algn="l">
-                        <a:buNone/>
-                      </a:pPr>
-                      <a:r>
-                        <a:rPr sz="800"/>
-                        <a:t>blank</a:t>
-                      </a:r>
-                    </a:p>
-                  </a:txBody>
-                  <a:tcPr/>
-                </a:tc>
-                <a:tc>
-                  <a:txBody>
-                    <a:bodyPr/>
-                    <a:lstStyle/>
-                    <a:p>
-                      <a:pPr marL="0" lvl="0" indent="0" algn="r">
-                        <a:buNone/>
-                      </a:pPr>
-                      <a:r>
-                        <a:rPr sz="800"/>
-                        <a:t>0</a:t>
-                      </a:r>
-                    </a:p>
-                  </a:txBody>
-                  <a:tcPr/>
-                </a:tc>
-                <a:tc>
-                  <a:txBody>
-                    <a:bodyPr/>
-                    <a:lstStyle/>
-                    <a:p>
-                      <a:pPr marL="0" lvl="0" indent="0" algn="r">
-                        <a:buNone/>
-                      </a:pPr>
-                      <a:r>
-                        <a:rPr sz="800"/>
-                        <a:t>0</a:t>
-                      </a:r>
-                    </a:p>
-                  </a:txBody>
-                  <a:tcPr/>
-                </a:tc>
-                <a:tc>
-                  <a:txBody>
-                    <a:bodyPr/>
-                    <a:lstStyle/>
-                    <a:p>
-                      <a:pPr marL="0" lvl="0" indent="0" algn="r">
-                        <a:buNone/>
-                      </a:pPr>
-                      <a:r>
-                        <a:rPr sz="800"/>
-                        <a:t>1</a:t>
-                      </a:r>
-                    </a:p>
-                  </a:txBody>
-                  <a:tcPr/>
-                </a:tc>
-                <a:tc>
-                  <a:txBody>
-                    <a:bodyPr/>
-                    <a:lstStyle/>
-                    <a:p>
-                      <a:pPr marL="0" lvl="0" indent="0" algn="l">
-                        <a:buNone/>
-                      </a:pPr>
-                      <a:r>
-                        <a:rPr sz="800"/>
-                        <a:t>b802253</a:t>
-                      </a:r>
-                    </a:p>
-                  </a:txBody>
-                  <a:tcPr/>
-                </a:tc>
-                <a:tc>
-                  <a:txBody>
-                    <a:bodyPr/>
-                    <a:lstStyle/>
-                    <a:p>
-                      <a:pPr marL="0" lvl="0" indent="0" algn="l">
-                        <a:buNone/>
-                      </a:pPr>
-                      <a:r>
-                        <a:rPr sz="800"/>
-                        <a:t>doc</a:t>
-                      </a:r>
-                    </a:p>
-                  </a:txBody>
-                  <a:tcPr/>
-                </a:tc>
-                <a:tc>
-                  <a:txBody>
-                    <a:bodyPr/>
-                    <a:lstStyle/>
-                    <a:p>
-                      <a:pPr marL="0" lvl="0" indent="0" algn="l">
-                        <a:buNone/>
-                      </a:pPr>
-                      <a:r>
-                        <a:rPr sz="800"/>
-                        <a:t>hydromorphone</a:t>
-                      </a:r>
-                    </a:p>
-                  </a:txBody>
-                  <a:tcPr/>
-                </a:tc>
-                <a:tc>
-                  <a:txBody>
-                    <a:bodyPr/>
-                    <a:lstStyle/>
-                    <a:p>
-                      <a:pPr marL="0" lvl="0" indent="0" algn="r">
-                        <a:buNone/>
-                      </a:pPr>
-                      <a:r>
-                        <a:rPr sz="800"/>
-                        <a:t>0.0076783</a:t>
-                      </a:r>
-                    </a:p>
-                  </a:txBody>
-                  <a:tcPr/>
-                </a:tc>
-                <a:tc>
-                  <a:txBody>
-                    <a:bodyPr/>
-                    <a:lstStyle/>
-                    <a:p>
-                      <a:pPr marL="0" lvl="0" indent="0" algn="r">
-                        <a:buNone/>
-                      </a:pPr>
-                      <a:r>
-                        <a:rPr sz="800"/>
-                        <a:t>-4.38e-05</a:t>
-                      </a:r>
-                    </a:p>
-                  </a:txBody>
-                  <a:tcPr/>
-                </a:tc>
-                <a:tc>
-                  <a:txBody>
-                    <a:bodyPr/>
-                    <a:lstStyle/>
-                    <a:p>
-                      <a:pPr marL="0" lvl="0" indent="0" algn="r">
-                        <a:buNone/>
-                      </a:pPr>
-                      <a:r>
-                        <a:rPr sz="800"/>
-                        <a:t>0.9805162</a:t>
-                      </a:r>
-                    </a:p>
-                  </a:txBody>
-                  <a:tcPr/>
-                </a:tc>
-                <a:tc>
-                  <a:txBody>
-                    <a:bodyPr/>
-                    <a:lstStyle/>
-                    <a:p>
-                      <a:pPr marL="0" lvl="0" indent="0" algn="r">
-                        <a:buNone/>
-                      </a:pPr>
-                      <a:r>
-                        <a:rPr sz="800"/>
-                        <a:t>1</a:t>
-                      </a:r>
-                    </a:p>
-                  </a:txBody>
-                  <a:tcPr/>
-                </a:tc>
-                <a:tc>
-                  <a:txBody>
-                    <a:bodyPr/>
-                    <a:lstStyle/>
-                    <a:p>
-                      <a:pPr marL="0" lvl="0" indent="0" algn="l">
-                        <a:buNone/>
-                      </a:pPr>
-                      <a:r>
-                        <a:rPr sz="800"/>
-                        <a:t>Xavier</a:t>
-                      </a:r>
-                    </a:p>
-                  </a:txBody>
-                  <a:tcPr/>
-                </a:tc>
-                <a:tc>
-                  <a:txBody>
-                    <a:bodyPr/>
-                    <a:lstStyle/>
-                    <a:p>
-                      <a:pPr marL="0" lvl="0" indent="0" algn="r">
-                        <a:buNone/>
-                      </a:pPr>
-                      <a:r>
-                        <a:rPr sz="800"/>
-                        <a:t>1483738800</a:t>
-                      </a:r>
-                    </a:p>
-                  </a:txBody>
-                  <a:tcPr/>
-                </a:tc>
-                <a:tc>
-                  <a:txBody>
-                    <a:bodyPr/>
-                    <a:lstStyle/>
-                    <a:p>
-                      <a:pPr marL="0" lvl="0" indent="0" algn="r">
-                        <a:buNone/>
-                      </a:pPr>
-                      <a:r>
-                        <a:rPr sz="800"/>
-                        <a:t>1483796580</a:t>
-                      </a:r>
-                    </a:p>
-                  </a:txBody>
-                  <a:tcPr/>
-                </a:tc>
-                <a:tc>
-                  <a:txBody>
-                    <a:bodyPr/>
-                    <a:lstStyle/>
-                    <a:p>
-                      <a:pPr marL="0" lvl="0" indent="0" algn="r">
-                        <a:buNone/>
-                      </a:pPr>
-                      <a:r>
-                        <a:rPr sz="800"/>
-                        <a:t>1483798140</a:t>
-                      </a:r>
-                    </a:p>
-                  </a:txBody>
-                  <a:tcPr/>
-                </a:tc>
-                <a:extLst>
-                  <a:ext uri="{0D108BD9-81ED-4DB2-BD59-A6C34878D82A}">
-                    <a16:rowId xmlns:a16="http://schemas.microsoft.com/office/drawing/2014/main" val="10002"/>
-                  </a:ext>
-                </a:extLst>
-              </a:tr>
-              <a:tr h="695113">
-                <a:tc>
-                  <a:txBody>
-                    <a:bodyPr/>
-                    <a:lstStyle/>
-                    <a:p>
-                      <a:pPr marL="0" lvl="0" indent="0" algn="l">
-                        <a:buNone/>
-                      </a:pPr>
-                      <a:r>
-                        <a:rPr sz="800"/>
-                        <a:t>b802253</a:t>
-                      </a:r>
-                    </a:p>
-                  </a:txBody>
-                  <a:tcPr/>
-                </a:tc>
-                <a:tc>
-                  <a:txBody>
-                    <a:bodyPr/>
-                    <a:lstStyle/>
-                    <a:p>
-                      <a:pPr marL="0" lvl="0" indent="0" algn="l">
-                        <a:buNone/>
-                      </a:pPr>
-                      <a:r>
-                        <a:rPr sz="800"/>
-                        <a:t>s253001</a:t>
-                      </a:r>
-                    </a:p>
-                  </a:txBody>
-                  <a:tcPr/>
-                </a:tc>
-                <a:tc>
-                  <a:txBody>
-                    <a:bodyPr/>
-                    <a:lstStyle/>
-                    <a:p>
-                      <a:pPr marL="0" lvl="0" indent="0" algn="l">
-                        <a:buNone/>
-                      </a:pPr>
-                      <a:r>
-                        <a:rPr sz="800"/>
-                        <a:t>oxymorphone</a:t>
-                      </a:r>
-                    </a:p>
-                  </a:txBody>
-                  <a:tcPr/>
-                </a:tc>
-                <a:tc>
-                  <a:txBody>
-                    <a:bodyPr/>
-                    <a:lstStyle/>
-                    <a:p>
-                      <a:pPr marL="0" lvl="0" indent="0" algn="r">
-                        <a:buNone/>
-                      </a:pPr>
-                      <a:r>
-                        <a:rPr sz="800"/>
-                        <a:t>0</a:t>
-                      </a:r>
-                    </a:p>
-                  </a:txBody>
-                  <a:tcPr/>
-                </a:tc>
-                <a:tc>
-                  <a:txBody>
-                    <a:bodyPr/>
-                    <a:lstStyle/>
-                    <a:p>
-                      <a:pPr marL="0" lvl="0" indent="0" algn="r">
-                        <a:buNone/>
-                      </a:pPr>
-                      <a:r>
-                        <a:rPr sz="800"/>
-                        <a:t>0</a:t>
-                      </a:r>
-                    </a:p>
-                  </a:txBody>
-                  <a:tcPr/>
-                </a:tc>
-                <a:tc>
-                  <a:txBody>
-                    <a:bodyPr/>
-                    <a:lstStyle/>
-                    <a:p>
-                      <a:pPr marL="0" lvl="0" indent="0" algn="r">
-                        <a:buNone/>
-                      </a:pPr>
-                      <a:r>
-                        <a:rPr sz="800"/>
-                        <a:t>0</a:t>
-                      </a:r>
-                    </a:p>
-                  </a:txBody>
-                  <a:tcPr/>
-                </a:tc>
-                <a:tc>
-                  <a:txBody>
-                    <a:bodyPr/>
-                    <a:lstStyle/>
-                    <a:p>
-                      <a:pPr marL="0" lvl="0" indent="0" algn="l">
-                        <a:buNone/>
-                      </a:pPr>
-                      <a:r>
-                        <a:rPr sz="800"/>
-                        <a:t>blank</a:t>
-                      </a:r>
-                    </a:p>
-                  </a:txBody>
-                  <a:tcPr/>
-                </a:tc>
-                <a:tc>
-                  <a:txBody>
-                    <a:bodyPr/>
-                    <a:lstStyle/>
-                    <a:p>
-                      <a:pPr marL="0" lvl="0" indent="0" algn="r">
-                        <a:buNone/>
-                      </a:pPr>
-                      <a:r>
-                        <a:rPr sz="800"/>
-                        <a:t>0</a:t>
-                      </a:r>
-                    </a:p>
-                  </a:txBody>
-                  <a:tcPr/>
-                </a:tc>
-                <a:tc>
-                  <a:txBody>
-                    <a:bodyPr/>
-                    <a:lstStyle/>
-                    <a:p>
-                      <a:pPr marL="0" lvl="0" indent="0" algn="r">
-                        <a:buNone/>
-                      </a:pPr>
-                      <a:r>
-                        <a:rPr sz="800"/>
-                        <a:t>0</a:t>
-                      </a:r>
-                    </a:p>
-                  </a:txBody>
-                  <a:tcPr/>
-                </a:tc>
-                <a:tc>
-                  <a:txBody>
-                    <a:bodyPr/>
-                    <a:lstStyle/>
-                    <a:p>
-                      <a:pPr marL="0" lvl="0" indent="0" algn="r">
-                        <a:buNone/>
-                      </a:pPr>
-                      <a:r>
-                        <a:rPr sz="800"/>
-                        <a:t>1</a:t>
-                      </a:r>
-                    </a:p>
-                  </a:txBody>
-                  <a:tcPr/>
-                </a:tc>
-                <a:tc>
-                  <a:txBody>
-                    <a:bodyPr/>
-                    <a:lstStyle/>
-                    <a:p>
-                      <a:pPr marL="0" lvl="0" indent="0" algn="l">
-                        <a:buNone/>
-                      </a:pPr>
-                      <a:r>
-                        <a:rPr sz="800"/>
-                        <a:t>b802253</a:t>
-                      </a:r>
-                    </a:p>
-                  </a:txBody>
-                  <a:tcPr/>
-                </a:tc>
-                <a:tc>
-                  <a:txBody>
-                    <a:bodyPr/>
-                    <a:lstStyle/>
-                    <a:p>
-                      <a:pPr marL="0" lvl="0" indent="0" algn="l">
-                        <a:buNone/>
-                      </a:pPr>
-                      <a:r>
-                        <a:rPr sz="800"/>
-                        <a:t>doc</a:t>
-                      </a:r>
-                    </a:p>
-                  </a:txBody>
-                  <a:tcPr/>
-                </a:tc>
-                <a:tc>
-                  <a:txBody>
-                    <a:bodyPr/>
-                    <a:lstStyle/>
-                    <a:p>
-                      <a:pPr marL="0" lvl="0" indent="0" algn="l">
-                        <a:buNone/>
-                      </a:pPr>
-                      <a:r>
-                        <a:rPr sz="800"/>
-                        <a:t>oxymorphone</a:t>
-                      </a:r>
-                    </a:p>
-                  </a:txBody>
-                  <a:tcPr/>
-                </a:tc>
-                <a:tc>
-                  <a:txBody>
-                    <a:bodyPr/>
-                    <a:lstStyle/>
-                    <a:p>
-                      <a:pPr marL="0" lvl="0" indent="0" algn="r">
-                        <a:buNone/>
-                      </a:pPr>
-                      <a:r>
-                        <a:rPr sz="800"/>
-                        <a:t>0.0079751</a:t>
-                      </a:r>
-                    </a:p>
-                  </a:txBody>
-                  <a:tcPr/>
-                </a:tc>
-                <a:tc>
-                  <a:txBody>
-                    <a:bodyPr/>
-                    <a:lstStyle/>
-                    <a:p>
-                      <a:pPr marL="0" lvl="0" indent="0" algn="r">
-                        <a:buNone/>
-                      </a:pPr>
-                      <a:r>
-                        <a:rPr sz="800"/>
-                        <a:t>5.20e-06</a:t>
-                      </a:r>
-                    </a:p>
-                  </a:txBody>
-                  <a:tcPr/>
-                </a:tc>
-                <a:tc>
-                  <a:txBody>
-                    <a:bodyPr/>
-                    <a:lstStyle/>
-                    <a:p>
-                      <a:pPr marL="0" lvl="0" indent="0" algn="r">
-                        <a:buNone/>
-                      </a:pPr>
-                      <a:r>
-                        <a:rPr sz="800"/>
-                        <a:t>0.9838828</a:t>
-                      </a:r>
-                    </a:p>
-                  </a:txBody>
-                  <a:tcPr/>
-                </a:tc>
-                <a:tc>
-                  <a:txBody>
-                    <a:bodyPr/>
-                    <a:lstStyle/>
-                    <a:p>
-                      <a:pPr marL="0" lvl="0" indent="0" algn="r">
-                        <a:buNone/>
-                      </a:pPr>
-                      <a:r>
-                        <a:rPr sz="800"/>
-                        <a:t>1</a:t>
-                      </a:r>
-                    </a:p>
-                  </a:txBody>
-                  <a:tcPr/>
-                </a:tc>
-                <a:tc>
-                  <a:txBody>
-                    <a:bodyPr/>
-                    <a:lstStyle/>
-                    <a:p>
-                      <a:pPr marL="0" lvl="0" indent="0" algn="l">
-                        <a:buNone/>
-                      </a:pPr>
-                      <a:r>
-                        <a:rPr sz="800"/>
-                        <a:t>Xavier</a:t>
-                      </a:r>
-                    </a:p>
-                  </a:txBody>
-                  <a:tcPr/>
-                </a:tc>
-                <a:tc>
-                  <a:txBody>
-                    <a:bodyPr/>
-                    <a:lstStyle/>
-                    <a:p>
-                      <a:pPr marL="0" lvl="0" indent="0" algn="r">
-                        <a:buNone/>
-                      </a:pPr>
-                      <a:r>
-                        <a:rPr sz="800"/>
-                        <a:t>1483738800</a:t>
-                      </a:r>
-                    </a:p>
-                  </a:txBody>
-                  <a:tcPr/>
-                </a:tc>
-                <a:tc>
-                  <a:txBody>
-                    <a:bodyPr/>
-                    <a:lstStyle/>
-                    <a:p>
-                      <a:pPr marL="0" lvl="0" indent="0" algn="r">
-                        <a:buNone/>
-                      </a:pPr>
-                      <a:r>
-                        <a:rPr sz="800"/>
-                        <a:t>1483796580</a:t>
-                      </a:r>
-                    </a:p>
-                  </a:txBody>
-                  <a:tcPr/>
-                </a:tc>
-                <a:tc>
-                  <a:txBody>
-                    <a:bodyPr/>
-                    <a:lstStyle/>
-                    <a:p>
-                      <a:pPr marL="0" lvl="0" indent="0" algn="r">
-                        <a:buNone/>
-                      </a:pPr>
-                      <a:r>
-                        <a:rPr sz="800"/>
-                        <a:t>1483798140</a:t>
-                      </a:r>
-                    </a:p>
-                  </a:txBody>
-                  <a:tcPr/>
-                </a:tc>
-                <a:extLst>
-                  <a:ext uri="{0D108BD9-81ED-4DB2-BD59-A6C34878D82A}">
-                    <a16:rowId xmlns:a16="http://schemas.microsoft.com/office/drawing/2014/main" val="10003"/>
-                  </a:ext>
-                </a:extLst>
-              </a:tr>
-              <a:tr h="695113">
-                <a:tc>
-                  <a:txBody>
-                    <a:bodyPr/>
-                    <a:lstStyle/>
-                    <a:p>
-                      <a:pPr marL="0" lvl="0" indent="0" algn="l">
-                        <a:buNone/>
-                      </a:pPr>
-                      <a:r>
-                        <a:rPr sz="800"/>
-                        <a:t>b802253</a:t>
-                      </a:r>
-                    </a:p>
-                  </a:txBody>
-                  <a:tcPr/>
-                </a:tc>
-                <a:tc>
-                  <a:txBody>
-                    <a:bodyPr/>
-                    <a:lstStyle/>
-                    <a:p>
-                      <a:pPr marL="0" lvl="0" indent="0" algn="l">
-                        <a:buNone/>
-                      </a:pPr>
-                      <a:r>
-                        <a:rPr sz="800"/>
-                        <a:t>s253001</a:t>
-                      </a:r>
-                    </a:p>
-                  </a:txBody>
-                  <a:tcPr/>
-                </a:tc>
-                <a:tc>
-                  <a:txBody>
-                    <a:bodyPr/>
-                    <a:lstStyle/>
-                    <a:p>
-                      <a:pPr marL="0" lvl="0" indent="0" algn="l">
-                        <a:buNone/>
-                      </a:pPr>
-                      <a:r>
-                        <a:rPr sz="800"/>
-                        <a:t>codeine</a:t>
-                      </a:r>
-                    </a:p>
-                  </a:txBody>
-                  <a:tcPr/>
-                </a:tc>
-                <a:tc>
-                  <a:txBody>
-                    <a:bodyPr/>
-                    <a:lstStyle/>
-                    <a:p>
-                      <a:pPr marL="0" lvl="0" indent="0" algn="r">
-                        <a:buNone/>
-                      </a:pPr>
-                      <a:r>
-                        <a:rPr sz="800"/>
-                        <a:t>0</a:t>
-                      </a:r>
-                    </a:p>
-                  </a:txBody>
-                  <a:tcPr/>
-                </a:tc>
-                <a:tc>
-                  <a:txBody>
-                    <a:bodyPr/>
-                    <a:lstStyle/>
-                    <a:p>
-                      <a:pPr marL="0" lvl="0" indent="0" algn="r">
-                        <a:buNone/>
-                      </a:pPr>
-                      <a:r>
-                        <a:rPr sz="800"/>
-                        <a:t>0</a:t>
-                      </a:r>
-                    </a:p>
-                  </a:txBody>
-                  <a:tcPr/>
-                </a:tc>
-                <a:tc>
-                  <a:txBody>
-                    <a:bodyPr/>
-                    <a:lstStyle/>
-                    <a:p>
-                      <a:pPr marL="0" lvl="0" indent="0" algn="r">
-                        <a:buNone/>
-                      </a:pPr>
-                      <a:r>
-                        <a:rPr sz="800"/>
-                        <a:t>0</a:t>
-                      </a:r>
-                    </a:p>
-                  </a:txBody>
-                  <a:tcPr/>
-                </a:tc>
-                <a:tc>
-                  <a:txBody>
-                    <a:bodyPr/>
-                    <a:lstStyle/>
-                    <a:p>
-                      <a:pPr marL="0" lvl="0" indent="0" algn="l">
-                        <a:buNone/>
-                      </a:pPr>
-                      <a:r>
-                        <a:rPr sz="800"/>
-                        <a:t>blank</a:t>
-                      </a:r>
-                    </a:p>
-                  </a:txBody>
-                  <a:tcPr/>
-                </a:tc>
-                <a:tc>
-                  <a:txBody>
-                    <a:bodyPr/>
-                    <a:lstStyle/>
-                    <a:p>
-                      <a:pPr marL="0" lvl="0" indent="0" algn="r">
-                        <a:buNone/>
-                      </a:pPr>
-                      <a:r>
-                        <a:rPr sz="800"/>
-                        <a:t>0</a:t>
-                      </a:r>
-                    </a:p>
-                  </a:txBody>
-                  <a:tcPr/>
-                </a:tc>
-                <a:tc>
-                  <a:txBody>
-                    <a:bodyPr/>
-                    <a:lstStyle/>
-                    <a:p>
-                      <a:pPr marL="0" lvl="0" indent="0" algn="r">
-                        <a:buNone/>
-                      </a:pPr>
-                      <a:r>
-                        <a:rPr sz="800"/>
-                        <a:t>0</a:t>
-                      </a:r>
-                    </a:p>
-                  </a:txBody>
-                  <a:tcPr/>
-                </a:tc>
-                <a:tc>
-                  <a:txBody>
-                    <a:bodyPr/>
-                    <a:lstStyle/>
-                    <a:p>
-                      <a:pPr marL="0" lvl="0" indent="0" algn="r">
-                        <a:buNone/>
-                      </a:pPr>
-                      <a:r>
-                        <a:rPr sz="800"/>
-                        <a:t>1</a:t>
-                      </a:r>
-                    </a:p>
-                  </a:txBody>
-                  <a:tcPr/>
-                </a:tc>
-                <a:tc>
-                  <a:txBody>
-                    <a:bodyPr/>
-                    <a:lstStyle/>
-                    <a:p>
-                      <a:pPr marL="0" lvl="0" indent="0" algn="l">
-                        <a:buNone/>
-                      </a:pPr>
-                      <a:r>
-                        <a:rPr sz="800"/>
-                        <a:t>b802253</a:t>
-                      </a:r>
-                    </a:p>
-                  </a:txBody>
-                  <a:tcPr/>
-                </a:tc>
-                <a:tc>
-                  <a:txBody>
-                    <a:bodyPr/>
-                    <a:lstStyle/>
-                    <a:p>
-                      <a:pPr marL="0" lvl="0" indent="0" algn="l">
-                        <a:buNone/>
-                      </a:pPr>
-                      <a:r>
-                        <a:rPr sz="800"/>
-                        <a:t>doc</a:t>
-                      </a:r>
-                    </a:p>
-                  </a:txBody>
-                  <a:tcPr/>
-                </a:tc>
-                <a:tc>
-                  <a:txBody>
-                    <a:bodyPr/>
-                    <a:lstStyle/>
-                    <a:p>
-                      <a:pPr marL="0" lvl="0" indent="0" algn="l">
-                        <a:buNone/>
-                      </a:pPr>
-                      <a:r>
-                        <a:rPr sz="800"/>
-                        <a:t>codeine</a:t>
-                      </a:r>
-                    </a:p>
-                  </a:txBody>
-                  <a:tcPr/>
-                </a:tc>
-                <a:tc>
-                  <a:txBody>
-                    <a:bodyPr/>
-                    <a:lstStyle/>
-                    <a:p>
-                      <a:pPr marL="0" lvl="0" indent="0" algn="r">
-                        <a:buNone/>
-                      </a:pPr>
-                      <a:r>
-                        <a:rPr sz="800"/>
-                        <a:t>0.0081921</a:t>
-                      </a:r>
-                    </a:p>
-                  </a:txBody>
-                  <a:tcPr/>
-                </a:tc>
-                <a:tc>
-                  <a:txBody>
-                    <a:bodyPr/>
-                    <a:lstStyle/>
-                    <a:p>
-                      <a:pPr marL="0" lvl="0" indent="0" algn="r">
-                        <a:buNone/>
-                      </a:pPr>
-                      <a:r>
-                        <a:rPr sz="800"/>
-                        <a:t>-5.00e-06</a:t>
-                      </a:r>
-                    </a:p>
-                  </a:txBody>
-                  <a:tcPr/>
-                </a:tc>
-                <a:tc>
-                  <a:txBody>
-                    <a:bodyPr/>
-                    <a:lstStyle/>
-                    <a:p>
-                      <a:pPr marL="0" lvl="0" indent="0" algn="r">
-                        <a:buNone/>
-                      </a:pPr>
-                      <a:r>
-                        <a:rPr sz="800"/>
-                        <a:t>0.9806016</a:t>
-                      </a:r>
-                    </a:p>
-                  </a:txBody>
-                  <a:tcPr/>
-                </a:tc>
-                <a:tc>
-                  <a:txBody>
-                    <a:bodyPr/>
-                    <a:lstStyle/>
-                    <a:p>
-                      <a:pPr marL="0" lvl="0" indent="0" algn="r">
-                        <a:buNone/>
-                      </a:pPr>
-                      <a:r>
-                        <a:rPr sz="800"/>
-                        <a:t>1</a:t>
-                      </a:r>
-                    </a:p>
-                  </a:txBody>
-                  <a:tcPr/>
-                </a:tc>
-                <a:tc>
-                  <a:txBody>
-                    <a:bodyPr/>
-                    <a:lstStyle/>
-                    <a:p>
-                      <a:pPr marL="0" lvl="0" indent="0" algn="l">
-                        <a:buNone/>
-                      </a:pPr>
-                      <a:r>
-                        <a:rPr sz="800"/>
-                        <a:t>Xavier</a:t>
-                      </a:r>
-                    </a:p>
-                  </a:txBody>
-                  <a:tcPr/>
-                </a:tc>
-                <a:tc>
-                  <a:txBody>
-                    <a:bodyPr/>
-                    <a:lstStyle/>
-                    <a:p>
-                      <a:pPr marL="0" lvl="0" indent="0" algn="r">
-                        <a:buNone/>
-                      </a:pPr>
-                      <a:r>
-                        <a:rPr sz="800"/>
-                        <a:t>1483738800</a:t>
-                      </a:r>
-                    </a:p>
-                  </a:txBody>
-                  <a:tcPr/>
-                </a:tc>
-                <a:tc>
-                  <a:txBody>
-                    <a:bodyPr/>
-                    <a:lstStyle/>
-                    <a:p>
-                      <a:pPr marL="0" lvl="0" indent="0" algn="r">
-                        <a:buNone/>
-                      </a:pPr>
-                      <a:r>
-                        <a:rPr sz="800"/>
-                        <a:t>1483796580</a:t>
-                      </a:r>
-                    </a:p>
-                  </a:txBody>
-                  <a:tcPr/>
-                </a:tc>
-                <a:tc>
-                  <a:txBody>
-                    <a:bodyPr/>
-                    <a:lstStyle/>
-                    <a:p>
-                      <a:pPr marL="0" lvl="0" indent="0" algn="r">
-                        <a:buNone/>
-                      </a:pPr>
-                      <a:r>
-                        <a:rPr sz="800"/>
-                        <a:t>1483798140</a:t>
-                      </a:r>
-                    </a:p>
-                  </a:txBody>
-                  <a:tcPr/>
-                </a:tc>
-                <a:extLst>
-                  <a:ext uri="{0D108BD9-81ED-4DB2-BD59-A6C34878D82A}">
-                    <a16:rowId xmlns:a16="http://schemas.microsoft.com/office/drawing/2014/main" val="10004"/>
-                  </a:ext>
-                </a:extLst>
-              </a:tr>
-              <a:tr h="695113">
-                <a:tc>
-                  <a:txBody>
-                    <a:bodyPr/>
-                    <a:lstStyle/>
-                    <a:p>
-                      <a:pPr marL="0" lvl="0" indent="0" algn="l">
-                        <a:buNone/>
-                      </a:pPr>
-                      <a:r>
-                        <a:rPr sz="800"/>
-                        <a:t>b802253</a:t>
-                      </a:r>
-                    </a:p>
-                  </a:txBody>
-                  <a:tcPr/>
-                </a:tc>
-                <a:tc>
-                  <a:txBody>
-                    <a:bodyPr/>
-                    <a:lstStyle/>
-                    <a:p>
-                      <a:pPr marL="0" lvl="0" indent="0" algn="l">
-                        <a:buNone/>
-                      </a:pPr>
-                      <a:r>
-                        <a:rPr sz="800"/>
-                        <a:t>s253001</a:t>
-                      </a:r>
-                    </a:p>
-                  </a:txBody>
-                  <a:tcPr/>
-                </a:tc>
-                <a:tc>
-                  <a:txBody>
-                    <a:bodyPr/>
-                    <a:lstStyle/>
-                    <a:p>
-                      <a:pPr marL="0" lvl="0" indent="0" algn="l">
-                        <a:buNone/>
-                      </a:pPr>
-                      <a:r>
-                        <a:rPr sz="800"/>
-                        <a:t>hydrocodone</a:t>
-                      </a:r>
-                    </a:p>
-                  </a:txBody>
-                  <a:tcPr/>
-                </a:tc>
-                <a:tc>
-                  <a:txBody>
-                    <a:bodyPr/>
-                    <a:lstStyle/>
-                    <a:p>
-                      <a:pPr marL="0" lvl="0" indent="0" algn="r">
-                        <a:buNone/>
-                      </a:pPr>
-                      <a:r>
-                        <a:rPr sz="800"/>
-                        <a:t>0</a:t>
-                      </a:r>
-                    </a:p>
-                  </a:txBody>
-                  <a:tcPr/>
-                </a:tc>
-                <a:tc>
-                  <a:txBody>
-                    <a:bodyPr/>
-                    <a:lstStyle/>
-                    <a:p>
-                      <a:pPr marL="0" lvl="0" indent="0" algn="r">
-                        <a:buNone/>
-                      </a:pPr>
-                      <a:r>
-                        <a:rPr sz="800"/>
-                        <a:t>0</a:t>
-                      </a:r>
-                    </a:p>
-                  </a:txBody>
-                  <a:tcPr/>
-                </a:tc>
-                <a:tc>
-                  <a:txBody>
-                    <a:bodyPr/>
-                    <a:lstStyle/>
-                    <a:p>
-                      <a:pPr marL="0" lvl="0" indent="0" algn="r">
-                        <a:buNone/>
-                      </a:pPr>
-                      <a:r>
-                        <a:rPr sz="800"/>
-                        <a:t>0</a:t>
-                      </a:r>
-                    </a:p>
-                  </a:txBody>
-                  <a:tcPr/>
-                </a:tc>
-                <a:tc>
-                  <a:txBody>
-                    <a:bodyPr/>
-                    <a:lstStyle/>
-                    <a:p>
-                      <a:pPr marL="0" lvl="0" indent="0" algn="l">
-                        <a:buNone/>
-                      </a:pPr>
-                      <a:r>
-                        <a:rPr sz="800"/>
-                        <a:t>blank</a:t>
-                      </a:r>
-                    </a:p>
-                  </a:txBody>
-                  <a:tcPr/>
-                </a:tc>
-                <a:tc>
-                  <a:txBody>
-                    <a:bodyPr/>
-                    <a:lstStyle/>
-                    <a:p>
-                      <a:pPr marL="0" lvl="0" indent="0" algn="r">
-                        <a:buNone/>
-                      </a:pPr>
-                      <a:r>
-                        <a:rPr sz="800"/>
-                        <a:t>0</a:t>
-                      </a:r>
-                    </a:p>
-                  </a:txBody>
-                  <a:tcPr/>
-                </a:tc>
-                <a:tc>
-                  <a:txBody>
-                    <a:bodyPr/>
-                    <a:lstStyle/>
-                    <a:p>
-                      <a:pPr marL="0" lvl="0" indent="0" algn="r">
-                        <a:buNone/>
-                      </a:pPr>
-                      <a:r>
-                        <a:rPr sz="800"/>
-                        <a:t>0</a:t>
-                      </a:r>
-                    </a:p>
-                  </a:txBody>
-                  <a:tcPr/>
-                </a:tc>
-                <a:tc>
-                  <a:txBody>
-                    <a:bodyPr/>
-                    <a:lstStyle/>
-                    <a:p>
-                      <a:pPr marL="0" lvl="0" indent="0" algn="r">
-                        <a:buNone/>
-                      </a:pPr>
-                      <a:r>
-                        <a:rPr sz="800"/>
-                        <a:t>1</a:t>
-                      </a:r>
-                    </a:p>
-                  </a:txBody>
-                  <a:tcPr/>
-                </a:tc>
-                <a:tc>
-                  <a:txBody>
-                    <a:bodyPr/>
-                    <a:lstStyle/>
-                    <a:p>
-                      <a:pPr marL="0" lvl="0" indent="0" algn="l">
-                        <a:buNone/>
-                      </a:pPr>
-                      <a:r>
-                        <a:rPr sz="800"/>
-                        <a:t>b802253</a:t>
-                      </a:r>
-                    </a:p>
-                  </a:txBody>
-                  <a:tcPr/>
-                </a:tc>
-                <a:tc>
-                  <a:txBody>
-                    <a:bodyPr/>
-                    <a:lstStyle/>
-                    <a:p>
-                      <a:pPr marL="0" lvl="0" indent="0" algn="l">
-                        <a:buNone/>
-                      </a:pPr>
-                      <a:r>
-                        <a:rPr sz="800"/>
-                        <a:t>doc</a:t>
-                      </a:r>
-                    </a:p>
-                  </a:txBody>
-                  <a:tcPr/>
-                </a:tc>
-                <a:tc>
-                  <a:txBody>
-                    <a:bodyPr/>
-                    <a:lstStyle/>
-                    <a:p>
-                      <a:pPr marL="0" lvl="0" indent="0" algn="l">
-                        <a:buNone/>
-                      </a:pPr>
-                      <a:r>
-                        <a:rPr sz="800"/>
-                        <a:t>hydrocodone</a:t>
-                      </a:r>
-                    </a:p>
-                  </a:txBody>
-                  <a:tcPr/>
-                </a:tc>
-                <a:tc>
-                  <a:txBody>
-                    <a:bodyPr/>
-                    <a:lstStyle/>
-                    <a:p>
-                      <a:pPr marL="0" lvl="0" indent="0" algn="r">
-                        <a:buNone/>
-                      </a:pPr>
-                      <a:r>
-                        <a:rPr sz="800"/>
-                        <a:t>0.0065643</a:t>
-                      </a:r>
-                    </a:p>
-                  </a:txBody>
-                  <a:tcPr/>
-                </a:tc>
-                <a:tc>
-                  <a:txBody>
-                    <a:bodyPr/>
-                    <a:lstStyle/>
-                    <a:p>
-                      <a:pPr marL="0" lvl="0" indent="0" algn="r">
-                        <a:buNone/>
-                      </a:pPr>
-                      <a:r>
-                        <a:rPr sz="800"/>
-                        <a:t>4.56e-05</a:t>
-                      </a:r>
-                    </a:p>
-                  </a:txBody>
-                  <a:tcPr/>
-                </a:tc>
-                <a:tc>
-                  <a:txBody>
-                    <a:bodyPr/>
-                    <a:lstStyle/>
-                    <a:p>
-                      <a:pPr marL="0" lvl="0" indent="0" algn="r">
-                        <a:buNone/>
-                      </a:pPr>
-                      <a:r>
-                        <a:rPr sz="800"/>
-                        <a:t>0.9912476</a:t>
-                      </a:r>
-                    </a:p>
-                  </a:txBody>
-                  <a:tcPr/>
-                </a:tc>
-                <a:tc>
-                  <a:txBody>
-                    <a:bodyPr/>
-                    <a:lstStyle/>
-                    <a:p>
-                      <a:pPr marL="0" lvl="0" indent="0" algn="r">
-                        <a:buNone/>
-                      </a:pPr>
-                      <a:r>
-                        <a:rPr sz="800"/>
-                        <a:t>1</a:t>
-                      </a:r>
-                    </a:p>
-                  </a:txBody>
-                  <a:tcPr/>
-                </a:tc>
-                <a:tc>
-                  <a:txBody>
-                    <a:bodyPr/>
-                    <a:lstStyle/>
-                    <a:p>
-                      <a:pPr marL="0" lvl="0" indent="0" algn="l">
-                        <a:buNone/>
-                      </a:pPr>
-                      <a:r>
-                        <a:rPr sz="800"/>
-                        <a:t>Xavier</a:t>
-                      </a:r>
-                    </a:p>
-                  </a:txBody>
-                  <a:tcPr/>
-                </a:tc>
-                <a:tc>
-                  <a:txBody>
-                    <a:bodyPr/>
-                    <a:lstStyle/>
-                    <a:p>
-                      <a:pPr marL="0" lvl="0" indent="0" algn="r">
-                        <a:buNone/>
-                      </a:pPr>
-                      <a:r>
-                        <a:rPr sz="800"/>
-                        <a:t>1483738800</a:t>
-                      </a:r>
-                    </a:p>
-                  </a:txBody>
-                  <a:tcPr/>
-                </a:tc>
-                <a:tc>
-                  <a:txBody>
-                    <a:bodyPr/>
-                    <a:lstStyle/>
-                    <a:p>
-                      <a:pPr marL="0" lvl="0" indent="0" algn="r">
-                        <a:buNone/>
-                      </a:pPr>
-                      <a:r>
-                        <a:rPr sz="800"/>
-                        <a:t>1483796580</a:t>
-                      </a:r>
-                    </a:p>
-                  </a:txBody>
-                  <a:tcPr/>
-                </a:tc>
-                <a:tc>
-                  <a:txBody>
-                    <a:bodyPr/>
-                    <a:lstStyle/>
-                    <a:p>
-                      <a:pPr marL="0" lvl="0" indent="0" algn="r">
-                        <a:buNone/>
-                      </a:pPr>
-                      <a:r>
-                        <a:rPr sz="800"/>
-                        <a:t>1483798140</a:t>
-                      </a:r>
-                    </a:p>
-                  </a:txBody>
-                  <a:tcPr/>
-                </a:tc>
-                <a:extLst>
-                  <a:ext uri="{0D108BD9-81ED-4DB2-BD59-A6C34878D82A}">
-                    <a16:rowId xmlns:a16="http://schemas.microsoft.com/office/drawing/2014/main" val="10005"/>
-                  </a:ext>
-                </a:extLst>
-              </a:tr>
-              <a:tr h="695113">
-                <a:tc>
-                  <a:txBody>
-                    <a:bodyPr/>
-                    <a:lstStyle/>
-                    <a:p>
-                      <a:pPr marL="0" lvl="0" indent="0" algn="l">
-                        <a:buNone/>
-                      </a:pPr>
-                      <a:r>
-                        <a:rPr sz="800"/>
-                        <a:t>b802253</a:t>
-                      </a:r>
-                    </a:p>
-                  </a:txBody>
-                  <a:tcPr/>
-                </a:tc>
-                <a:tc>
-                  <a:txBody>
-                    <a:bodyPr/>
-                    <a:lstStyle/>
-                    <a:p>
-                      <a:pPr marL="0" lvl="0" indent="0" algn="l">
-                        <a:buNone/>
-                      </a:pPr>
-                      <a:r>
-                        <a:rPr sz="800"/>
-                        <a:t>s253001</a:t>
-                      </a:r>
-                    </a:p>
-                  </a:txBody>
-                  <a:tcPr/>
-                </a:tc>
-                <a:tc>
-                  <a:txBody>
-                    <a:bodyPr/>
-                    <a:lstStyle/>
-                    <a:p>
-                      <a:pPr marL="0" lvl="0" indent="0" algn="l">
-                        <a:buNone/>
-                      </a:pPr>
-                      <a:r>
-                        <a:rPr sz="800"/>
-                        <a:t>oxycodone</a:t>
-                      </a:r>
-                    </a:p>
-                  </a:txBody>
-                  <a:tcPr/>
-                </a:tc>
-                <a:tc>
-                  <a:txBody>
-                    <a:bodyPr/>
-                    <a:lstStyle/>
-                    <a:p>
-                      <a:pPr marL="0" lvl="0" indent="0" algn="r">
-                        <a:buNone/>
-                      </a:pPr>
-                      <a:r>
-                        <a:rPr sz="800"/>
-                        <a:t>0</a:t>
-                      </a:r>
-                    </a:p>
-                  </a:txBody>
-                  <a:tcPr/>
-                </a:tc>
-                <a:tc>
-                  <a:txBody>
-                    <a:bodyPr/>
-                    <a:lstStyle/>
-                    <a:p>
-                      <a:pPr marL="0" lvl="0" indent="0" algn="r">
-                        <a:buNone/>
-                      </a:pPr>
-                      <a:r>
-                        <a:rPr sz="800"/>
-                        <a:t>0</a:t>
-                      </a:r>
-                    </a:p>
-                  </a:txBody>
-                  <a:tcPr/>
-                </a:tc>
-                <a:tc>
-                  <a:txBody>
-                    <a:bodyPr/>
-                    <a:lstStyle/>
-                    <a:p>
-                      <a:pPr marL="0" lvl="0" indent="0" algn="r">
-                        <a:buNone/>
-                      </a:pPr>
-                      <a:r>
-                        <a:rPr sz="800"/>
-                        <a:t>0</a:t>
-                      </a:r>
-                    </a:p>
-                  </a:txBody>
-                  <a:tcPr/>
-                </a:tc>
-                <a:tc>
-                  <a:txBody>
-                    <a:bodyPr/>
-                    <a:lstStyle/>
-                    <a:p>
-                      <a:pPr marL="0" lvl="0" indent="0" algn="l">
-                        <a:buNone/>
-                      </a:pPr>
-                      <a:r>
-                        <a:rPr sz="800"/>
-                        <a:t>blank</a:t>
-                      </a:r>
-                    </a:p>
-                  </a:txBody>
-                  <a:tcPr/>
-                </a:tc>
-                <a:tc>
-                  <a:txBody>
-                    <a:bodyPr/>
-                    <a:lstStyle/>
-                    <a:p>
-                      <a:pPr marL="0" lvl="0" indent="0" algn="r">
-                        <a:buNone/>
-                      </a:pPr>
-                      <a:r>
-                        <a:rPr sz="800"/>
-                        <a:t>0</a:t>
-                      </a:r>
-                    </a:p>
-                  </a:txBody>
-                  <a:tcPr/>
-                </a:tc>
-                <a:tc>
-                  <a:txBody>
-                    <a:bodyPr/>
-                    <a:lstStyle/>
-                    <a:p>
-                      <a:pPr marL="0" lvl="0" indent="0" algn="r">
-                        <a:buNone/>
-                      </a:pPr>
-                      <a:r>
-                        <a:rPr sz="800"/>
-                        <a:t>0</a:t>
-                      </a:r>
-                    </a:p>
-                  </a:txBody>
-                  <a:tcPr/>
-                </a:tc>
-                <a:tc>
-                  <a:txBody>
-                    <a:bodyPr/>
-                    <a:lstStyle/>
-                    <a:p>
-                      <a:pPr marL="0" lvl="0" indent="0" algn="r">
-                        <a:buNone/>
-                      </a:pPr>
-                      <a:r>
-                        <a:rPr sz="800"/>
-                        <a:t>1</a:t>
-                      </a:r>
-                    </a:p>
-                  </a:txBody>
-                  <a:tcPr/>
-                </a:tc>
-                <a:tc>
-                  <a:txBody>
-                    <a:bodyPr/>
-                    <a:lstStyle/>
-                    <a:p>
-                      <a:pPr marL="0" lvl="0" indent="0" algn="l">
-                        <a:buNone/>
-                      </a:pPr>
-                      <a:r>
-                        <a:rPr sz="800"/>
-                        <a:t>b802253</a:t>
-                      </a:r>
-                    </a:p>
-                  </a:txBody>
-                  <a:tcPr/>
-                </a:tc>
-                <a:tc>
-                  <a:txBody>
-                    <a:bodyPr/>
-                    <a:lstStyle/>
-                    <a:p>
-                      <a:pPr marL="0" lvl="0" indent="0" algn="l">
-                        <a:buNone/>
-                      </a:pPr>
-                      <a:r>
-                        <a:rPr sz="800"/>
-                        <a:t>doc</a:t>
-                      </a:r>
-                    </a:p>
-                  </a:txBody>
-                  <a:tcPr/>
-                </a:tc>
-                <a:tc>
-                  <a:txBody>
-                    <a:bodyPr/>
-                    <a:lstStyle/>
-                    <a:p>
-                      <a:pPr marL="0" lvl="0" indent="0" algn="l">
-                        <a:buNone/>
-                      </a:pPr>
-                      <a:r>
-                        <a:rPr sz="800"/>
-                        <a:t>oxycodone</a:t>
-                      </a:r>
-                    </a:p>
-                  </a:txBody>
-                  <a:tcPr/>
-                </a:tc>
-                <a:tc>
-                  <a:txBody>
-                    <a:bodyPr/>
-                    <a:lstStyle/>
-                    <a:p>
-                      <a:pPr marL="0" lvl="0" indent="0" algn="r">
-                        <a:buNone/>
-                      </a:pPr>
-                      <a:r>
-                        <a:rPr sz="800"/>
-                        <a:t>0.0090238</a:t>
-                      </a:r>
-                    </a:p>
-                  </a:txBody>
-                  <a:tcPr/>
-                </a:tc>
-                <a:tc>
-                  <a:txBody>
-                    <a:bodyPr/>
-                    <a:lstStyle/>
-                    <a:p>
-                      <a:pPr marL="0" lvl="0" indent="0" algn="r">
-                        <a:buNone/>
-                      </a:pPr>
-                      <a:r>
-                        <a:rPr sz="800"/>
-                        <a:t>1.26e-05</a:t>
-                      </a:r>
-                    </a:p>
-                  </a:txBody>
-                  <a:tcPr/>
-                </a:tc>
-                <a:tc>
-                  <a:txBody>
-                    <a:bodyPr/>
-                    <a:lstStyle/>
-                    <a:p>
-                      <a:pPr marL="0" lvl="0" indent="0" algn="r">
-                        <a:buNone/>
-                      </a:pPr>
-                      <a:r>
-                        <a:rPr sz="800"/>
-                        <a:t>0.9838569</a:t>
-                      </a:r>
-                    </a:p>
-                  </a:txBody>
-                  <a:tcPr/>
-                </a:tc>
-                <a:tc>
-                  <a:txBody>
-                    <a:bodyPr/>
-                    <a:lstStyle/>
-                    <a:p>
-                      <a:pPr marL="0" lvl="0" indent="0" algn="r">
-                        <a:buNone/>
-                      </a:pPr>
-                      <a:r>
-                        <a:rPr sz="800"/>
-                        <a:t>1</a:t>
-                      </a:r>
-                    </a:p>
-                  </a:txBody>
-                  <a:tcPr/>
-                </a:tc>
-                <a:tc>
-                  <a:txBody>
-                    <a:bodyPr/>
-                    <a:lstStyle/>
-                    <a:p>
-                      <a:pPr marL="0" lvl="0" indent="0" algn="l">
-                        <a:buNone/>
-                      </a:pPr>
-                      <a:r>
-                        <a:rPr sz="800"/>
-                        <a:t>Xavier</a:t>
-                      </a:r>
-                    </a:p>
-                  </a:txBody>
-                  <a:tcPr/>
-                </a:tc>
-                <a:tc>
-                  <a:txBody>
-                    <a:bodyPr/>
-                    <a:lstStyle/>
-                    <a:p>
-                      <a:pPr marL="0" lvl="0" indent="0" algn="r">
-                        <a:buNone/>
-                      </a:pPr>
-                      <a:r>
-                        <a:rPr sz="800"/>
-                        <a:t>1483738800</a:t>
-                      </a:r>
-                    </a:p>
-                  </a:txBody>
-                  <a:tcPr/>
-                </a:tc>
-                <a:tc>
-                  <a:txBody>
-                    <a:bodyPr/>
-                    <a:lstStyle/>
-                    <a:p>
-                      <a:pPr marL="0" lvl="0" indent="0" algn="r">
-                        <a:buNone/>
-                      </a:pPr>
-                      <a:r>
-                        <a:rPr sz="800"/>
-                        <a:t>1483796580</a:t>
-                      </a:r>
-                    </a:p>
-                  </a:txBody>
-                  <a:tcPr/>
-                </a:tc>
-                <a:tc>
-                  <a:txBody>
-                    <a:bodyPr/>
-                    <a:lstStyle/>
-                    <a:p>
-                      <a:pPr marL="0" lvl="0" indent="0" algn="r">
-                        <a:buNone/>
-                      </a:pPr>
-                      <a:r>
-                        <a:rPr sz="800"/>
-                        <a:t>1483798140</a:t>
-                      </a:r>
-                    </a:p>
-                  </a:txBody>
-                  <a:tcPr/>
-                </a:tc>
-                <a:extLst>
-                  <a:ext uri="{0D108BD9-81ED-4DB2-BD59-A6C34878D82A}">
-                    <a16:rowId xmlns:a16="http://schemas.microsoft.com/office/drawing/2014/main" val="10006"/>
-                  </a:ext>
-                </a:extLst>
-              </a:tr>
-              <a:tr h="695113">
-                <a:tc>
-                  <a:txBody>
-                    <a:bodyPr/>
-                    <a:lstStyle/>
-                    <a:p>
-                      <a:pPr marL="0" lvl="0" indent="0" algn="l">
-                        <a:buNone/>
-                      </a:pPr>
-                      <a:r>
-                        <a:rPr sz="800"/>
-                        <a:t>b802253</a:t>
-                      </a:r>
-                    </a:p>
-                  </a:txBody>
-                  <a:tcPr/>
-                </a:tc>
-                <a:tc>
-                  <a:txBody>
-                    <a:bodyPr/>
-                    <a:lstStyle/>
-                    <a:p>
-                      <a:pPr marL="0" lvl="0" indent="0" algn="l">
-                        <a:buNone/>
-                      </a:pPr>
-                      <a:r>
-                        <a:rPr sz="800"/>
-                        <a:t>s253002</a:t>
-                      </a:r>
-                    </a:p>
-                  </a:txBody>
-                  <a:tcPr/>
-                </a:tc>
-                <a:tc>
-                  <a:txBody>
-                    <a:bodyPr/>
-                    <a:lstStyle/>
-                    <a:p>
-                      <a:pPr marL="0" lvl="0" indent="0" algn="l">
-                        <a:buNone/>
-                      </a:pPr>
-                      <a:r>
-                        <a:rPr sz="800"/>
-                        <a:t>morphine</a:t>
-                      </a:r>
-                    </a:p>
-                  </a:txBody>
-                  <a:tcPr/>
-                </a:tc>
-                <a:tc>
-                  <a:txBody>
-                    <a:bodyPr/>
-                    <a:lstStyle/>
-                    <a:p>
-                      <a:pPr marL="0" lvl="0" indent="0" algn="r">
-                        <a:buNone/>
-                      </a:pPr>
-                      <a:r>
-                        <a:rPr sz="800"/>
-                        <a:t>0</a:t>
-                      </a:r>
-                    </a:p>
-                  </a:txBody>
-                  <a:tcPr/>
-                </a:tc>
-                <a:tc>
-                  <a:txBody>
-                    <a:bodyPr/>
-                    <a:lstStyle/>
-                    <a:p>
-                      <a:pPr marL="0" lvl="0" indent="0" algn="r">
-                        <a:buNone/>
-                      </a:pPr>
-                      <a:r>
-                        <a:rPr sz="800"/>
-                        <a:t>0</a:t>
-                      </a:r>
-                    </a:p>
-                  </a:txBody>
-                  <a:tcPr/>
-                </a:tc>
-                <a:tc>
-                  <a:txBody>
-                    <a:bodyPr/>
-                    <a:lstStyle/>
-                    <a:p>
-                      <a:pPr marL="0" lvl="0" indent="0" algn="r">
-                        <a:buNone/>
-                      </a:pPr>
-                      <a:r>
-                        <a:rPr sz="800"/>
-                        <a:t>0</a:t>
-                      </a:r>
-                    </a:p>
-                  </a:txBody>
-                  <a:tcPr/>
-                </a:tc>
-                <a:tc>
-                  <a:txBody>
-                    <a:bodyPr/>
-                    <a:lstStyle/>
-                    <a:p>
-                      <a:pPr marL="0" lvl="0" indent="0" algn="l">
-                        <a:buNone/>
-                      </a:pPr>
-                      <a:r>
-                        <a:rPr sz="800"/>
-                        <a:t>standard</a:t>
-                      </a:r>
-                    </a:p>
-                  </a:txBody>
-                  <a:tcPr/>
-                </a:tc>
-                <a:tc>
-                  <a:txBody>
-                    <a:bodyPr/>
-                    <a:lstStyle/>
-                    <a:p>
-                      <a:pPr marL="0" lvl="0" indent="0" algn="r">
-                        <a:buNone/>
-                      </a:pPr>
-                      <a:r>
-                        <a:rPr sz="800"/>
-                        <a:t>0</a:t>
-                      </a:r>
-                    </a:p>
-                  </a:txBody>
-                  <a:tcPr/>
-                </a:tc>
-                <a:tc>
-                  <a:txBody>
-                    <a:bodyPr/>
-                    <a:lstStyle/>
-                    <a:p>
-                      <a:pPr marL="0" lvl="0" indent="0" algn="r">
-                        <a:buNone/>
-                      </a:pPr>
-                      <a:r>
-                        <a:rPr sz="800"/>
-                        <a:t>1</a:t>
-                      </a:r>
-                    </a:p>
-                  </a:txBody>
-                  <a:tcPr/>
-                </a:tc>
-                <a:tc>
-                  <a:txBody>
-                    <a:bodyPr/>
-                    <a:lstStyle/>
-                    <a:p>
-                      <a:pPr marL="0" lvl="0" indent="0" algn="r">
-                        <a:buNone/>
-                      </a:pPr>
-                      <a:r>
-                        <a:rPr sz="800"/>
-                        <a:t>1</a:t>
-                      </a:r>
-                    </a:p>
-                  </a:txBody>
-                  <a:tcPr/>
-                </a:tc>
-                <a:tc>
-                  <a:txBody>
-                    <a:bodyPr/>
-                    <a:lstStyle/>
-                    <a:p>
-                      <a:pPr marL="0" lvl="0" indent="0" algn="l">
-                        <a:buNone/>
-                      </a:pPr>
-                      <a:r>
-                        <a:rPr sz="800"/>
-                        <a:t>b802253</a:t>
-                      </a:r>
-                    </a:p>
-                  </a:txBody>
-                  <a:tcPr/>
-                </a:tc>
-                <a:tc>
-                  <a:txBody>
-                    <a:bodyPr/>
-                    <a:lstStyle/>
-                    <a:p>
-                      <a:pPr marL="0" lvl="0" indent="0" algn="l">
-                        <a:buNone/>
-                      </a:pPr>
-                      <a:r>
-                        <a:rPr sz="800"/>
-                        <a:t>doc</a:t>
-                      </a:r>
-                    </a:p>
-                  </a:txBody>
-                  <a:tcPr/>
-                </a:tc>
-                <a:tc>
-                  <a:txBody>
-                    <a:bodyPr/>
-                    <a:lstStyle/>
-                    <a:p>
-                      <a:pPr marL="0" lvl="0" indent="0" algn="l">
-                        <a:buNone/>
-                      </a:pPr>
-                      <a:r>
-                        <a:rPr sz="800"/>
-                        <a:t>morphine</a:t>
-                      </a:r>
-                    </a:p>
-                  </a:txBody>
-                  <a:tcPr/>
-                </a:tc>
-                <a:tc>
-                  <a:txBody>
-                    <a:bodyPr/>
-                    <a:lstStyle/>
-                    <a:p>
-                      <a:pPr marL="0" lvl="0" indent="0" algn="r">
-                        <a:buNone/>
-                      </a:pPr>
-                      <a:r>
-                        <a:rPr sz="800"/>
-                        <a:t>0.0077502</a:t>
-                      </a:r>
-                    </a:p>
-                  </a:txBody>
-                  <a:tcPr/>
-                </a:tc>
-                <a:tc>
-                  <a:txBody>
-                    <a:bodyPr/>
-                    <a:lstStyle/>
-                    <a:p>
-                      <a:pPr marL="0" lvl="0" indent="0" algn="r">
-                        <a:buNone/>
-                      </a:pPr>
-                      <a:r>
-                        <a:rPr sz="800"/>
-                        <a:t>-5.80e-06</a:t>
-                      </a:r>
-                    </a:p>
-                  </a:txBody>
-                  <a:tcPr/>
-                </a:tc>
-                <a:tc>
-                  <a:txBody>
-                    <a:bodyPr/>
-                    <a:lstStyle/>
-                    <a:p>
-                      <a:pPr marL="0" lvl="0" indent="0" algn="r">
-                        <a:buNone/>
-                      </a:pPr>
-                      <a:r>
-                        <a:rPr sz="800"/>
-                        <a:t>0.9965239</a:t>
-                      </a:r>
-                    </a:p>
-                  </a:txBody>
-                  <a:tcPr/>
-                </a:tc>
-                <a:tc>
-                  <a:txBody>
-                    <a:bodyPr/>
-                    <a:lstStyle/>
-                    <a:p>
-                      <a:pPr marL="0" lvl="0" indent="0" algn="r">
-                        <a:buNone/>
-                      </a:pPr>
-                      <a:r>
-                        <a:rPr sz="800"/>
-                        <a:t>1</a:t>
-                      </a:r>
-                    </a:p>
-                  </a:txBody>
-                  <a:tcPr/>
-                </a:tc>
-                <a:tc>
-                  <a:txBody>
-                    <a:bodyPr/>
-                    <a:lstStyle/>
-                    <a:p>
-                      <a:pPr marL="0" lvl="0" indent="0" algn="l">
-                        <a:buNone/>
-                      </a:pPr>
-                      <a:r>
-                        <a:rPr sz="800"/>
-                        <a:t>Xavier</a:t>
-                      </a:r>
-                    </a:p>
-                  </a:txBody>
-                  <a:tcPr/>
-                </a:tc>
-                <a:tc>
-                  <a:txBody>
-                    <a:bodyPr/>
-                    <a:lstStyle/>
-                    <a:p>
-                      <a:pPr marL="0" lvl="0" indent="0" algn="r">
-                        <a:buNone/>
-                      </a:pPr>
-                      <a:r>
-                        <a:rPr sz="800"/>
-                        <a:t>1483738800</a:t>
-                      </a:r>
-                    </a:p>
-                  </a:txBody>
-                  <a:tcPr/>
-                </a:tc>
-                <a:tc>
-                  <a:txBody>
-                    <a:bodyPr/>
-                    <a:lstStyle/>
-                    <a:p>
-                      <a:pPr marL="0" lvl="0" indent="0" algn="r">
-                        <a:buNone/>
-                      </a:pPr>
-                      <a:r>
-                        <a:rPr sz="800"/>
-                        <a:t>1483796580</a:t>
-                      </a:r>
-                    </a:p>
-                  </a:txBody>
-                  <a:tcPr/>
-                </a:tc>
-                <a:tc>
-                  <a:txBody>
-                    <a:bodyPr/>
-                    <a:lstStyle/>
-                    <a:p>
-                      <a:pPr marL="0" lvl="0" indent="0" algn="r">
-                        <a:buNone/>
-                      </a:pPr>
-                      <a:r>
-                        <a:rPr sz="800"/>
-                        <a:t>1483798140</a:t>
-                      </a:r>
-                    </a:p>
-                  </a:txBody>
-                  <a:tcPr/>
-                </a:tc>
-                <a:extLst>
-                  <a:ext uri="{0D108BD9-81ED-4DB2-BD59-A6C34878D82A}">
-                    <a16:rowId xmlns:a16="http://schemas.microsoft.com/office/drawing/2014/main" val="10007"/>
-                  </a:ext>
-                </a:extLst>
-              </a:tr>
-              <a:tr h="846224">
-                <a:tc>
-                  <a:txBody>
-                    <a:bodyPr/>
-                    <a:lstStyle/>
-                    <a:p>
-                      <a:pPr marL="0" lvl="0" indent="0" algn="l">
-                        <a:buNone/>
-                      </a:pPr>
-                      <a:r>
-                        <a:rPr sz="800"/>
-                        <a:t>b802253</a:t>
-                      </a:r>
-                    </a:p>
-                  </a:txBody>
-                  <a:tcPr/>
-                </a:tc>
-                <a:tc>
-                  <a:txBody>
-                    <a:bodyPr/>
-                    <a:lstStyle/>
-                    <a:p>
-                      <a:pPr marL="0" lvl="0" indent="0" algn="l">
-                        <a:buNone/>
-                      </a:pPr>
-                      <a:r>
-                        <a:rPr sz="800"/>
-                        <a:t>s253002</a:t>
-                      </a:r>
-                    </a:p>
-                  </a:txBody>
-                  <a:tcPr/>
-                </a:tc>
-                <a:tc>
-                  <a:txBody>
-                    <a:bodyPr/>
-                    <a:lstStyle/>
-                    <a:p>
-                      <a:pPr marL="0" lvl="0" indent="0" algn="l">
-                        <a:buNone/>
-                      </a:pPr>
-                      <a:r>
-                        <a:rPr sz="800"/>
-                        <a:t>hydromorphone</a:t>
-                      </a:r>
-                    </a:p>
-                  </a:txBody>
-                  <a:tcPr/>
-                </a:tc>
-                <a:tc>
-                  <a:txBody>
-                    <a:bodyPr/>
-                    <a:lstStyle/>
-                    <a:p>
-                      <a:pPr marL="0" lvl="0" indent="0" algn="r">
-                        <a:buNone/>
-                      </a:pPr>
-                      <a:r>
-                        <a:rPr sz="800"/>
-                        <a:t>0</a:t>
-                      </a:r>
-                    </a:p>
-                  </a:txBody>
-                  <a:tcPr/>
-                </a:tc>
-                <a:tc>
-                  <a:txBody>
-                    <a:bodyPr/>
-                    <a:lstStyle/>
-                    <a:p>
-                      <a:pPr marL="0" lvl="0" indent="0" algn="r">
-                        <a:buNone/>
-                      </a:pPr>
-                      <a:r>
-                        <a:rPr sz="800"/>
-                        <a:t>0</a:t>
-                      </a:r>
-                    </a:p>
-                  </a:txBody>
-                  <a:tcPr/>
-                </a:tc>
-                <a:tc>
-                  <a:txBody>
-                    <a:bodyPr/>
-                    <a:lstStyle/>
-                    <a:p>
-                      <a:pPr marL="0" lvl="0" indent="0" algn="r">
-                        <a:buNone/>
-                      </a:pPr>
-                      <a:r>
-                        <a:rPr sz="800"/>
-                        <a:t>0</a:t>
-                      </a:r>
-                    </a:p>
-                  </a:txBody>
-                  <a:tcPr/>
-                </a:tc>
-                <a:tc>
-                  <a:txBody>
-                    <a:bodyPr/>
-                    <a:lstStyle/>
-                    <a:p>
-                      <a:pPr marL="0" lvl="0" indent="0" algn="l">
-                        <a:buNone/>
-                      </a:pPr>
-                      <a:r>
-                        <a:rPr sz="800"/>
-                        <a:t>standard</a:t>
-                      </a:r>
-                    </a:p>
-                  </a:txBody>
-                  <a:tcPr/>
-                </a:tc>
-                <a:tc>
-                  <a:txBody>
-                    <a:bodyPr/>
-                    <a:lstStyle/>
-                    <a:p>
-                      <a:pPr marL="0" lvl="0" indent="0" algn="r">
-                        <a:buNone/>
-                      </a:pPr>
-                      <a:r>
-                        <a:rPr sz="800"/>
-                        <a:t>0</a:t>
-                      </a:r>
-                    </a:p>
-                  </a:txBody>
-                  <a:tcPr/>
-                </a:tc>
-                <a:tc>
-                  <a:txBody>
-                    <a:bodyPr/>
-                    <a:lstStyle/>
-                    <a:p>
-                      <a:pPr marL="0" lvl="0" indent="0" algn="r">
-                        <a:buNone/>
-                      </a:pPr>
-                      <a:r>
-                        <a:rPr sz="800"/>
-                        <a:t>1</a:t>
-                      </a:r>
-                    </a:p>
-                  </a:txBody>
-                  <a:tcPr/>
-                </a:tc>
-                <a:tc>
-                  <a:txBody>
-                    <a:bodyPr/>
-                    <a:lstStyle/>
-                    <a:p>
-                      <a:pPr marL="0" lvl="0" indent="0" algn="r">
-                        <a:buNone/>
-                      </a:pPr>
-                      <a:r>
-                        <a:rPr sz="800"/>
-                        <a:t>1</a:t>
-                      </a:r>
-                    </a:p>
-                  </a:txBody>
-                  <a:tcPr/>
-                </a:tc>
-                <a:tc>
-                  <a:txBody>
-                    <a:bodyPr/>
-                    <a:lstStyle/>
-                    <a:p>
-                      <a:pPr marL="0" lvl="0" indent="0" algn="l">
-                        <a:buNone/>
-                      </a:pPr>
-                      <a:r>
-                        <a:rPr sz="800"/>
-                        <a:t>b802253</a:t>
-                      </a:r>
-                    </a:p>
-                  </a:txBody>
-                  <a:tcPr/>
-                </a:tc>
-                <a:tc>
-                  <a:txBody>
-                    <a:bodyPr/>
-                    <a:lstStyle/>
-                    <a:p>
-                      <a:pPr marL="0" lvl="0" indent="0" algn="l">
-                        <a:buNone/>
-                      </a:pPr>
-                      <a:r>
-                        <a:rPr sz="800"/>
-                        <a:t>doc</a:t>
-                      </a:r>
-                    </a:p>
-                  </a:txBody>
-                  <a:tcPr/>
-                </a:tc>
-                <a:tc>
-                  <a:txBody>
-                    <a:bodyPr/>
-                    <a:lstStyle/>
-                    <a:p>
-                      <a:pPr marL="0" lvl="0" indent="0" algn="l">
-                        <a:buNone/>
-                      </a:pPr>
-                      <a:r>
-                        <a:rPr sz="800"/>
-                        <a:t>hydromorphone</a:t>
-                      </a:r>
-                    </a:p>
-                  </a:txBody>
-                  <a:tcPr/>
-                </a:tc>
-                <a:tc>
-                  <a:txBody>
-                    <a:bodyPr/>
-                    <a:lstStyle/>
-                    <a:p>
-                      <a:pPr marL="0" lvl="0" indent="0" algn="r">
-                        <a:buNone/>
-                      </a:pPr>
-                      <a:r>
-                        <a:rPr sz="800"/>
-                        <a:t>0.0076783</a:t>
-                      </a:r>
-                    </a:p>
-                  </a:txBody>
-                  <a:tcPr/>
-                </a:tc>
-                <a:tc>
-                  <a:txBody>
-                    <a:bodyPr/>
-                    <a:lstStyle/>
-                    <a:p>
-                      <a:pPr marL="0" lvl="0" indent="0" algn="r">
-                        <a:buNone/>
-                      </a:pPr>
-                      <a:r>
-                        <a:rPr sz="800"/>
-                        <a:t>-4.38e-05</a:t>
-                      </a:r>
-                    </a:p>
-                  </a:txBody>
-                  <a:tcPr/>
-                </a:tc>
-                <a:tc>
-                  <a:txBody>
-                    <a:bodyPr/>
-                    <a:lstStyle/>
-                    <a:p>
-                      <a:pPr marL="0" lvl="0" indent="0" algn="r">
-                        <a:buNone/>
-                      </a:pPr>
-                      <a:r>
-                        <a:rPr sz="800"/>
-                        <a:t>0.9805162</a:t>
-                      </a:r>
-                    </a:p>
-                  </a:txBody>
-                  <a:tcPr/>
-                </a:tc>
-                <a:tc>
-                  <a:txBody>
-                    <a:bodyPr/>
-                    <a:lstStyle/>
-                    <a:p>
-                      <a:pPr marL="0" lvl="0" indent="0" algn="r">
-                        <a:buNone/>
-                      </a:pPr>
-                      <a:r>
-                        <a:rPr sz="800"/>
-                        <a:t>1</a:t>
-                      </a:r>
-                    </a:p>
-                  </a:txBody>
-                  <a:tcPr/>
-                </a:tc>
-                <a:tc>
-                  <a:txBody>
-                    <a:bodyPr/>
-                    <a:lstStyle/>
-                    <a:p>
-                      <a:pPr marL="0" lvl="0" indent="0" algn="l">
-                        <a:buNone/>
-                      </a:pPr>
-                      <a:r>
-                        <a:rPr sz="800"/>
-                        <a:t>Xavier</a:t>
-                      </a:r>
-                    </a:p>
-                  </a:txBody>
-                  <a:tcPr/>
-                </a:tc>
-                <a:tc>
-                  <a:txBody>
-                    <a:bodyPr/>
-                    <a:lstStyle/>
-                    <a:p>
-                      <a:pPr marL="0" lvl="0" indent="0" algn="r">
-                        <a:buNone/>
-                      </a:pPr>
-                      <a:r>
-                        <a:rPr sz="800"/>
-                        <a:t>1483738800</a:t>
-                      </a:r>
-                    </a:p>
-                  </a:txBody>
-                  <a:tcPr/>
-                </a:tc>
-                <a:tc>
-                  <a:txBody>
-                    <a:bodyPr/>
-                    <a:lstStyle/>
-                    <a:p>
-                      <a:pPr marL="0" lvl="0" indent="0" algn="r">
-                        <a:buNone/>
-                      </a:pPr>
-                      <a:r>
-                        <a:rPr sz="800"/>
-                        <a:t>1483796580</a:t>
-                      </a:r>
-                    </a:p>
-                  </a:txBody>
-                  <a:tcPr/>
-                </a:tc>
-                <a:tc>
-                  <a:txBody>
-                    <a:bodyPr/>
-                    <a:lstStyle/>
-                    <a:p>
-                      <a:pPr marL="0" lvl="0" indent="0" algn="r">
-                        <a:buNone/>
-                      </a:pPr>
-                      <a:r>
-                        <a:rPr sz="800"/>
-                        <a:t>1483798140</a:t>
-                      </a:r>
-                    </a:p>
-                  </a:txBody>
-                  <a:tcPr/>
-                </a:tc>
-                <a:extLst>
-                  <a:ext uri="{0D108BD9-81ED-4DB2-BD59-A6C34878D82A}">
-                    <a16:rowId xmlns:a16="http://schemas.microsoft.com/office/drawing/2014/main" val="10008"/>
-                  </a:ext>
-                </a:extLst>
-              </a:tr>
-              <a:tr h="695113">
-                <a:tc>
-                  <a:txBody>
-                    <a:bodyPr/>
-                    <a:lstStyle/>
-                    <a:p>
-                      <a:pPr marL="0" lvl="0" indent="0" algn="l">
-                        <a:buNone/>
-                      </a:pPr>
-                      <a:r>
-                        <a:rPr sz="800"/>
-                        <a:t>b802253</a:t>
-                      </a:r>
-                    </a:p>
-                  </a:txBody>
-                  <a:tcPr/>
-                </a:tc>
-                <a:tc>
-                  <a:txBody>
-                    <a:bodyPr/>
-                    <a:lstStyle/>
-                    <a:p>
-                      <a:pPr marL="0" lvl="0" indent="0" algn="l">
-                        <a:buNone/>
-                      </a:pPr>
-                      <a:r>
-                        <a:rPr sz="800"/>
-                        <a:t>s253002</a:t>
-                      </a:r>
-                    </a:p>
-                  </a:txBody>
-                  <a:tcPr/>
-                </a:tc>
-                <a:tc>
-                  <a:txBody>
-                    <a:bodyPr/>
-                    <a:lstStyle/>
-                    <a:p>
-                      <a:pPr marL="0" lvl="0" indent="0" algn="l">
-                        <a:buNone/>
-                      </a:pPr>
-                      <a:r>
-                        <a:rPr sz="800"/>
-                        <a:t>oxymorphone</a:t>
-                      </a:r>
-                    </a:p>
-                  </a:txBody>
-                  <a:tcPr/>
-                </a:tc>
-                <a:tc>
-                  <a:txBody>
-                    <a:bodyPr/>
-                    <a:lstStyle/>
-                    <a:p>
-                      <a:pPr marL="0" lvl="0" indent="0" algn="r">
-                        <a:buNone/>
-                      </a:pPr>
-                      <a:r>
-                        <a:rPr sz="800"/>
-                        <a:t>0</a:t>
-                      </a:r>
-                    </a:p>
-                  </a:txBody>
-                  <a:tcPr/>
-                </a:tc>
-                <a:tc>
-                  <a:txBody>
-                    <a:bodyPr/>
-                    <a:lstStyle/>
-                    <a:p>
-                      <a:pPr marL="0" lvl="0" indent="0" algn="r">
-                        <a:buNone/>
-                      </a:pPr>
-                      <a:r>
-                        <a:rPr sz="800"/>
-                        <a:t>0</a:t>
-                      </a:r>
-                    </a:p>
-                  </a:txBody>
-                  <a:tcPr/>
-                </a:tc>
-                <a:tc>
-                  <a:txBody>
-                    <a:bodyPr/>
-                    <a:lstStyle/>
-                    <a:p>
-                      <a:pPr marL="0" lvl="0" indent="0" algn="r">
-                        <a:buNone/>
-                      </a:pPr>
-                      <a:r>
-                        <a:rPr sz="800"/>
-                        <a:t>0</a:t>
-                      </a:r>
-                    </a:p>
-                  </a:txBody>
-                  <a:tcPr/>
-                </a:tc>
-                <a:tc>
-                  <a:txBody>
-                    <a:bodyPr/>
-                    <a:lstStyle/>
-                    <a:p>
-                      <a:pPr marL="0" lvl="0" indent="0" algn="l">
-                        <a:buNone/>
-                      </a:pPr>
-                      <a:r>
-                        <a:rPr sz="800"/>
-                        <a:t>standard</a:t>
-                      </a:r>
-                    </a:p>
-                  </a:txBody>
-                  <a:tcPr/>
-                </a:tc>
-                <a:tc>
-                  <a:txBody>
-                    <a:bodyPr/>
-                    <a:lstStyle/>
-                    <a:p>
-                      <a:pPr marL="0" lvl="0" indent="0" algn="r">
-                        <a:buNone/>
-                      </a:pPr>
-                      <a:r>
-                        <a:rPr sz="800"/>
-                        <a:t>0</a:t>
-                      </a:r>
-                    </a:p>
-                  </a:txBody>
-                  <a:tcPr/>
-                </a:tc>
-                <a:tc>
-                  <a:txBody>
-                    <a:bodyPr/>
-                    <a:lstStyle/>
-                    <a:p>
-                      <a:pPr marL="0" lvl="0" indent="0" algn="r">
-                        <a:buNone/>
-                      </a:pPr>
-                      <a:r>
-                        <a:rPr sz="800"/>
-                        <a:t>1</a:t>
-                      </a:r>
-                    </a:p>
-                  </a:txBody>
-                  <a:tcPr/>
-                </a:tc>
-                <a:tc>
-                  <a:txBody>
-                    <a:bodyPr/>
-                    <a:lstStyle/>
-                    <a:p>
-                      <a:pPr marL="0" lvl="0" indent="0" algn="r">
-                        <a:buNone/>
-                      </a:pPr>
-                      <a:r>
-                        <a:rPr sz="800"/>
-                        <a:t>1</a:t>
-                      </a:r>
-                    </a:p>
-                  </a:txBody>
-                  <a:tcPr/>
-                </a:tc>
-                <a:tc>
-                  <a:txBody>
-                    <a:bodyPr/>
-                    <a:lstStyle/>
-                    <a:p>
-                      <a:pPr marL="0" lvl="0" indent="0" algn="l">
-                        <a:buNone/>
-                      </a:pPr>
-                      <a:r>
-                        <a:rPr sz="800"/>
-                        <a:t>b802253</a:t>
-                      </a:r>
-                    </a:p>
-                  </a:txBody>
-                  <a:tcPr/>
-                </a:tc>
-                <a:tc>
-                  <a:txBody>
-                    <a:bodyPr/>
-                    <a:lstStyle/>
-                    <a:p>
-                      <a:pPr marL="0" lvl="0" indent="0" algn="l">
-                        <a:buNone/>
-                      </a:pPr>
-                      <a:r>
-                        <a:rPr sz="800"/>
-                        <a:t>doc</a:t>
-                      </a:r>
-                    </a:p>
-                  </a:txBody>
-                  <a:tcPr/>
-                </a:tc>
-                <a:tc>
-                  <a:txBody>
-                    <a:bodyPr/>
-                    <a:lstStyle/>
-                    <a:p>
-                      <a:pPr marL="0" lvl="0" indent="0" algn="l">
-                        <a:buNone/>
-                      </a:pPr>
-                      <a:r>
-                        <a:rPr sz="800"/>
-                        <a:t>oxymorphone</a:t>
-                      </a:r>
-                    </a:p>
-                  </a:txBody>
-                  <a:tcPr/>
-                </a:tc>
-                <a:tc>
-                  <a:txBody>
-                    <a:bodyPr/>
-                    <a:lstStyle/>
-                    <a:p>
-                      <a:pPr marL="0" lvl="0" indent="0" algn="r">
-                        <a:buNone/>
-                      </a:pPr>
-                      <a:r>
-                        <a:rPr sz="800"/>
-                        <a:t>0.0079751</a:t>
-                      </a:r>
-                    </a:p>
-                  </a:txBody>
-                  <a:tcPr/>
-                </a:tc>
-                <a:tc>
-                  <a:txBody>
-                    <a:bodyPr/>
-                    <a:lstStyle/>
-                    <a:p>
-                      <a:pPr marL="0" lvl="0" indent="0" algn="r">
-                        <a:buNone/>
-                      </a:pPr>
-                      <a:r>
-                        <a:rPr sz="800"/>
-                        <a:t>5.20e-06</a:t>
-                      </a:r>
-                    </a:p>
-                  </a:txBody>
-                  <a:tcPr/>
-                </a:tc>
-                <a:tc>
-                  <a:txBody>
-                    <a:bodyPr/>
-                    <a:lstStyle/>
-                    <a:p>
-                      <a:pPr marL="0" lvl="0" indent="0" algn="r">
-                        <a:buNone/>
-                      </a:pPr>
-                      <a:r>
-                        <a:rPr sz="800"/>
-                        <a:t>0.9838828</a:t>
-                      </a:r>
-                    </a:p>
-                  </a:txBody>
-                  <a:tcPr/>
-                </a:tc>
-                <a:tc>
-                  <a:txBody>
-                    <a:bodyPr/>
-                    <a:lstStyle/>
-                    <a:p>
-                      <a:pPr marL="0" lvl="0" indent="0" algn="r">
-                        <a:buNone/>
-                      </a:pPr>
-                      <a:r>
-                        <a:rPr sz="800"/>
-                        <a:t>1</a:t>
-                      </a:r>
-                    </a:p>
-                  </a:txBody>
-                  <a:tcPr/>
-                </a:tc>
-                <a:tc>
-                  <a:txBody>
-                    <a:bodyPr/>
-                    <a:lstStyle/>
-                    <a:p>
-                      <a:pPr marL="0" lvl="0" indent="0" algn="l">
-                        <a:buNone/>
-                      </a:pPr>
-                      <a:r>
-                        <a:rPr sz="800"/>
-                        <a:t>Xavier</a:t>
-                      </a:r>
-                    </a:p>
-                  </a:txBody>
-                  <a:tcPr/>
-                </a:tc>
-                <a:tc>
-                  <a:txBody>
-                    <a:bodyPr/>
-                    <a:lstStyle/>
-                    <a:p>
-                      <a:pPr marL="0" lvl="0" indent="0" algn="r">
-                        <a:buNone/>
-                      </a:pPr>
-                      <a:r>
-                        <a:rPr sz="800"/>
-                        <a:t>1483738800</a:t>
-                      </a:r>
-                    </a:p>
-                  </a:txBody>
-                  <a:tcPr/>
-                </a:tc>
-                <a:tc>
-                  <a:txBody>
-                    <a:bodyPr/>
-                    <a:lstStyle/>
-                    <a:p>
-                      <a:pPr marL="0" lvl="0" indent="0" algn="r">
-                        <a:buNone/>
-                      </a:pPr>
-                      <a:r>
-                        <a:rPr sz="800"/>
-                        <a:t>1483796580</a:t>
-                      </a:r>
-                    </a:p>
-                  </a:txBody>
-                  <a:tcPr/>
-                </a:tc>
-                <a:tc>
-                  <a:txBody>
-                    <a:bodyPr/>
-                    <a:lstStyle/>
-                    <a:p>
-                      <a:pPr marL="0" lvl="0" indent="0" algn="r">
-                        <a:buNone/>
-                      </a:pPr>
-                      <a:r>
-                        <a:rPr sz="800"/>
-                        <a:t>1483798140</a:t>
-                      </a:r>
-                    </a:p>
-                  </a:txBody>
-                  <a:tcPr/>
-                </a:tc>
-                <a:extLst>
-                  <a:ext uri="{0D108BD9-81ED-4DB2-BD59-A6C34878D82A}">
-                    <a16:rowId xmlns:a16="http://schemas.microsoft.com/office/drawing/2014/main" val="10009"/>
-                  </a:ext>
-                </a:extLst>
-              </a:tr>
-              <a:tr h="695113">
-                <a:tc>
-                  <a:txBody>
-                    <a:bodyPr/>
-                    <a:lstStyle/>
-                    <a:p>
-                      <a:pPr marL="0" lvl="0" indent="0" algn="l">
-                        <a:buNone/>
-                      </a:pPr>
-                      <a:r>
-                        <a:rPr sz="800"/>
-                        <a:t>b802253</a:t>
-                      </a:r>
-                    </a:p>
-                  </a:txBody>
-                  <a:tcPr/>
-                </a:tc>
-                <a:tc>
-                  <a:txBody>
-                    <a:bodyPr/>
-                    <a:lstStyle/>
-                    <a:p>
-                      <a:pPr marL="0" lvl="0" indent="0" algn="l">
-                        <a:buNone/>
-                      </a:pPr>
-                      <a:r>
-                        <a:rPr sz="800"/>
-                        <a:t>s253002</a:t>
-                      </a:r>
-                    </a:p>
-                  </a:txBody>
-                  <a:tcPr/>
-                </a:tc>
-                <a:tc>
-                  <a:txBody>
-                    <a:bodyPr/>
-                    <a:lstStyle/>
-                    <a:p>
-                      <a:pPr marL="0" lvl="0" indent="0" algn="l">
-                        <a:buNone/>
-                      </a:pPr>
-                      <a:r>
-                        <a:rPr sz="800"/>
-                        <a:t>codeine</a:t>
-                      </a:r>
-                    </a:p>
-                  </a:txBody>
-                  <a:tcPr/>
-                </a:tc>
-                <a:tc>
-                  <a:txBody>
-                    <a:bodyPr/>
-                    <a:lstStyle/>
-                    <a:p>
-                      <a:pPr marL="0" lvl="0" indent="0" algn="r">
-                        <a:buNone/>
-                      </a:pPr>
-                      <a:r>
-                        <a:rPr sz="800"/>
-                        <a:t>0</a:t>
-                      </a:r>
-                    </a:p>
-                  </a:txBody>
-                  <a:tcPr/>
-                </a:tc>
-                <a:tc>
-                  <a:txBody>
-                    <a:bodyPr/>
-                    <a:lstStyle/>
-                    <a:p>
-                      <a:pPr marL="0" lvl="0" indent="0" algn="r">
-                        <a:buNone/>
-                      </a:pPr>
-                      <a:r>
-                        <a:rPr sz="800"/>
-                        <a:t>0</a:t>
-                      </a:r>
-                    </a:p>
-                  </a:txBody>
-                  <a:tcPr/>
-                </a:tc>
-                <a:tc>
-                  <a:txBody>
-                    <a:bodyPr/>
-                    <a:lstStyle/>
-                    <a:p>
-                      <a:pPr marL="0" lvl="0" indent="0" algn="r">
-                        <a:buNone/>
-                      </a:pPr>
-                      <a:r>
-                        <a:rPr sz="800"/>
-                        <a:t>0</a:t>
-                      </a:r>
-                    </a:p>
-                  </a:txBody>
-                  <a:tcPr/>
-                </a:tc>
-                <a:tc>
-                  <a:txBody>
-                    <a:bodyPr/>
-                    <a:lstStyle/>
-                    <a:p>
-                      <a:pPr marL="0" lvl="0" indent="0" algn="l">
-                        <a:buNone/>
-                      </a:pPr>
-                      <a:r>
-                        <a:rPr sz="800"/>
-                        <a:t>standard</a:t>
-                      </a:r>
-                    </a:p>
-                  </a:txBody>
-                  <a:tcPr/>
-                </a:tc>
-                <a:tc>
-                  <a:txBody>
-                    <a:bodyPr/>
-                    <a:lstStyle/>
-                    <a:p>
-                      <a:pPr marL="0" lvl="0" indent="0" algn="r">
-                        <a:buNone/>
-                      </a:pPr>
-                      <a:r>
-                        <a:rPr sz="800"/>
-                        <a:t>0</a:t>
-                      </a:r>
-                    </a:p>
-                  </a:txBody>
-                  <a:tcPr/>
-                </a:tc>
-                <a:tc>
-                  <a:txBody>
-                    <a:bodyPr/>
-                    <a:lstStyle/>
-                    <a:p>
-                      <a:pPr marL="0" lvl="0" indent="0" algn="r">
-                        <a:buNone/>
-                      </a:pPr>
-                      <a:r>
-                        <a:rPr sz="800"/>
-                        <a:t>1</a:t>
-                      </a:r>
-                    </a:p>
-                  </a:txBody>
-                  <a:tcPr/>
-                </a:tc>
-                <a:tc>
-                  <a:txBody>
-                    <a:bodyPr/>
-                    <a:lstStyle/>
-                    <a:p>
-                      <a:pPr marL="0" lvl="0" indent="0" algn="r">
-                        <a:buNone/>
-                      </a:pPr>
-                      <a:r>
-                        <a:rPr sz="800"/>
-                        <a:t>1</a:t>
-                      </a:r>
-                    </a:p>
-                  </a:txBody>
-                  <a:tcPr/>
-                </a:tc>
-                <a:tc>
-                  <a:txBody>
-                    <a:bodyPr/>
-                    <a:lstStyle/>
-                    <a:p>
-                      <a:pPr marL="0" lvl="0" indent="0" algn="l">
-                        <a:buNone/>
-                      </a:pPr>
-                      <a:r>
-                        <a:rPr sz="800"/>
-                        <a:t>b802253</a:t>
-                      </a:r>
-                    </a:p>
-                  </a:txBody>
-                  <a:tcPr/>
-                </a:tc>
-                <a:tc>
-                  <a:txBody>
-                    <a:bodyPr/>
-                    <a:lstStyle/>
-                    <a:p>
-                      <a:pPr marL="0" lvl="0" indent="0" algn="l">
-                        <a:buNone/>
-                      </a:pPr>
-                      <a:r>
-                        <a:rPr sz="800"/>
-                        <a:t>doc</a:t>
-                      </a:r>
-                    </a:p>
-                  </a:txBody>
-                  <a:tcPr/>
-                </a:tc>
-                <a:tc>
-                  <a:txBody>
-                    <a:bodyPr/>
-                    <a:lstStyle/>
-                    <a:p>
-                      <a:pPr marL="0" lvl="0" indent="0" algn="l">
-                        <a:buNone/>
-                      </a:pPr>
-                      <a:r>
-                        <a:rPr sz="800"/>
-                        <a:t>codeine</a:t>
-                      </a:r>
-                    </a:p>
-                  </a:txBody>
-                  <a:tcPr/>
-                </a:tc>
-                <a:tc>
-                  <a:txBody>
-                    <a:bodyPr/>
-                    <a:lstStyle/>
-                    <a:p>
-                      <a:pPr marL="0" lvl="0" indent="0" algn="r">
-                        <a:buNone/>
-                      </a:pPr>
-                      <a:r>
-                        <a:rPr sz="800"/>
-                        <a:t>0.0081921</a:t>
-                      </a:r>
-                    </a:p>
-                  </a:txBody>
-                  <a:tcPr/>
-                </a:tc>
-                <a:tc>
-                  <a:txBody>
-                    <a:bodyPr/>
-                    <a:lstStyle/>
-                    <a:p>
-                      <a:pPr marL="0" lvl="0" indent="0" algn="r">
-                        <a:buNone/>
-                      </a:pPr>
-                      <a:r>
-                        <a:rPr sz="800"/>
-                        <a:t>-5.00e-06</a:t>
-                      </a:r>
-                    </a:p>
-                  </a:txBody>
-                  <a:tcPr/>
-                </a:tc>
-                <a:tc>
-                  <a:txBody>
-                    <a:bodyPr/>
-                    <a:lstStyle/>
-                    <a:p>
-                      <a:pPr marL="0" lvl="0" indent="0" algn="r">
-                        <a:buNone/>
-                      </a:pPr>
-                      <a:r>
-                        <a:rPr sz="800"/>
-                        <a:t>0.9806016</a:t>
-                      </a:r>
-                    </a:p>
-                  </a:txBody>
-                  <a:tcPr/>
-                </a:tc>
-                <a:tc>
-                  <a:txBody>
-                    <a:bodyPr/>
-                    <a:lstStyle/>
-                    <a:p>
-                      <a:pPr marL="0" lvl="0" indent="0" algn="r">
-                        <a:buNone/>
-                      </a:pPr>
-                      <a:r>
-                        <a:rPr sz="800"/>
-                        <a:t>1</a:t>
-                      </a:r>
-                    </a:p>
-                  </a:txBody>
-                  <a:tcPr/>
-                </a:tc>
-                <a:tc>
-                  <a:txBody>
-                    <a:bodyPr/>
-                    <a:lstStyle/>
-                    <a:p>
-                      <a:pPr marL="0" lvl="0" indent="0" algn="l">
-                        <a:buNone/>
-                      </a:pPr>
-                      <a:r>
-                        <a:rPr sz="800"/>
-                        <a:t>Xavier</a:t>
-                      </a:r>
-                    </a:p>
-                  </a:txBody>
-                  <a:tcPr/>
-                </a:tc>
-                <a:tc>
-                  <a:txBody>
-                    <a:bodyPr/>
-                    <a:lstStyle/>
-                    <a:p>
-                      <a:pPr marL="0" lvl="0" indent="0" algn="r">
-                        <a:buNone/>
-                      </a:pPr>
-                      <a:r>
-                        <a:rPr sz="800"/>
-                        <a:t>1483738800</a:t>
-                      </a:r>
-                    </a:p>
-                  </a:txBody>
-                  <a:tcPr/>
-                </a:tc>
-                <a:tc>
-                  <a:txBody>
-                    <a:bodyPr/>
-                    <a:lstStyle/>
-                    <a:p>
-                      <a:pPr marL="0" lvl="0" indent="0" algn="r">
-                        <a:buNone/>
-                      </a:pPr>
-                      <a:r>
-                        <a:rPr sz="800"/>
-                        <a:t>1483796580</a:t>
-                      </a:r>
-                    </a:p>
-                  </a:txBody>
-                  <a:tcPr/>
-                </a:tc>
-                <a:tc>
-                  <a:txBody>
-                    <a:bodyPr/>
-                    <a:lstStyle/>
-                    <a:p>
-                      <a:pPr marL="0" lvl="0" indent="0" algn="r">
-                        <a:buNone/>
-                      </a:pPr>
-                      <a:r>
-                        <a:rPr sz="800" dirty="0"/>
-                        <a:t>1483798140</a:t>
-                      </a:r>
-                    </a:p>
-                  </a:txBody>
-                  <a:tcPr/>
-                </a:tc>
-                <a:extLst>
-                  <a:ext uri="{0D108BD9-81ED-4DB2-BD59-A6C34878D82A}">
-                    <a16:rowId xmlns:a16="http://schemas.microsoft.com/office/drawing/2014/main" val="10010"/>
-                  </a:ext>
-                </a:extLst>
-              </a:tr>
-            </a:tbl>
-          </a:graphicData>
-        </a:graphic>
-      </p:graphicFrame>
-    </p:spTree>
-  </p:cSld>
-  <p:clrMapOvr>
-    <a:masterClrMapping/>
-  </p:clrMapOvr>
-</p:sld>
-</file>
-
-<file path=ppt/slides/slide17.xml><?xml version="1.0" encoding="utf-8"?>
-<p:sld xmlns:a="http://schemas.openxmlformats.org/drawingml/2006/main" xmlns:r="http://schemas.openxmlformats.org/officeDocument/2006/relationships" xmlns:p="http://schemas.openxmlformats.org/presentationml/2006/main">
-  <p:cSld>
-    <p:spTree>
-      <p:nvGrpSpPr>
-        <p:cNvPr id="1" name=""/>
-        <p:cNvGrpSpPr/>
-        <p:nvPr/>
-      </p:nvGrpSpPr>
-      <p:grpSpPr>
-        <a:xfrm>
-          <a:off x="0" y="0"/>
-          <a:ext cx="0" cy="0"/>
-          <a:chOff x="0" y="0"/>
-          <a:chExt cx="0" cy="0"/>
-        </a:xfrm>
-      </p:grpSpPr>
-      <p:sp>
-        <p:nvSpPr>
-          <p:cNvPr id="2" name="Title 1"/>
-          <p:cNvSpPr>
-            <a:spLocks noGrp="1"/>
-          </p:cNvSpPr>
-          <p:nvPr>
-            <p:ph type="title"/>
-          </p:nvPr>
-        </p:nvSpPr>
-        <p:spPr/>
-        <p:txBody>
-          <a:bodyPr/>
-          <a:lstStyle/>
-          <a:p>
-            <a:pPr marL="0" lvl="0" indent="0">
-              <a:buNone/>
-            </a:pPr>
-            <a:r>
-              <a:t>Exercise 2</a:t>
-            </a:r>
-          </a:p>
-        </p:txBody>
-      </p:sp>
-      <p:sp>
-        <p:nvSpPr>
-          <p:cNvPr id="3" name="Content Placeholder 2"/>
-          <p:cNvSpPr>
-            <a:spLocks noGrp="1"/>
-          </p:cNvSpPr>
-          <p:nvPr>
-            <p:ph idx="1"/>
-          </p:nvPr>
-        </p:nvSpPr>
-        <p:spPr/>
-        <p:txBody>
-          <a:bodyPr/>
-          <a:lstStyle/>
-          <a:p>
-            <a:pPr lvl="1">
-              <a:buAutoNum type="arabicPeriod"/>
-            </a:pPr>
-            <a:r>
-              <a:t>Retrieve sample and batch data (like the example above) for oxycodone (compound_name) and unknown samples (sample_type). Collect only the first 20 results.</a:t>
-            </a:r>
-          </a:p>
-          <a:p>
-            <a:pPr lvl="1">
-              <a:buAutoNum type="arabicPeriod"/>
-            </a:pPr>
-            <a:r>
-              <a:t>Disconnect from the project database (hint: this is R code, not SQL).</a:t>
-            </a:r>
-          </a:p>
-        </p:txBody>
-      </p:sp>
-    </p:spTree>
-  </p:cSld>
-  <p:clrMapOvr>
-    <a:masterClrMapping/>
-  </p:clrMapOvr>
-</p:sld>
-</file>
-
 <file path=ppt/slides/slide18.xml><?xml version="1.0" encoding="utf-8"?>
 <p:sld xmlns:a="http://schemas.openxmlformats.org/drawingml/2006/main" xmlns:r="http://schemas.openxmlformats.org/officeDocument/2006/relationships" xmlns:p="http://schemas.openxmlformats.org/presentationml/2006/main">
   <p:cSld>
@@ -9095,7 +5447,7 @@
               <a:buNone/>
             </a:pPr>
             <a:r>
-              <a:t>Working with databases securely</a:t>
+              <a:t>Join tables</a:t>
             </a:r>
           </a:p>
         </p:txBody>
@@ -9110,26 +5462,390 @@
             <p:ph idx="1"/>
           </p:nvPr>
         </p:nvSpPr>
-        <p:spPr/>
+        <p:spPr>
+          <a:xfrm>
+            <a:off x="-605642" y="1600200"/>
+            <a:ext cx="9987148" cy="4525963"/>
+          </a:xfrm>
+        </p:spPr>
         <p:txBody>
           <a:bodyPr/>
           <a:lstStyle/>
           <a:p>
-            <a:pPr lvl="1"/>
-            <a:r>
-              <a:t>Consider the path of data from remote server to local machine</a:t>
-            </a:r>
-          </a:p>
-          <a:p>
-            <a:pPr lvl="1"/>
-            <a:r>
-              <a:t>Avoid storing credentials to databases (especially with sensitive info) in plain text in code</a:t>
-            </a:r>
-          </a:p>
-          <a:p>
-            <a:pPr lvl="2"/>
-            <a:r>
-              <a:t>Very important for any code that is committed to repositories</a:t>
+            <a:pPr marL="1270000" lvl="0" indent="0">
+              <a:buNone/>
+            </a:pPr>
+            <a:r>
+              <a:rPr sz="1800" b="1" dirty="0">
+                <a:solidFill>
+                  <a:srgbClr val="007020"/>
+                </a:solidFill>
+                <a:latin typeface="Courier"/>
+              </a:rPr>
+              <a:t>SELECT</a:t>
+            </a:r>
+            <a:r>
+              <a:rPr sz="1800" dirty="0">
+                <a:latin typeface="Courier"/>
+              </a:rPr>
+              <a:t>  </a:t>
+            </a:r>
+            <a:br>
+              <a:rPr dirty="0"/>
+            </a:br>
+            <a:r>
+              <a:rPr sz="1800" dirty="0">
+                <a:latin typeface="Courier"/>
+              </a:rPr>
+              <a:t>        </a:t>
+            </a:r>
+            <a:r>
+              <a:rPr sz="1800" b="1" dirty="0" err="1">
+                <a:solidFill>
+                  <a:srgbClr val="007020"/>
+                </a:solidFill>
+                <a:latin typeface="Courier"/>
+              </a:rPr>
+              <a:t>sample</a:t>
+            </a:r>
+            <a:r>
+              <a:rPr sz="1800" dirty="0" err="1">
+                <a:latin typeface="Courier"/>
+              </a:rPr>
+              <a:t>.batch_name</a:t>
+            </a:r>
+            <a:r>
+              <a:rPr sz="1800" dirty="0">
+                <a:latin typeface="Courier"/>
+              </a:rPr>
+              <a:t>, </a:t>
+            </a:r>
+            <a:r>
+              <a:rPr sz="1800" b="1" dirty="0" err="1">
+                <a:solidFill>
+                  <a:srgbClr val="007020"/>
+                </a:solidFill>
+                <a:latin typeface="Courier"/>
+              </a:rPr>
+              <a:t>sample</a:t>
+            </a:r>
+            <a:r>
+              <a:rPr sz="1800" dirty="0" err="1">
+                <a:latin typeface="Courier"/>
+              </a:rPr>
+              <a:t>.sample_name</a:t>
+            </a:r>
+            <a:r>
+              <a:rPr sz="1800" dirty="0">
+                <a:latin typeface="Courier"/>
+              </a:rPr>
+              <a:t>, </a:t>
+            </a:r>
+            <a:r>
+              <a:rPr sz="1800" b="1" dirty="0" err="1">
+                <a:solidFill>
+                  <a:srgbClr val="007020"/>
+                </a:solidFill>
+                <a:latin typeface="Courier"/>
+              </a:rPr>
+              <a:t>sample</a:t>
+            </a:r>
+            <a:r>
+              <a:rPr sz="1800" dirty="0" err="1">
+                <a:latin typeface="Courier"/>
+              </a:rPr>
+              <a:t>.compound_name</a:t>
+            </a:r>
+            <a:r>
+              <a:rPr sz="1800" dirty="0">
+                <a:latin typeface="Courier"/>
+              </a:rPr>
+              <a:t>, </a:t>
+            </a:r>
+            <a:r>
+              <a:rPr sz="1800" b="1" dirty="0" err="1">
+                <a:solidFill>
+                  <a:srgbClr val="007020"/>
+                </a:solidFill>
+                <a:latin typeface="Courier"/>
+              </a:rPr>
+              <a:t>sample</a:t>
+            </a:r>
+            <a:r>
+              <a:rPr sz="1800" dirty="0" err="1">
+                <a:latin typeface="Courier"/>
+              </a:rPr>
+              <a:t>.concentration</a:t>
+            </a:r>
+            <a:r>
+              <a:rPr sz="1800" dirty="0">
+                <a:latin typeface="Courier"/>
+              </a:rPr>
+              <a:t>,</a:t>
+            </a:r>
+            <a:br>
+              <a:rPr dirty="0"/>
+            </a:br>
+            <a:r>
+              <a:rPr sz="1800" dirty="0">
+                <a:latin typeface="Courier"/>
+              </a:rPr>
+              <a:t>        </a:t>
+            </a:r>
+            <a:r>
+              <a:rPr sz="1800" dirty="0" err="1">
+                <a:latin typeface="Courier"/>
+              </a:rPr>
+              <a:t>batch.instrument_name</a:t>
+            </a:r>
+            <a:r>
+              <a:rPr sz="1800" dirty="0">
+                <a:latin typeface="Courier"/>
+              </a:rPr>
+              <a:t>, </a:t>
+            </a:r>
+            <a:r>
+              <a:rPr sz="1800" dirty="0" err="1">
+                <a:latin typeface="Courier"/>
+              </a:rPr>
+              <a:t>batch.reviewer_name</a:t>
+            </a:r>
+            <a:r>
+              <a:rPr sz="1800" dirty="0">
+                <a:latin typeface="Courier"/>
+              </a:rPr>
+              <a:t>, </a:t>
+            </a:r>
+            <a:r>
+              <a:rPr sz="1800" dirty="0" err="1">
+                <a:latin typeface="Courier"/>
+              </a:rPr>
+              <a:t>batch.calibration_slope</a:t>
+            </a:r>
+            <a:br>
+              <a:rPr dirty="0"/>
+            </a:br>
+            <a:r>
+              <a:rPr sz="1800" b="1" dirty="0">
+                <a:solidFill>
+                  <a:srgbClr val="007020"/>
+                </a:solidFill>
+                <a:latin typeface="Courier"/>
+              </a:rPr>
+              <a:t>FROM</a:t>
+            </a:r>
+            <a:br>
+              <a:rPr dirty="0"/>
+            </a:br>
+            <a:r>
+              <a:rPr sz="1800" dirty="0">
+                <a:latin typeface="Courier"/>
+              </a:rPr>
+              <a:t>        </a:t>
+            </a:r>
+            <a:r>
+              <a:rPr sz="1800" b="1" dirty="0">
+                <a:solidFill>
+                  <a:srgbClr val="007020"/>
+                </a:solidFill>
+                <a:latin typeface="Courier"/>
+              </a:rPr>
+              <a:t>sample</a:t>
+            </a:r>
+            <a:br>
+              <a:rPr dirty="0"/>
+            </a:br>
+            <a:r>
+              <a:rPr sz="1800" dirty="0">
+                <a:latin typeface="Courier"/>
+              </a:rPr>
+              <a:t>        </a:t>
+            </a:r>
+            <a:r>
+              <a:rPr sz="1800" b="1" dirty="0">
+                <a:solidFill>
+                  <a:srgbClr val="007020"/>
+                </a:solidFill>
+                <a:latin typeface="Courier"/>
+              </a:rPr>
+              <a:t>INNER</a:t>
+            </a:r>
+            <a:r>
+              <a:rPr sz="1800" dirty="0">
+                <a:latin typeface="Courier"/>
+              </a:rPr>
+              <a:t> </a:t>
+            </a:r>
+            <a:r>
+              <a:rPr sz="1800" b="1" dirty="0">
+                <a:solidFill>
+                  <a:srgbClr val="007020"/>
+                </a:solidFill>
+                <a:latin typeface="Courier"/>
+              </a:rPr>
+              <a:t>JOIN</a:t>
+            </a:r>
+            <a:r>
+              <a:rPr sz="1800" dirty="0">
+                <a:latin typeface="Courier"/>
+              </a:rPr>
+              <a:t> batch </a:t>
+            </a:r>
+            <a:r>
+              <a:rPr sz="1800" b="1" dirty="0">
+                <a:solidFill>
+                  <a:srgbClr val="007020"/>
+                </a:solidFill>
+                <a:latin typeface="Courier"/>
+              </a:rPr>
+              <a:t>ON</a:t>
+            </a:r>
+            <a:r>
+              <a:rPr sz="1800" dirty="0">
+                <a:latin typeface="Courier"/>
+              </a:rPr>
+              <a:t> </a:t>
+            </a:r>
+            <a:r>
+              <a:rPr sz="1800" b="1" dirty="0" err="1">
+                <a:solidFill>
+                  <a:srgbClr val="007020"/>
+                </a:solidFill>
+                <a:latin typeface="Courier"/>
+              </a:rPr>
+              <a:t>sample</a:t>
+            </a:r>
+            <a:r>
+              <a:rPr sz="1800" dirty="0" err="1">
+                <a:latin typeface="Courier"/>
+              </a:rPr>
+              <a:t>.batch_name</a:t>
+            </a:r>
+            <a:r>
+              <a:rPr sz="1800" dirty="0">
+                <a:latin typeface="Courier"/>
+              </a:rPr>
+              <a:t> </a:t>
+            </a:r>
+            <a:r>
+              <a:rPr sz="1800" dirty="0">
+                <a:solidFill>
+                  <a:srgbClr val="666666"/>
+                </a:solidFill>
+                <a:latin typeface="Courier"/>
+              </a:rPr>
+              <a:t>=</a:t>
+            </a:r>
+            <a:r>
+              <a:rPr sz="1800" dirty="0">
+                <a:latin typeface="Courier"/>
+              </a:rPr>
+              <a:t> </a:t>
+            </a:r>
+            <a:r>
+              <a:rPr sz="1800" dirty="0" err="1">
+                <a:latin typeface="Courier"/>
+              </a:rPr>
+              <a:t>batch.batch_name</a:t>
+            </a:r>
+            <a:br>
+              <a:rPr dirty="0"/>
+            </a:br>
+            <a:r>
+              <a:rPr sz="1800" dirty="0">
+                <a:latin typeface="Courier"/>
+              </a:rPr>
+              <a:t>          </a:t>
+            </a:r>
+            <a:r>
+              <a:rPr sz="1800" b="1" dirty="0">
+                <a:solidFill>
+                  <a:srgbClr val="007020"/>
+                </a:solidFill>
+                <a:latin typeface="Courier"/>
+              </a:rPr>
+              <a:t>AND</a:t>
+            </a:r>
+            <a:r>
+              <a:rPr sz="1800" dirty="0">
+                <a:latin typeface="Courier"/>
+              </a:rPr>
+              <a:t> </a:t>
+            </a:r>
+            <a:r>
+              <a:rPr sz="1800" b="1" dirty="0" err="1">
+                <a:solidFill>
+                  <a:srgbClr val="007020"/>
+                </a:solidFill>
+                <a:latin typeface="Courier"/>
+              </a:rPr>
+              <a:t>sample</a:t>
+            </a:r>
+            <a:r>
+              <a:rPr sz="1800" dirty="0" err="1">
+                <a:latin typeface="Courier"/>
+              </a:rPr>
+              <a:t>.compound_name</a:t>
+            </a:r>
+            <a:r>
+              <a:rPr sz="1800" dirty="0">
+                <a:latin typeface="Courier"/>
+              </a:rPr>
+              <a:t> </a:t>
+            </a:r>
+            <a:r>
+              <a:rPr sz="1800" dirty="0">
+                <a:solidFill>
+                  <a:srgbClr val="666666"/>
+                </a:solidFill>
+                <a:latin typeface="Courier"/>
+              </a:rPr>
+              <a:t>=</a:t>
+            </a:r>
+            <a:r>
+              <a:rPr sz="1800" dirty="0">
+                <a:latin typeface="Courier"/>
+              </a:rPr>
+              <a:t> </a:t>
+            </a:r>
+            <a:r>
+              <a:rPr sz="1800" dirty="0" err="1">
+                <a:latin typeface="Courier"/>
+              </a:rPr>
+              <a:t>batch.compound_name</a:t>
+            </a:r>
+            <a:br>
+              <a:rPr dirty="0"/>
+            </a:br>
+            <a:r>
+              <a:rPr sz="1800" b="1" dirty="0">
+                <a:solidFill>
+                  <a:srgbClr val="007020"/>
+                </a:solidFill>
+                <a:latin typeface="Courier"/>
+              </a:rPr>
+              <a:t>LIMIT</a:t>
+            </a:r>
+            <a:r>
+              <a:rPr sz="1800" dirty="0">
+                <a:latin typeface="Courier"/>
+              </a:rPr>
+              <a:t>  </a:t>
+            </a:r>
+            <a:r>
+              <a:rPr sz="1800" dirty="0">
+                <a:solidFill>
+                  <a:srgbClr val="40A070"/>
+                </a:solidFill>
+                <a:latin typeface="Courier"/>
+              </a:rPr>
+              <a:t>10</a:t>
+            </a:r>
+            <a:r>
+              <a:rPr sz="1800" dirty="0">
+                <a:latin typeface="Courier"/>
+              </a:rPr>
+              <a:t>;</a:t>
             </a:r>
           </a:p>
         </p:txBody>
@@ -9171,84 +5887,1325 @@
         </p:nvSpPr>
         <p:spPr/>
         <p:txBody>
-          <a:bodyPr>
-            <a:normAutofit fontScale="90000"/>
-          </a:bodyPr>
-          <a:lstStyle/>
-          <a:p>
-            <a:pPr marL="0" lvl="0" indent="0">
-              <a:buNone/>
-            </a:pPr>
-            <a:r>
-              <a:t>Storing credentials with keyring package</a:t>
-            </a:r>
-          </a:p>
-        </p:txBody>
-      </p:sp>
-      <p:sp>
-        <p:nvSpPr>
-          <p:cNvPr id="3" name="Content Placeholder 2"/>
-          <p:cNvSpPr>
-            <a:spLocks noGrp="1"/>
-          </p:cNvSpPr>
-          <p:nvPr>
-            <p:ph idx="1"/>
-          </p:nvPr>
-        </p:nvSpPr>
-        <p:spPr/>
-        <p:txBody>
           <a:bodyPr/>
           <a:lstStyle/>
           <a:p>
-            <a:pPr lvl="1"/>
-            <a:r>
-              <a:t>keyring package allows storage of credentials on operating system credential management system (e.g. OS X Keychain)</a:t>
-            </a:r>
-          </a:p>
-          <a:p>
-            <a:pPr lvl="1"/>
-            <a:r>
-              <a:t>Set up database password one time with </a:t>
-            </a:r>
-            <a:r>
-              <a:rPr sz="1800">
-                <a:latin typeface="Courier"/>
-              </a:rPr>
-              <a:t>key_set()</a:t>
-            </a:r>
-          </a:p>
-          <a:p>
-            <a:pPr lvl="1"/>
-            <a:r>
-              <a:t>Credentials can be accessed whenever user is signed into OS</a:t>
-            </a:r>
-          </a:p>
-          <a:p>
-            <a:pPr lvl="2"/>
-            <a:r>
-              <a:t>Username called with </a:t>
-            </a:r>
-            <a:r>
-              <a:rPr sz="1800">
-                <a:latin typeface="Courier"/>
-              </a:rPr>
-              <a:t>key_list()</a:t>
-            </a:r>
-          </a:p>
-          <a:p>
-            <a:pPr lvl="2"/>
-            <a:r>
-              <a:t>Password called with </a:t>
-            </a:r>
-            <a:r>
-              <a:rPr sz="1800">
-                <a:latin typeface="Courier"/>
-              </a:rPr>
-              <a:t>key_get()</a:t>
-            </a:r>
-          </a:p>
-        </p:txBody>
-      </p:sp>
+            <a:pPr marL="0" lvl="0" indent="0">
+              <a:buNone/>
+            </a:pPr>
+            <a:r>
+              <a:t>Join tables</a:t>
+            </a:r>
+          </a:p>
+        </p:txBody>
+      </p:sp>
+      <p:graphicFrame>
+        <p:nvGraphicFramePr>
+          <p:cNvPr id="6" name="Content Placeholder 5"/>
+          <p:cNvGraphicFramePr>
+            <a:graphicFrameLocks noGrp="1"/>
+          </p:cNvGraphicFramePr>
+          <p:nvPr>
+            <p:ph idx="1"/>
+          </p:nvPr>
+        </p:nvGraphicFramePr>
+        <p:xfrm>
+          <a:off x="457200" y="1600200"/>
+          <a:ext cx="8178800" cy="5943600"/>
+        </p:xfrm>
+        <a:graphic>
+          <a:graphicData uri="http://schemas.openxmlformats.org/drawingml/2006/table">
+            <a:tbl>
+              <a:tblPr firstRow="1" bandRow="1">
+                <a:tableStyleId>{5C22544A-7EE6-4342-B048-85BDC9FD1C3A}</a:tableStyleId>
+              </a:tblPr>
+              <a:tblGrid>
+                <a:gridCol w="1168400">
+                  <a:extLst>
+                    <a:ext uri="{9D8B030D-6E8A-4147-A177-3AD203B41FA5}">
+                      <a16:colId xmlns:a16="http://schemas.microsoft.com/office/drawing/2014/main" val="20000"/>
+                    </a:ext>
+                  </a:extLst>
+                </a:gridCol>
+                <a:gridCol w="1168400">
+                  <a:extLst>
+                    <a:ext uri="{9D8B030D-6E8A-4147-A177-3AD203B41FA5}">
+                      <a16:colId xmlns:a16="http://schemas.microsoft.com/office/drawing/2014/main" val="20001"/>
+                    </a:ext>
+                  </a:extLst>
+                </a:gridCol>
+                <a:gridCol w="1168400">
+                  <a:extLst>
+                    <a:ext uri="{9D8B030D-6E8A-4147-A177-3AD203B41FA5}">
+                      <a16:colId xmlns:a16="http://schemas.microsoft.com/office/drawing/2014/main" val="20002"/>
+                    </a:ext>
+                  </a:extLst>
+                </a:gridCol>
+                <a:gridCol w="1168400">
+                  <a:extLst>
+                    <a:ext uri="{9D8B030D-6E8A-4147-A177-3AD203B41FA5}">
+                      <a16:colId xmlns:a16="http://schemas.microsoft.com/office/drawing/2014/main" val="20003"/>
+                    </a:ext>
+                  </a:extLst>
+                </a:gridCol>
+                <a:gridCol w="1168400">
+                  <a:extLst>
+                    <a:ext uri="{9D8B030D-6E8A-4147-A177-3AD203B41FA5}">
+                      <a16:colId xmlns:a16="http://schemas.microsoft.com/office/drawing/2014/main" val="20004"/>
+                    </a:ext>
+                  </a:extLst>
+                </a:gridCol>
+                <a:gridCol w="1168400">
+                  <a:extLst>
+                    <a:ext uri="{9D8B030D-6E8A-4147-A177-3AD203B41FA5}">
+                      <a16:colId xmlns:a16="http://schemas.microsoft.com/office/drawing/2014/main" val="20005"/>
+                    </a:ext>
+                  </a:extLst>
+                </a:gridCol>
+                <a:gridCol w="1168400">
+                  <a:extLst>
+                    <a:ext uri="{9D8B030D-6E8A-4147-A177-3AD203B41FA5}">
+                      <a16:colId xmlns:a16="http://schemas.microsoft.com/office/drawing/2014/main" val="20006"/>
+                    </a:ext>
+                  </a:extLst>
+                </a:gridCol>
+              </a:tblGrid>
+              <a:tr h="0">
+                <a:tc>
+                  <a:txBody>
+                    <a:bodyPr/>
+                    <a:lstStyle/>
+                    <a:p>
+                      <a:pPr marL="0" lvl="0" indent="0" algn="l">
+                        <a:buNone/>
+                      </a:pPr>
+                      <a:r>
+                        <a:t>batch_name</a:t>
+                      </a:r>
+                    </a:p>
+                  </a:txBody>
+                  <a:tcPr/>
+                </a:tc>
+                <a:tc>
+                  <a:txBody>
+                    <a:bodyPr/>
+                    <a:lstStyle/>
+                    <a:p>
+                      <a:pPr marL="0" lvl="0" indent="0" algn="l">
+                        <a:buNone/>
+                      </a:pPr>
+                      <a:r>
+                        <a:t>sample_name</a:t>
+                      </a:r>
+                    </a:p>
+                  </a:txBody>
+                  <a:tcPr/>
+                </a:tc>
+                <a:tc>
+                  <a:txBody>
+                    <a:bodyPr/>
+                    <a:lstStyle/>
+                    <a:p>
+                      <a:pPr marL="0" lvl="0" indent="0" algn="l">
+                        <a:buNone/>
+                      </a:pPr>
+                      <a:r>
+                        <a:t>compound_name</a:t>
+                      </a:r>
+                    </a:p>
+                  </a:txBody>
+                  <a:tcPr/>
+                </a:tc>
+                <a:tc>
+                  <a:txBody>
+                    <a:bodyPr/>
+                    <a:lstStyle/>
+                    <a:p>
+                      <a:pPr marL="0" lvl="0" indent="0" algn="r">
+                        <a:buNone/>
+                      </a:pPr>
+                      <a:r>
+                        <a:t>concentration</a:t>
+                      </a:r>
+                    </a:p>
+                  </a:txBody>
+                  <a:tcPr/>
+                </a:tc>
+                <a:tc>
+                  <a:txBody>
+                    <a:bodyPr/>
+                    <a:lstStyle/>
+                    <a:p>
+                      <a:pPr marL="0" lvl="0" indent="0" algn="l">
+                        <a:buNone/>
+                      </a:pPr>
+                      <a:r>
+                        <a:t>instrument_name</a:t>
+                      </a:r>
+                    </a:p>
+                  </a:txBody>
+                  <a:tcPr/>
+                </a:tc>
+                <a:tc>
+                  <a:txBody>
+                    <a:bodyPr/>
+                    <a:lstStyle/>
+                    <a:p>
+                      <a:pPr marL="0" lvl="0" indent="0" algn="l">
+                        <a:buNone/>
+                      </a:pPr>
+                      <a:r>
+                        <a:t>reviewer_name</a:t>
+                      </a:r>
+                    </a:p>
+                  </a:txBody>
+                  <a:tcPr/>
+                </a:tc>
+                <a:tc>
+                  <a:txBody>
+                    <a:bodyPr/>
+                    <a:lstStyle/>
+                    <a:p>
+                      <a:pPr marL="0" lvl="0" indent="0" algn="r">
+                        <a:buNone/>
+                      </a:pPr>
+                      <a:r>
+                        <a:t>calibration_slope</a:t>
+                      </a:r>
+                    </a:p>
+                  </a:txBody>
+                  <a:tcPr/>
+                </a:tc>
+                <a:extLst>
+                  <a:ext uri="{0D108BD9-81ED-4DB2-BD59-A6C34878D82A}">
+                    <a16:rowId xmlns:a16="http://schemas.microsoft.com/office/drawing/2014/main" val="10000"/>
+                  </a:ext>
+                </a:extLst>
+              </a:tr>
+              <a:tr h="0">
+                <a:tc>
+                  <a:txBody>
+                    <a:bodyPr/>
+                    <a:lstStyle/>
+                    <a:p>
+                      <a:pPr marL="0" lvl="0" indent="0" algn="l">
+                        <a:buNone/>
+                      </a:pPr>
+                      <a:r>
+                        <a:t>b802253</a:t>
+                      </a:r>
+                    </a:p>
+                  </a:txBody>
+                  <a:tcPr/>
+                </a:tc>
+                <a:tc>
+                  <a:txBody>
+                    <a:bodyPr/>
+                    <a:lstStyle/>
+                    <a:p>
+                      <a:pPr marL="0" lvl="0" indent="0" algn="l">
+                        <a:buNone/>
+                      </a:pPr>
+                      <a:r>
+                        <a:t>s253001</a:t>
+                      </a:r>
+                    </a:p>
+                  </a:txBody>
+                  <a:tcPr/>
+                </a:tc>
+                <a:tc>
+                  <a:txBody>
+                    <a:bodyPr/>
+                    <a:lstStyle/>
+                    <a:p>
+                      <a:pPr marL="0" lvl="0" indent="0" algn="l">
+                        <a:buNone/>
+                      </a:pPr>
+                      <a:r>
+                        <a:t>morphine</a:t>
+                      </a:r>
+                    </a:p>
+                  </a:txBody>
+                  <a:tcPr/>
+                </a:tc>
+                <a:tc>
+                  <a:txBody>
+                    <a:bodyPr/>
+                    <a:lstStyle/>
+                    <a:p>
+                      <a:pPr marL="0" lvl="0" indent="0" algn="r">
+                        <a:buNone/>
+                      </a:pPr>
+                      <a:r>
+                        <a:t>0</a:t>
+                      </a:r>
+                    </a:p>
+                  </a:txBody>
+                  <a:tcPr/>
+                </a:tc>
+                <a:tc>
+                  <a:txBody>
+                    <a:bodyPr/>
+                    <a:lstStyle/>
+                    <a:p>
+                      <a:pPr marL="0" lvl="0" indent="0" algn="l">
+                        <a:buNone/>
+                      </a:pPr>
+                      <a:r>
+                        <a:t>doc</a:t>
+                      </a:r>
+                    </a:p>
+                  </a:txBody>
+                  <a:tcPr/>
+                </a:tc>
+                <a:tc>
+                  <a:txBody>
+                    <a:bodyPr/>
+                    <a:lstStyle/>
+                    <a:p>
+                      <a:pPr marL="0" lvl="0" indent="0" algn="l">
+                        <a:buNone/>
+                      </a:pPr>
+                      <a:r>
+                        <a:t>Xavier</a:t>
+                      </a:r>
+                    </a:p>
+                  </a:txBody>
+                  <a:tcPr/>
+                </a:tc>
+                <a:tc>
+                  <a:txBody>
+                    <a:bodyPr/>
+                    <a:lstStyle/>
+                    <a:p>
+                      <a:pPr marL="0" lvl="0" indent="0" algn="r">
+                        <a:buNone/>
+                      </a:pPr>
+                      <a:r>
+                        <a:t>0.0077502</a:t>
+                      </a:r>
+                    </a:p>
+                  </a:txBody>
+                  <a:tcPr/>
+                </a:tc>
+                <a:extLst>
+                  <a:ext uri="{0D108BD9-81ED-4DB2-BD59-A6C34878D82A}">
+                    <a16:rowId xmlns:a16="http://schemas.microsoft.com/office/drawing/2014/main" val="10001"/>
+                  </a:ext>
+                </a:extLst>
+              </a:tr>
+              <a:tr h="0">
+                <a:tc>
+                  <a:txBody>
+                    <a:bodyPr/>
+                    <a:lstStyle/>
+                    <a:p>
+                      <a:pPr marL="0" lvl="0" indent="0" algn="l">
+                        <a:buNone/>
+                      </a:pPr>
+                      <a:r>
+                        <a:t>b802253</a:t>
+                      </a:r>
+                    </a:p>
+                  </a:txBody>
+                  <a:tcPr/>
+                </a:tc>
+                <a:tc>
+                  <a:txBody>
+                    <a:bodyPr/>
+                    <a:lstStyle/>
+                    <a:p>
+                      <a:pPr marL="0" lvl="0" indent="0" algn="l">
+                        <a:buNone/>
+                      </a:pPr>
+                      <a:r>
+                        <a:t>s253001</a:t>
+                      </a:r>
+                    </a:p>
+                  </a:txBody>
+                  <a:tcPr/>
+                </a:tc>
+                <a:tc>
+                  <a:txBody>
+                    <a:bodyPr/>
+                    <a:lstStyle/>
+                    <a:p>
+                      <a:pPr marL="0" lvl="0" indent="0" algn="l">
+                        <a:buNone/>
+                      </a:pPr>
+                      <a:r>
+                        <a:t>hydromorphone</a:t>
+                      </a:r>
+                    </a:p>
+                  </a:txBody>
+                  <a:tcPr/>
+                </a:tc>
+                <a:tc>
+                  <a:txBody>
+                    <a:bodyPr/>
+                    <a:lstStyle/>
+                    <a:p>
+                      <a:pPr marL="0" lvl="0" indent="0" algn="r">
+                        <a:buNone/>
+                      </a:pPr>
+                      <a:r>
+                        <a:t>0</a:t>
+                      </a:r>
+                    </a:p>
+                  </a:txBody>
+                  <a:tcPr/>
+                </a:tc>
+                <a:tc>
+                  <a:txBody>
+                    <a:bodyPr/>
+                    <a:lstStyle/>
+                    <a:p>
+                      <a:pPr marL="0" lvl="0" indent="0" algn="l">
+                        <a:buNone/>
+                      </a:pPr>
+                      <a:r>
+                        <a:t>doc</a:t>
+                      </a:r>
+                    </a:p>
+                  </a:txBody>
+                  <a:tcPr/>
+                </a:tc>
+                <a:tc>
+                  <a:txBody>
+                    <a:bodyPr/>
+                    <a:lstStyle/>
+                    <a:p>
+                      <a:pPr marL="0" lvl="0" indent="0" algn="l">
+                        <a:buNone/>
+                      </a:pPr>
+                      <a:r>
+                        <a:t>Xavier</a:t>
+                      </a:r>
+                    </a:p>
+                  </a:txBody>
+                  <a:tcPr/>
+                </a:tc>
+                <a:tc>
+                  <a:txBody>
+                    <a:bodyPr/>
+                    <a:lstStyle/>
+                    <a:p>
+                      <a:pPr marL="0" lvl="0" indent="0" algn="r">
+                        <a:buNone/>
+                      </a:pPr>
+                      <a:r>
+                        <a:t>0.0076783</a:t>
+                      </a:r>
+                    </a:p>
+                  </a:txBody>
+                  <a:tcPr/>
+                </a:tc>
+                <a:extLst>
+                  <a:ext uri="{0D108BD9-81ED-4DB2-BD59-A6C34878D82A}">
+                    <a16:rowId xmlns:a16="http://schemas.microsoft.com/office/drawing/2014/main" val="10002"/>
+                  </a:ext>
+                </a:extLst>
+              </a:tr>
+              <a:tr h="0">
+                <a:tc>
+                  <a:txBody>
+                    <a:bodyPr/>
+                    <a:lstStyle/>
+                    <a:p>
+                      <a:pPr marL="0" lvl="0" indent="0" algn="l">
+                        <a:buNone/>
+                      </a:pPr>
+                      <a:r>
+                        <a:t>b802253</a:t>
+                      </a:r>
+                    </a:p>
+                  </a:txBody>
+                  <a:tcPr/>
+                </a:tc>
+                <a:tc>
+                  <a:txBody>
+                    <a:bodyPr/>
+                    <a:lstStyle/>
+                    <a:p>
+                      <a:pPr marL="0" lvl="0" indent="0" algn="l">
+                        <a:buNone/>
+                      </a:pPr>
+                      <a:r>
+                        <a:t>s253001</a:t>
+                      </a:r>
+                    </a:p>
+                  </a:txBody>
+                  <a:tcPr/>
+                </a:tc>
+                <a:tc>
+                  <a:txBody>
+                    <a:bodyPr/>
+                    <a:lstStyle/>
+                    <a:p>
+                      <a:pPr marL="0" lvl="0" indent="0" algn="l">
+                        <a:buNone/>
+                      </a:pPr>
+                      <a:r>
+                        <a:t>oxymorphone</a:t>
+                      </a:r>
+                    </a:p>
+                  </a:txBody>
+                  <a:tcPr/>
+                </a:tc>
+                <a:tc>
+                  <a:txBody>
+                    <a:bodyPr/>
+                    <a:lstStyle/>
+                    <a:p>
+                      <a:pPr marL="0" lvl="0" indent="0" algn="r">
+                        <a:buNone/>
+                      </a:pPr>
+                      <a:r>
+                        <a:t>0</a:t>
+                      </a:r>
+                    </a:p>
+                  </a:txBody>
+                  <a:tcPr/>
+                </a:tc>
+                <a:tc>
+                  <a:txBody>
+                    <a:bodyPr/>
+                    <a:lstStyle/>
+                    <a:p>
+                      <a:pPr marL="0" lvl="0" indent="0" algn="l">
+                        <a:buNone/>
+                      </a:pPr>
+                      <a:r>
+                        <a:t>doc</a:t>
+                      </a:r>
+                    </a:p>
+                  </a:txBody>
+                  <a:tcPr/>
+                </a:tc>
+                <a:tc>
+                  <a:txBody>
+                    <a:bodyPr/>
+                    <a:lstStyle/>
+                    <a:p>
+                      <a:pPr marL="0" lvl="0" indent="0" algn="l">
+                        <a:buNone/>
+                      </a:pPr>
+                      <a:r>
+                        <a:t>Xavier</a:t>
+                      </a:r>
+                    </a:p>
+                  </a:txBody>
+                  <a:tcPr/>
+                </a:tc>
+                <a:tc>
+                  <a:txBody>
+                    <a:bodyPr/>
+                    <a:lstStyle/>
+                    <a:p>
+                      <a:pPr marL="0" lvl="0" indent="0" algn="r">
+                        <a:buNone/>
+                      </a:pPr>
+                      <a:r>
+                        <a:t>0.0079751</a:t>
+                      </a:r>
+                    </a:p>
+                  </a:txBody>
+                  <a:tcPr/>
+                </a:tc>
+                <a:extLst>
+                  <a:ext uri="{0D108BD9-81ED-4DB2-BD59-A6C34878D82A}">
+                    <a16:rowId xmlns:a16="http://schemas.microsoft.com/office/drawing/2014/main" val="10003"/>
+                  </a:ext>
+                </a:extLst>
+              </a:tr>
+              <a:tr h="0">
+                <a:tc>
+                  <a:txBody>
+                    <a:bodyPr/>
+                    <a:lstStyle/>
+                    <a:p>
+                      <a:pPr marL="0" lvl="0" indent="0" algn="l">
+                        <a:buNone/>
+                      </a:pPr>
+                      <a:r>
+                        <a:t>b802253</a:t>
+                      </a:r>
+                    </a:p>
+                  </a:txBody>
+                  <a:tcPr/>
+                </a:tc>
+                <a:tc>
+                  <a:txBody>
+                    <a:bodyPr/>
+                    <a:lstStyle/>
+                    <a:p>
+                      <a:pPr marL="0" lvl="0" indent="0" algn="l">
+                        <a:buNone/>
+                      </a:pPr>
+                      <a:r>
+                        <a:t>s253001</a:t>
+                      </a:r>
+                    </a:p>
+                  </a:txBody>
+                  <a:tcPr/>
+                </a:tc>
+                <a:tc>
+                  <a:txBody>
+                    <a:bodyPr/>
+                    <a:lstStyle/>
+                    <a:p>
+                      <a:pPr marL="0" lvl="0" indent="0" algn="l">
+                        <a:buNone/>
+                      </a:pPr>
+                      <a:r>
+                        <a:t>codeine</a:t>
+                      </a:r>
+                    </a:p>
+                  </a:txBody>
+                  <a:tcPr/>
+                </a:tc>
+                <a:tc>
+                  <a:txBody>
+                    <a:bodyPr/>
+                    <a:lstStyle/>
+                    <a:p>
+                      <a:pPr marL="0" lvl="0" indent="0" algn="r">
+                        <a:buNone/>
+                      </a:pPr>
+                      <a:r>
+                        <a:t>0</a:t>
+                      </a:r>
+                    </a:p>
+                  </a:txBody>
+                  <a:tcPr/>
+                </a:tc>
+                <a:tc>
+                  <a:txBody>
+                    <a:bodyPr/>
+                    <a:lstStyle/>
+                    <a:p>
+                      <a:pPr marL="0" lvl="0" indent="0" algn="l">
+                        <a:buNone/>
+                      </a:pPr>
+                      <a:r>
+                        <a:t>doc</a:t>
+                      </a:r>
+                    </a:p>
+                  </a:txBody>
+                  <a:tcPr/>
+                </a:tc>
+                <a:tc>
+                  <a:txBody>
+                    <a:bodyPr/>
+                    <a:lstStyle/>
+                    <a:p>
+                      <a:pPr marL="0" lvl="0" indent="0" algn="l">
+                        <a:buNone/>
+                      </a:pPr>
+                      <a:r>
+                        <a:t>Xavier</a:t>
+                      </a:r>
+                    </a:p>
+                  </a:txBody>
+                  <a:tcPr/>
+                </a:tc>
+                <a:tc>
+                  <a:txBody>
+                    <a:bodyPr/>
+                    <a:lstStyle/>
+                    <a:p>
+                      <a:pPr marL="0" lvl="0" indent="0" algn="r">
+                        <a:buNone/>
+                      </a:pPr>
+                      <a:r>
+                        <a:t>0.0081921</a:t>
+                      </a:r>
+                    </a:p>
+                  </a:txBody>
+                  <a:tcPr/>
+                </a:tc>
+                <a:extLst>
+                  <a:ext uri="{0D108BD9-81ED-4DB2-BD59-A6C34878D82A}">
+                    <a16:rowId xmlns:a16="http://schemas.microsoft.com/office/drawing/2014/main" val="10004"/>
+                  </a:ext>
+                </a:extLst>
+              </a:tr>
+              <a:tr h="0">
+                <a:tc>
+                  <a:txBody>
+                    <a:bodyPr/>
+                    <a:lstStyle/>
+                    <a:p>
+                      <a:pPr marL="0" lvl="0" indent="0" algn="l">
+                        <a:buNone/>
+                      </a:pPr>
+                      <a:r>
+                        <a:t>b802253</a:t>
+                      </a:r>
+                    </a:p>
+                  </a:txBody>
+                  <a:tcPr/>
+                </a:tc>
+                <a:tc>
+                  <a:txBody>
+                    <a:bodyPr/>
+                    <a:lstStyle/>
+                    <a:p>
+                      <a:pPr marL="0" lvl="0" indent="0" algn="l">
+                        <a:buNone/>
+                      </a:pPr>
+                      <a:r>
+                        <a:t>s253001</a:t>
+                      </a:r>
+                    </a:p>
+                  </a:txBody>
+                  <a:tcPr/>
+                </a:tc>
+                <a:tc>
+                  <a:txBody>
+                    <a:bodyPr/>
+                    <a:lstStyle/>
+                    <a:p>
+                      <a:pPr marL="0" lvl="0" indent="0" algn="l">
+                        <a:buNone/>
+                      </a:pPr>
+                      <a:r>
+                        <a:t>hydrocodone</a:t>
+                      </a:r>
+                    </a:p>
+                  </a:txBody>
+                  <a:tcPr/>
+                </a:tc>
+                <a:tc>
+                  <a:txBody>
+                    <a:bodyPr/>
+                    <a:lstStyle/>
+                    <a:p>
+                      <a:pPr marL="0" lvl="0" indent="0" algn="r">
+                        <a:buNone/>
+                      </a:pPr>
+                      <a:r>
+                        <a:t>0</a:t>
+                      </a:r>
+                    </a:p>
+                  </a:txBody>
+                  <a:tcPr/>
+                </a:tc>
+                <a:tc>
+                  <a:txBody>
+                    <a:bodyPr/>
+                    <a:lstStyle/>
+                    <a:p>
+                      <a:pPr marL="0" lvl="0" indent="0" algn="l">
+                        <a:buNone/>
+                      </a:pPr>
+                      <a:r>
+                        <a:t>doc</a:t>
+                      </a:r>
+                    </a:p>
+                  </a:txBody>
+                  <a:tcPr/>
+                </a:tc>
+                <a:tc>
+                  <a:txBody>
+                    <a:bodyPr/>
+                    <a:lstStyle/>
+                    <a:p>
+                      <a:pPr marL="0" lvl="0" indent="0" algn="l">
+                        <a:buNone/>
+                      </a:pPr>
+                      <a:r>
+                        <a:t>Xavier</a:t>
+                      </a:r>
+                    </a:p>
+                  </a:txBody>
+                  <a:tcPr/>
+                </a:tc>
+                <a:tc>
+                  <a:txBody>
+                    <a:bodyPr/>
+                    <a:lstStyle/>
+                    <a:p>
+                      <a:pPr marL="0" lvl="0" indent="0" algn="r">
+                        <a:buNone/>
+                      </a:pPr>
+                      <a:r>
+                        <a:t>0.0065643</a:t>
+                      </a:r>
+                    </a:p>
+                  </a:txBody>
+                  <a:tcPr/>
+                </a:tc>
+                <a:extLst>
+                  <a:ext uri="{0D108BD9-81ED-4DB2-BD59-A6C34878D82A}">
+                    <a16:rowId xmlns:a16="http://schemas.microsoft.com/office/drawing/2014/main" val="10005"/>
+                  </a:ext>
+                </a:extLst>
+              </a:tr>
+              <a:tr h="0">
+                <a:tc>
+                  <a:txBody>
+                    <a:bodyPr/>
+                    <a:lstStyle/>
+                    <a:p>
+                      <a:pPr marL="0" lvl="0" indent="0" algn="l">
+                        <a:buNone/>
+                      </a:pPr>
+                      <a:r>
+                        <a:t>b802253</a:t>
+                      </a:r>
+                    </a:p>
+                  </a:txBody>
+                  <a:tcPr/>
+                </a:tc>
+                <a:tc>
+                  <a:txBody>
+                    <a:bodyPr/>
+                    <a:lstStyle/>
+                    <a:p>
+                      <a:pPr marL="0" lvl="0" indent="0" algn="l">
+                        <a:buNone/>
+                      </a:pPr>
+                      <a:r>
+                        <a:t>s253001</a:t>
+                      </a:r>
+                    </a:p>
+                  </a:txBody>
+                  <a:tcPr/>
+                </a:tc>
+                <a:tc>
+                  <a:txBody>
+                    <a:bodyPr/>
+                    <a:lstStyle/>
+                    <a:p>
+                      <a:pPr marL="0" lvl="0" indent="0" algn="l">
+                        <a:buNone/>
+                      </a:pPr>
+                      <a:r>
+                        <a:t>oxycodone</a:t>
+                      </a:r>
+                    </a:p>
+                  </a:txBody>
+                  <a:tcPr/>
+                </a:tc>
+                <a:tc>
+                  <a:txBody>
+                    <a:bodyPr/>
+                    <a:lstStyle/>
+                    <a:p>
+                      <a:pPr marL="0" lvl="0" indent="0" algn="r">
+                        <a:buNone/>
+                      </a:pPr>
+                      <a:r>
+                        <a:t>0</a:t>
+                      </a:r>
+                    </a:p>
+                  </a:txBody>
+                  <a:tcPr/>
+                </a:tc>
+                <a:tc>
+                  <a:txBody>
+                    <a:bodyPr/>
+                    <a:lstStyle/>
+                    <a:p>
+                      <a:pPr marL="0" lvl="0" indent="0" algn="l">
+                        <a:buNone/>
+                      </a:pPr>
+                      <a:r>
+                        <a:t>doc</a:t>
+                      </a:r>
+                    </a:p>
+                  </a:txBody>
+                  <a:tcPr/>
+                </a:tc>
+                <a:tc>
+                  <a:txBody>
+                    <a:bodyPr/>
+                    <a:lstStyle/>
+                    <a:p>
+                      <a:pPr marL="0" lvl="0" indent="0" algn="l">
+                        <a:buNone/>
+                      </a:pPr>
+                      <a:r>
+                        <a:t>Xavier</a:t>
+                      </a:r>
+                    </a:p>
+                  </a:txBody>
+                  <a:tcPr/>
+                </a:tc>
+                <a:tc>
+                  <a:txBody>
+                    <a:bodyPr/>
+                    <a:lstStyle/>
+                    <a:p>
+                      <a:pPr marL="0" lvl="0" indent="0" algn="r">
+                        <a:buNone/>
+                      </a:pPr>
+                      <a:r>
+                        <a:t>0.0090238</a:t>
+                      </a:r>
+                    </a:p>
+                  </a:txBody>
+                  <a:tcPr/>
+                </a:tc>
+                <a:extLst>
+                  <a:ext uri="{0D108BD9-81ED-4DB2-BD59-A6C34878D82A}">
+                    <a16:rowId xmlns:a16="http://schemas.microsoft.com/office/drawing/2014/main" val="10006"/>
+                  </a:ext>
+                </a:extLst>
+              </a:tr>
+              <a:tr h="0">
+                <a:tc>
+                  <a:txBody>
+                    <a:bodyPr/>
+                    <a:lstStyle/>
+                    <a:p>
+                      <a:pPr marL="0" lvl="0" indent="0" algn="l">
+                        <a:buNone/>
+                      </a:pPr>
+                      <a:r>
+                        <a:t>b802253</a:t>
+                      </a:r>
+                    </a:p>
+                  </a:txBody>
+                  <a:tcPr/>
+                </a:tc>
+                <a:tc>
+                  <a:txBody>
+                    <a:bodyPr/>
+                    <a:lstStyle/>
+                    <a:p>
+                      <a:pPr marL="0" lvl="0" indent="0" algn="l">
+                        <a:buNone/>
+                      </a:pPr>
+                      <a:r>
+                        <a:t>s253002</a:t>
+                      </a:r>
+                    </a:p>
+                  </a:txBody>
+                  <a:tcPr/>
+                </a:tc>
+                <a:tc>
+                  <a:txBody>
+                    <a:bodyPr/>
+                    <a:lstStyle/>
+                    <a:p>
+                      <a:pPr marL="0" lvl="0" indent="0" algn="l">
+                        <a:buNone/>
+                      </a:pPr>
+                      <a:r>
+                        <a:t>morphine</a:t>
+                      </a:r>
+                    </a:p>
+                  </a:txBody>
+                  <a:tcPr/>
+                </a:tc>
+                <a:tc>
+                  <a:txBody>
+                    <a:bodyPr/>
+                    <a:lstStyle/>
+                    <a:p>
+                      <a:pPr marL="0" lvl="0" indent="0" algn="r">
+                        <a:buNone/>
+                      </a:pPr>
+                      <a:r>
+                        <a:t>0</a:t>
+                      </a:r>
+                    </a:p>
+                  </a:txBody>
+                  <a:tcPr/>
+                </a:tc>
+                <a:tc>
+                  <a:txBody>
+                    <a:bodyPr/>
+                    <a:lstStyle/>
+                    <a:p>
+                      <a:pPr marL="0" lvl="0" indent="0" algn="l">
+                        <a:buNone/>
+                      </a:pPr>
+                      <a:r>
+                        <a:t>doc</a:t>
+                      </a:r>
+                    </a:p>
+                  </a:txBody>
+                  <a:tcPr/>
+                </a:tc>
+                <a:tc>
+                  <a:txBody>
+                    <a:bodyPr/>
+                    <a:lstStyle/>
+                    <a:p>
+                      <a:pPr marL="0" lvl="0" indent="0" algn="l">
+                        <a:buNone/>
+                      </a:pPr>
+                      <a:r>
+                        <a:t>Xavier</a:t>
+                      </a:r>
+                    </a:p>
+                  </a:txBody>
+                  <a:tcPr/>
+                </a:tc>
+                <a:tc>
+                  <a:txBody>
+                    <a:bodyPr/>
+                    <a:lstStyle/>
+                    <a:p>
+                      <a:pPr marL="0" lvl="0" indent="0" algn="r">
+                        <a:buNone/>
+                      </a:pPr>
+                      <a:r>
+                        <a:t>0.0077502</a:t>
+                      </a:r>
+                    </a:p>
+                  </a:txBody>
+                  <a:tcPr/>
+                </a:tc>
+                <a:extLst>
+                  <a:ext uri="{0D108BD9-81ED-4DB2-BD59-A6C34878D82A}">
+                    <a16:rowId xmlns:a16="http://schemas.microsoft.com/office/drawing/2014/main" val="10007"/>
+                  </a:ext>
+                </a:extLst>
+              </a:tr>
+              <a:tr h="0">
+                <a:tc>
+                  <a:txBody>
+                    <a:bodyPr/>
+                    <a:lstStyle/>
+                    <a:p>
+                      <a:pPr marL="0" lvl="0" indent="0" algn="l">
+                        <a:buNone/>
+                      </a:pPr>
+                      <a:r>
+                        <a:t>b802253</a:t>
+                      </a:r>
+                    </a:p>
+                  </a:txBody>
+                  <a:tcPr/>
+                </a:tc>
+                <a:tc>
+                  <a:txBody>
+                    <a:bodyPr/>
+                    <a:lstStyle/>
+                    <a:p>
+                      <a:pPr marL="0" lvl="0" indent="0" algn="l">
+                        <a:buNone/>
+                      </a:pPr>
+                      <a:r>
+                        <a:t>s253002</a:t>
+                      </a:r>
+                    </a:p>
+                  </a:txBody>
+                  <a:tcPr/>
+                </a:tc>
+                <a:tc>
+                  <a:txBody>
+                    <a:bodyPr/>
+                    <a:lstStyle/>
+                    <a:p>
+                      <a:pPr marL="0" lvl="0" indent="0" algn="l">
+                        <a:buNone/>
+                      </a:pPr>
+                      <a:r>
+                        <a:t>hydromorphone</a:t>
+                      </a:r>
+                    </a:p>
+                  </a:txBody>
+                  <a:tcPr/>
+                </a:tc>
+                <a:tc>
+                  <a:txBody>
+                    <a:bodyPr/>
+                    <a:lstStyle/>
+                    <a:p>
+                      <a:pPr marL="0" lvl="0" indent="0" algn="r">
+                        <a:buNone/>
+                      </a:pPr>
+                      <a:r>
+                        <a:t>0</a:t>
+                      </a:r>
+                    </a:p>
+                  </a:txBody>
+                  <a:tcPr/>
+                </a:tc>
+                <a:tc>
+                  <a:txBody>
+                    <a:bodyPr/>
+                    <a:lstStyle/>
+                    <a:p>
+                      <a:pPr marL="0" lvl="0" indent="0" algn="l">
+                        <a:buNone/>
+                      </a:pPr>
+                      <a:r>
+                        <a:t>doc</a:t>
+                      </a:r>
+                    </a:p>
+                  </a:txBody>
+                  <a:tcPr/>
+                </a:tc>
+                <a:tc>
+                  <a:txBody>
+                    <a:bodyPr/>
+                    <a:lstStyle/>
+                    <a:p>
+                      <a:pPr marL="0" lvl="0" indent="0" algn="l">
+                        <a:buNone/>
+                      </a:pPr>
+                      <a:r>
+                        <a:t>Xavier</a:t>
+                      </a:r>
+                    </a:p>
+                  </a:txBody>
+                  <a:tcPr/>
+                </a:tc>
+                <a:tc>
+                  <a:txBody>
+                    <a:bodyPr/>
+                    <a:lstStyle/>
+                    <a:p>
+                      <a:pPr marL="0" lvl="0" indent="0" algn="r">
+                        <a:buNone/>
+                      </a:pPr>
+                      <a:r>
+                        <a:t>0.0076783</a:t>
+                      </a:r>
+                    </a:p>
+                  </a:txBody>
+                  <a:tcPr/>
+                </a:tc>
+                <a:extLst>
+                  <a:ext uri="{0D108BD9-81ED-4DB2-BD59-A6C34878D82A}">
+                    <a16:rowId xmlns:a16="http://schemas.microsoft.com/office/drawing/2014/main" val="10008"/>
+                  </a:ext>
+                </a:extLst>
+              </a:tr>
+              <a:tr h="0">
+                <a:tc>
+                  <a:txBody>
+                    <a:bodyPr/>
+                    <a:lstStyle/>
+                    <a:p>
+                      <a:pPr marL="0" lvl="0" indent="0" algn="l">
+                        <a:buNone/>
+                      </a:pPr>
+                      <a:r>
+                        <a:t>b802253</a:t>
+                      </a:r>
+                    </a:p>
+                  </a:txBody>
+                  <a:tcPr/>
+                </a:tc>
+                <a:tc>
+                  <a:txBody>
+                    <a:bodyPr/>
+                    <a:lstStyle/>
+                    <a:p>
+                      <a:pPr marL="0" lvl="0" indent="0" algn="l">
+                        <a:buNone/>
+                      </a:pPr>
+                      <a:r>
+                        <a:t>s253002</a:t>
+                      </a:r>
+                    </a:p>
+                  </a:txBody>
+                  <a:tcPr/>
+                </a:tc>
+                <a:tc>
+                  <a:txBody>
+                    <a:bodyPr/>
+                    <a:lstStyle/>
+                    <a:p>
+                      <a:pPr marL="0" lvl="0" indent="0" algn="l">
+                        <a:buNone/>
+                      </a:pPr>
+                      <a:r>
+                        <a:t>oxymorphone</a:t>
+                      </a:r>
+                    </a:p>
+                  </a:txBody>
+                  <a:tcPr/>
+                </a:tc>
+                <a:tc>
+                  <a:txBody>
+                    <a:bodyPr/>
+                    <a:lstStyle/>
+                    <a:p>
+                      <a:pPr marL="0" lvl="0" indent="0" algn="r">
+                        <a:buNone/>
+                      </a:pPr>
+                      <a:r>
+                        <a:t>0</a:t>
+                      </a:r>
+                    </a:p>
+                  </a:txBody>
+                  <a:tcPr/>
+                </a:tc>
+                <a:tc>
+                  <a:txBody>
+                    <a:bodyPr/>
+                    <a:lstStyle/>
+                    <a:p>
+                      <a:pPr marL="0" lvl="0" indent="0" algn="l">
+                        <a:buNone/>
+                      </a:pPr>
+                      <a:r>
+                        <a:t>doc</a:t>
+                      </a:r>
+                    </a:p>
+                  </a:txBody>
+                  <a:tcPr/>
+                </a:tc>
+                <a:tc>
+                  <a:txBody>
+                    <a:bodyPr/>
+                    <a:lstStyle/>
+                    <a:p>
+                      <a:pPr marL="0" lvl="0" indent="0" algn="l">
+                        <a:buNone/>
+                      </a:pPr>
+                      <a:r>
+                        <a:t>Xavier</a:t>
+                      </a:r>
+                    </a:p>
+                  </a:txBody>
+                  <a:tcPr/>
+                </a:tc>
+                <a:tc>
+                  <a:txBody>
+                    <a:bodyPr/>
+                    <a:lstStyle/>
+                    <a:p>
+                      <a:pPr marL="0" lvl="0" indent="0" algn="r">
+                        <a:buNone/>
+                      </a:pPr>
+                      <a:r>
+                        <a:t>0.0079751</a:t>
+                      </a:r>
+                    </a:p>
+                  </a:txBody>
+                  <a:tcPr/>
+                </a:tc>
+                <a:extLst>
+                  <a:ext uri="{0D108BD9-81ED-4DB2-BD59-A6C34878D82A}">
+                    <a16:rowId xmlns:a16="http://schemas.microsoft.com/office/drawing/2014/main" val="10009"/>
+                  </a:ext>
+                </a:extLst>
+              </a:tr>
+              <a:tr h="0">
+                <a:tc>
+                  <a:txBody>
+                    <a:bodyPr/>
+                    <a:lstStyle/>
+                    <a:p>
+                      <a:pPr marL="0" lvl="0" indent="0" algn="l">
+                        <a:buNone/>
+                      </a:pPr>
+                      <a:r>
+                        <a:t>b802253</a:t>
+                      </a:r>
+                    </a:p>
+                  </a:txBody>
+                  <a:tcPr/>
+                </a:tc>
+                <a:tc>
+                  <a:txBody>
+                    <a:bodyPr/>
+                    <a:lstStyle/>
+                    <a:p>
+                      <a:pPr marL="0" lvl="0" indent="0" algn="l">
+                        <a:buNone/>
+                      </a:pPr>
+                      <a:r>
+                        <a:t>s253002</a:t>
+                      </a:r>
+                    </a:p>
+                  </a:txBody>
+                  <a:tcPr/>
+                </a:tc>
+                <a:tc>
+                  <a:txBody>
+                    <a:bodyPr/>
+                    <a:lstStyle/>
+                    <a:p>
+                      <a:pPr marL="0" lvl="0" indent="0" algn="l">
+                        <a:buNone/>
+                      </a:pPr>
+                      <a:r>
+                        <a:t>codeine</a:t>
+                      </a:r>
+                    </a:p>
+                  </a:txBody>
+                  <a:tcPr/>
+                </a:tc>
+                <a:tc>
+                  <a:txBody>
+                    <a:bodyPr/>
+                    <a:lstStyle/>
+                    <a:p>
+                      <a:pPr marL="0" lvl="0" indent="0" algn="r">
+                        <a:buNone/>
+                      </a:pPr>
+                      <a:r>
+                        <a:t>0</a:t>
+                      </a:r>
+                    </a:p>
+                  </a:txBody>
+                  <a:tcPr/>
+                </a:tc>
+                <a:tc>
+                  <a:txBody>
+                    <a:bodyPr/>
+                    <a:lstStyle/>
+                    <a:p>
+                      <a:pPr marL="0" lvl="0" indent="0" algn="l">
+                        <a:buNone/>
+                      </a:pPr>
+                      <a:r>
+                        <a:t>doc</a:t>
+                      </a:r>
+                    </a:p>
+                  </a:txBody>
+                  <a:tcPr/>
+                </a:tc>
+                <a:tc>
+                  <a:txBody>
+                    <a:bodyPr/>
+                    <a:lstStyle/>
+                    <a:p>
+                      <a:pPr marL="0" lvl="0" indent="0" algn="l">
+                        <a:buNone/>
+                      </a:pPr>
+                      <a:r>
+                        <a:t>Xavier</a:t>
+                      </a:r>
+                    </a:p>
+                  </a:txBody>
+                  <a:tcPr/>
+                </a:tc>
+                <a:tc>
+                  <a:txBody>
+                    <a:bodyPr/>
+                    <a:lstStyle/>
+                    <a:p>
+                      <a:pPr marL="0" lvl="0" indent="0" algn="r">
+                        <a:buNone/>
+                      </a:pPr>
+                      <a:r>
+                        <a:t>0.0081921</a:t>
+                      </a:r>
+                    </a:p>
+                  </a:txBody>
+                  <a:tcPr/>
+                </a:tc>
+                <a:extLst>
+                  <a:ext uri="{0D108BD9-81ED-4DB2-BD59-A6C34878D82A}">
+                    <a16:rowId xmlns:a16="http://schemas.microsoft.com/office/drawing/2014/main" val="10010"/>
+                  </a:ext>
+                </a:extLst>
+              </a:tr>
+            </a:tbl>
+          </a:graphicData>
+        </a:graphic>
+      </p:graphicFrame>
     </p:spTree>
   </p:cSld>
   <p:clrMapOvr>
@@ -9310,8 +7267,8 @@
         </p:nvSpPr>
         <p:spPr>
           <a:xfrm>
-            <a:off x="457199" y="2992582"/>
-            <a:ext cx="8948057" cy="3865418"/>
+            <a:off x="184067" y="3111334"/>
+            <a:ext cx="8229600" cy="3145457"/>
           </a:xfrm>
         </p:spPr>
         <p:txBody>
@@ -9324,7 +7281,7 @@
               <a:buNone/>
             </a:pPr>
             <a:r>
-              <a:rPr sz="2400" b="1" dirty="0" err="1">
+              <a:rPr sz="2800" b="1" dirty="0" err="1">
                 <a:solidFill>
                   <a:srgbClr val="007020"/>
                 </a:solidFill>
@@ -9333,13 +7290,13 @@
               <a:t>install.packages</a:t>
             </a:r>
             <a:r>
-              <a:rPr sz="2400" dirty="0">
+              <a:rPr sz="2800" dirty="0">
                 <a:latin typeface="Courier"/>
               </a:rPr>
               <a:t>(</a:t>
             </a:r>
             <a:r>
-              <a:rPr sz="2400" dirty="0">
+              <a:rPr sz="2800" dirty="0">
                 <a:solidFill>
                   <a:srgbClr val="4070A0"/>
                 </a:solidFill>
@@ -9348,7 +7305,7 @@
               <a:t>"</a:t>
             </a:r>
             <a:r>
-              <a:rPr sz="2400" dirty="0" err="1">
+              <a:rPr sz="2800" dirty="0" err="1">
                 <a:solidFill>
                   <a:srgbClr val="4070A0"/>
                 </a:solidFill>
@@ -9357,7 +7314,7 @@
               <a:t>RPostgres</a:t>
             </a:r>
             <a:r>
-              <a:rPr sz="2400" dirty="0">
+              <a:rPr sz="2800" dirty="0">
                 <a:solidFill>
                   <a:srgbClr val="4070A0"/>
                 </a:solidFill>
@@ -9366,7 +7323,7 @@
               <a:t>"</a:t>
             </a:r>
             <a:r>
-              <a:rPr sz="2400" dirty="0">
+              <a:rPr sz="2800" dirty="0">
                 <a:latin typeface="Courier"/>
               </a:rPr>
               <a:t>)</a:t>
@@ -9418,7 +7375,7 @@
               <a:buNone/>
             </a:pPr>
             <a:r>
-              <a:t>Example keyring configuration</a:t>
+              <a:t>Exercise 2</a:t>
             </a:r>
           </a:p>
         </p:txBody>
@@ -9438,380 +7395,19 @@
           <a:bodyPr/>
           <a:lstStyle/>
           <a:p>
-            <a:pPr marL="1270000" lvl="0" indent="0">
-              <a:buNone/>
+            <a:pPr lvl="1">
+              <a:buAutoNum type="arabicPeriod"/>
             </a:pPr>
             <a:r>
-              <a:rPr sz="1800">
-                <a:latin typeface="Courier"/>
-              </a:rPr>
-              <a:t>con &lt;-</a:t>
-            </a:r>
-            <a:r>
-              <a:rPr sz="1800">
-                <a:solidFill>
-                  <a:srgbClr val="4070A0"/>
-                </a:solidFill>
-                <a:latin typeface="Courier"/>
-              </a:rPr>
-              <a:t> </a:t>
-            </a:r>
-            <a:r>
-              <a:rPr sz="1800" b="1">
-                <a:solidFill>
-                  <a:srgbClr val="007020"/>
-                </a:solidFill>
-                <a:latin typeface="Courier"/>
-              </a:rPr>
-              <a:t>dbConnect</a:t>
-            </a:r>
-            <a:r>
-              <a:rPr sz="1800">
-                <a:latin typeface="Courier"/>
-              </a:rPr>
-              <a:t>(odbc</a:t>
-            </a:r>
-            <a:r>
-              <a:rPr sz="1800">
-                <a:solidFill>
-                  <a:srgbClr val="666666"/>
-                </a:solidFill>
-                <a:latin typeface="Courier"/>
-              </a:rPr>
-              <a:t>::</a:t>
-            </a:r>
-            <a:r>
-              <a:rPr sz="1800" b="1">
-                <a:solidFill>
-                  <a:srgbClr val="007020"/>
-                </a:solidFill>
-                <a:latin typeface="Courier"/>
-              </a:rPr>
-              <a:t>odbc</a:t>
-            </a:r>
-            <a:r>
-              <a:rPr sz="1800">
-                <a:latin typeface="Courier"/>
-              </a:rPr>
-              <a:t>(), </a:t>
-            </a:r>
-            <a:br/>
-            <a:r>
-              <a:rPr sz="1800">
-                <a:latin typeface="Courier"/>
-              </a:rPr>
-              <a:t>  </a:t>
-            </a:r>
-            <a:r>
-              <a:rPr sz="1800">
-                <a:solidFill>
-                  <a:srgbClr val="902000"/>
-                </a:solidFill>
-                <a:latin typeface="Courier"/>
-              </a:rPr>
-              <a:t>Driver   =</a:t>
-            </a:r>
-            <a:r>
-              <a:rPr sz="1800">
-                <a:latin typeface="Courier"/>
-              </a:rPr>
-              <a:t> </a:t>
-            </a:r>
-            <a:r>
-              <a:rPr sz="1800">
-                <a:solidFill>
-                  <a:srgbClr val="4070A0"/>
-                </a:solidFill>
-                <a:latin typeface="Courier"/>
-              </a:rPr>
-              <a:t>"SQLServer"</a:t>
-            </a:r>
-            <a:r>
-              <a:rPr sz="1800">
-                <a:latin typeface="Courier"/>
-              </a:rPr>
-              <a:t>,</a:t>
-            </a:r>
-            <a:br/>
-            <a:r>
-              <a:rPr sz="1800">
-                <a:latin typeface="Courier"/>
-              </a:rPr>
-              <a:t>  </a:t>
-            </a:r>
-            <a:r>
-              <a:rPr sz="1800">
-                <a:solidFill>
-                  <a:srgbClr val="902000"/>
-                </a:solidFill>
-                <a:latin typeface="Courier"/>
-              </a:rPr>
-              <a:t>Server   =</a:t>
-            </a:r>
-            <a:r>
-              <a:rPr sz="1800">
-                <a:latin typeface="Courier"/>
-              </a:rPr>
-              <a:t> </a:t>
-            </a:r>
-            <a:r>
-              <a:rPr sz="1800">
-                <a:solidFill>
-                  <a:srgbClr val="4070A0"/>
-                </a:solidFill>
-                <a:latin typeface="Courier"/>
-              </a:rPr>
-              <a:t>"my-database"</a:t>
-            </a:r>
-            <a:r>
-              <a:rPr sz="1800">
-                <a:latin typeface="Courier"/>
-              </a:rPr>
-              <a:t>,</a:t>
-            </a:r>
-            <a:br/>
-            <a:r>
-              <a:rPr sz="1800">
-                <a:latin typeface="Courier"/>
-              </a:rPr>
-              <a:t>  </a:t>
-            </a:r>
-            <a:r>
-              <a:rPr sz="1800">
-                <a:solidFill>
-                  <a:srgbClr val="902000"/>
-                </a:solidFill>
-                <a:latin typeface="Courier"/>
-              </a:rPr>
-              <a:t>Port     =</a:t>
-            </a:r>
-            <a:r>
-              <a:rPr sz="1800">
-                <a:latin typeface="Courier"/>
-              </a:rPr>
-              <a:t> </a:t>
-            </a:r>
-            <a:r>
-              <a:rPr sz="1800">
-                <a:solidFill>
-                  <a:srgbClr val="40A070"/>
-                </a:solidFill>
-                <a:latin typeface="Courier"/>
-              </a:rPr>
-              <a:t>1433</a:t>
-            </a:r>
-            <a:r>
-              <a:rPr sz="1800">
-                <a:latin typeface="Courier"/>
-              </a:rPr>
-              <a:t>,</a:t>
-            </a:r>
-            <a:br/>
-            <a:r>
-              <a:rPr sz="1800">
-                <a:latin typeface="Courier"/>
-              </a:rPr>
-              <a:t>  </a:t>
-            </a:r>
-            <a:r>
-              <a:rPr sz="1800">
-                <a:solidFill>
-                  <a:srgbClr val="902000"/>
-                </a:solidFill>
-                <a:latin typeface="Courier"/>
-              </a:rPr>
-              <a:t>Database =</a:t>
-            </a:r>
-            <a:r>
-              <a:rPr sz="1800">
-                <a:latin typeface="Courier"/>
-              </a:rPr>
-              <a:t> </a:t>
-            </a:r>
-            <a:r>
-              <a:rPr sz="1800">
-                <a:solidFill>
-                  <a:srgbClr val="4070A0"/>
-                </a:solidFill>
-                <a:latin typeface="Courier"/>
-              </a:rPr>
-              <a:t>"default"</a:t>
-            </a:r>
-            <a:r>
-              <a:rPr sz="1800">
-                <a:latin typeface="Courier"/>
-              </a:rPr>
-              <a:t>,</a:t>
-            </a:r>
-            <a:br/>
-            <a:r>
-              <a:rPr sz="1800">
-                <a:latin typeface="Courier"/>
-              </a:rPr>
-              <a:t>  </a:t>
-            </a:r>
-            <a:r>
-              <a:rPr sz="1800">
-                <a:solidFill>
-                  <a:srgbClr val="902000"/>
-                </a:solidFill>
-                <a:latin typeface="Courier"/>
-              </a:rPr>
-              <a:t>UID      =</a:t>
-            </a:r>
-            <a:r>
-              <a:rPr sz="1800">
-                <a:latin typeface="Courier"/>
-              </a:rPr>
-              <a:t> keyring</a:t>
-            </a:r>
-            <a:r>
-              <a:rPr sz="1800">
-                <a:solidFill>
-                  <a:srgbClr val="666666"/>
-                </a:solidFill>
-                <a:latin typeface="Courier"/>
-              </a:rPr>
-              <a:t>::</a:t>
-            </a:r>
-            <a:r>
-              <a:rPr sz="1800" b="1">
-                <a:solidFill>
-                  <a:srgbClr val="007020"/>
-                </a:solidFill>
-                <a:latin typeface="Courier"/>
-              </a:rPr>
-              <a:t>key_list</a:t>
-            </a:r>
-            <a:r>
-              <a:rPr sz="1800">
-                <a:latin typeface="Courier"/>
-              </a:rPr>
-              <a:t>(</a:t>
-            </a:r>
-            <a:r>
-              <a:rPr sz="1800">
-                <a:solidFill>
-                  <a:srgbClr val="4070A0"/>
-                </a:solidFill>
-                <a:latin typeface="Courier"/>
-              </a:rPr>
-              <a:t>"my-database"</a:t>
-            </a:r>
-            <a:r>
-              <a:rPr sz="1800">
-                <a:latin typeface="Courier"/>
-              </a:rPr>
-              <a:t>)[</a:t>
-            </a:r>
-            <a:r>
-              <a:rPr sz="1800">
-                <a:solidFill>
-                  <a:srgbClr val="40A070"/>
-                </a:solidFill>
-                <a:latin typeface="Courier"/>
-              </a:rPr>
-              <a:t>1</a:t>
-            </a:r>
-            <a:r>
-              <a:rPr sz="1800">
-                <a:latin typeface="Courier"/>
-              </a:rPr>
-              <a:t>,</a:t>
-            </a:r>
-            <a:r>
-              <a:rPr sz="1800">
-                <a:solidFill>
-                  <a:srgbClr val="40A070"/>
-                </a:solidFill>
-                <a:latin typeface="Courier"/>
-              </a:rPr>
-              <a:t>2</a:t>
-            </a:r>
-            <a:r>
-              <a:rPr sz="1800">
-                <a:latin typeface="Courier"/>
-              </a:rPr>
-              <a:t>], </a:t>
-            </a:r>
-            <a:r>
-              <a:rPr sz="1800" i="1">
-                <a:solidFill>
-                  <a:srgbClr val="60A0B0"/>
-                </a:solidFill>
-                <a:latin typeface="Courier"/>
-              </a:rPr>
-              <a:t># format to retrieve username</a:t>
-            </a:r>
-            <a:br/>
-            <a:r>
-              <a:rPr sz="1800">
-                <a:latin typeface="Courier"/>
-              </a:rPr>
-              <a:t>  </a:t>
-            </a:r>
-            <a:r>
-              <a:rPr sz="1800">
-                <a:solidFill>
-                  <a:srgbClr val="902000"/>
-                </a:solidFill>
-                <a:latin typeface="Courier"/>
-              </a:rPr>
-              <a:t>PWD      =</a:t>
-            </a:r>
-            <a:r>
-              <a:rPr sz="1800">
-                <a:latin typeface="Courier"/>
-              </a:rPr>
-              <a:t> keyring</a:t>
-            </a:r>
-            <a:r>
-              <a:rPr sz="1800">
-                <a:solidFill>
-                  <a:srgbClr val="666666"/>
-                </a:solidFill>
-                <a:latin typeface="Courier"/>
-              </a:rPr>
-              <a:t>::</a:t>
-            </a:r>
-            <a:r>
-              <a:rPr sz="1800" b="1">
-                <a:solidFill>
-                  <a:srgbClr val="007020"/>
-                </a:solidFill>
-                <a:latin typeface="Courier"/>
-              </a:rPr>
-              <a:t>key_get</a:t>
-            </a:r>
-            <a:r>
-              <a:rPr sz="1800">
-                <a:latin typeface="Courier"/>
-              </a:rPr>
-              <a:t>(</a:t>
-            </a:r>
-            <a:r>
-              <a:rPr sz="1800">
-                <a:solidFill>
-                  <a:srgbClr val="4070A0"/>
-                </a:solidFill>
-                <a:latin typeface="Courier"/>
-              </a:rPr>
-              <a:t>"my-database"</a:t>
-            </a:r>
-            <a:r>
-              <a:rPr sz="1800">
-                <a:latin typeface="Courier"/>
-              </a:rPr>
-              <a:t>)) </a:t>
-            </a:r>
-            <a:r>
-              <a:rPr sz="1800" i="1">
-                <a:solidFill>
-                  <a:srgbClr val="60A0B0"/>
-                </a:solidFill>
-                <a:latin typeface="Courier"/>
-              </a:rPr>
-              <a:t># retrieves password</a:t>
+              <a:t>Retrieve sample and batch data (like the example above) for oxycodone (compound_name) and unknown samples (sample_type). Collect only the first 20 results.</a:t>
+            </a:r>
+          </a:p>
+          <a:p>
+            <a:pPr lvl="1">
+              <a:buAutoNum type="arabicPeriod"/>
+            </a:pPr>
+            <a:r>
+              <a:t>Disconnect from the project database (hint: this is R code, not SQL).</a:t>
             </a:r>
           </a:p>
         </p:txBody>
@@ -9853,65 +7449,48 @@
         </p:nvSpPr>
         <p:spPr/>
         <p:txBody>
-          <a:bodyPr>
-            <a:normAutofit fontScale="90000"/>
-          </a:bodyPr>
-          <a:lstStyle/>
-          <a:p>
-            <a:pPr marL="0" lvl="0" indent="0">
-              <a:buNone/>
-            </a:pPr>
-            <a:r>
-              <a:t>Set up configuration with config package</a:t>
-            </a:r>
-          </a:p>
-        </p:txBody>
-      </p:sp>
-      <p:sp>
-        <p:nvSpPr>
-          <p:cNvPr id="3" name="Content Placeholder 2"/>
-          <p:cNvSpPr>
-            <a:spLocks noGrp="1"/>
-          </p:cNvSpPr>
-          <p:nvPr>
-            <p:ph idx="1"/>
-          </p:nvPr>
-        </p:nvSpPr>
-        <p:spPr/>
-        <p:txBody>
           <a:bodyPr/>
           <a:lstStyle/>
           <a:p>
+            <a:pPr marL="0" lvl="0" indent="0">
+              <a:buNone/>
+            </a:pPr>
+            <a:r>
+              <a:t>Working with databases securely</a:t>
+            </a:r>
+          </a:p>
+        </p:txBody>
+      </p:sp>
+      <p:sp>
+        <p:nvSpPr>
+          <p:cNvPr id="3" name="Content Placeholder 2"/>
+          <p:cNvSpPr>
+            <a:spLocks noGrp="1"/>
+          </p:cNvSpPr>
+          <p:nvPr>
+            <p:ph idx="1"/>
+          </p:nvPr>
+        </p:nvSpPr>
+        <p:spPr/>
+        <p:txBody>
+          <a:bodyPr/>
+          <a:lstStyle/>
+          <a:p>
             <a:pPr lvl="1"/>
             <a:r>
-              <a:t>Alternative approach: define database connection configuration in file external from script</a:t>
+              <a:t>Consider the path of data from remote server to local machine</a:t>
+            </a:r>
+          </a:p>
+          <a:p>
+            <a:pPr lvl="1"/>
+            <a:r>
+              <a:t>Avoid storing credentials to databases (especially with sensitive info) in plain text in code</a:t>
             </a:r>
           </a:p>
           <a:p>
             <a:pPr lvl="2"/>
             <a:r>
-              <a:t>File can be restricted to only your user account (e.g. chmod 600 “filename”)</a:t>
-            </a:r>
-          </a:p>
-          <a:p>
-            <a:pPr lvl="1"/>
-            <a:r>
-              <a:t>Create a config.yml file that has key value pairs for various connection properties</a:t>
-            </a:r>
-          </a:p>
-          <a:p>
-            <a:pPr lvl="1"/>
-            <a:r>
-              <a:t>Use </a:t>
-            </a:r>
-            <a:r>
-              <a:rPr sz="1800">
-                <a:latin typeface="Courier"/>
-              </a:rPr>
-              <a:t>get()</a:t>
-            </a:r>
-            <a:r>
-              <a:t> from config package to retrieve info</a:t>
+              <a:t>Very important for any code that is committed to repositories</a:t>
             </a:r>
           </a:p>
         </p:txBody>
@@ -9953,48 +7532,80 @@
         </p:nvSpPr>
         <p:spPr/>
         <p:txBody>
+          <a:bodyPr>
+            <a:normAutofit fontScale="90000"/>
+          </a:bodyPr>
+          <a:lstStyle/>
+          <a:p>
+            <a:pPr marL="0" lvl="0" indent="0">
+              <a:buNone/>
+            </a:pPr>
+            <a:r>
+              <a:t>Storing credentials with keyring package</a:t>
+            </a:r>
+          </a:p>
+        </p:txBody>
+      </p:sp>
+      <p:sp>
+        <p:nvSpPr>
+          <p:cNvPr id="3" name="Content Placeholder 2"/>
+          <p:cNvSpPr>
+            <a:spLocks noGrp="1"/>
+          </p:cNvSpPr>
+          <p:nvPr>
+            <p:ph idx="1"/>
+          </p:nvPr>
+        </p:nvSpPr>
+        <p:spPr/>
+        <p:txBody>
           <a:bodyPr/>
           <a:lstStyle/>
           <a:p>
-            <a:pPr marL="0" lvl="0" indent="0">
-              <a:buNone/>
-            </a:pPr>
-            <a:r>
-              <a:t>Example config.yml</a:t>
-            </a:r>
-          </a:p>
-        </p:txBody>
-      </p:sp>
-      <p:sp>
-        <p:nvSpPr>
-          <p:cNvPr id="3" name="Content Placeholder 2"/>
-          <p:cNvSpPr>
-            <a:spLocks noGrp="1"/>
-          </p:cNvSpPr>
-          <p:nvPr>
-            <p:ph idx="1"/>
-          </p:nvPr>
-        </p:nvSpPr>
-        <p:spPr/>
-        <p:txBody>
-          <a:bodyPr/>
-          <a:lstStyle/>
-          <a:p>
-            <a:pPr marL="1270000" lvl="0" indent="0">
-              <a:buNone/>
-            </a:pPr>
+            <a:pPr lvl="1"/>
+            <a:r>
+              <a:t>keyring package allows storage of credentials on operating system credential management system (e.g. OS X Keychain)</a:t>
+            </a:r>
+          </a:p>
+          <a:p>
+            <a:pPr lvl="1"/>
+            <a:r>
+              <a:t>Set up database password one time with </a:t>
+            </a:r>
             <a:r>
               <a:rPr sz="1800">
                 <a:latin typeface="Courier"/>
               </a:rPr>
-              <a:t>default:
-  datawarehouse:
-    driver: 'Postgres' 
-    server: 'mydb-test.company.com'
-    uid: 'local-account'
-    pwd: 'my-password'  
-    port: 5432
-    database: 'regional-sales'</a:t>
+              <a:t>key_set()</a:t>
+            </a:r>
+          </a:p>
+          <a:p>
+            <a:pPr lvl="1"/>
+            <a:r>
+              <a:t>Credentials can be accessed whenever user is signed into OS</a:t>
+            </a:r>
+          </a:p>
+          <a:p>
+            <a:pPr lvl="2"/>
+            <a:r>
+              <a:t>Username called with </a:t>
+            </a:r>
+            <a:r>
+              <a:rPr sz="1800">
+                <a:latin typeface="Courier"/>
+              </a:rPr>
+              <a:t>key_list()</a:t>
+            </a:r>
+          </a:p>
+          <a:p>
+            <a:pPr lvl="2"/>
+            <a:r>
+              <a:t>Password called with </a:t>
+            </a:r>
+            <a:r>
+              <a:rPr sz="1800">
+                <a:latin typeface="Courier"/>
+              </a:rPr>
+              <a:t>key_get()</a:t>
             </a:r>
           </a:p>
         </p:txBody>
@@ -10043,7 +7654,7 @@
               <a:buNone/>
             </a:pPr>
             <a:r>
-              <a:t>Retrieve info from config file</a:t>
+              <a:t>Example keyring configuration</a:t>
             </a:r>
           </a:p>
         </p:txBody>
@@ -10058,7 +7669,12 @@
             <p:ph idx="1"/>
           </p:nvPr>
         </p:nvSpPr>
-        <p:spPr/>
+        <p:spPr>
+          <a:xfrm>
+            <a:off x="-855023" y="2134589"/>
+            <a:ext cx="9904021" cy="5465618"/>
+          </a:xfrm>
+        </p:spPr>
         <p:txBody>
           <a:bodyPr/>
           <a:lstStyle/>
@@ -10067,13 +7683,13 @@
               <a:buNone/>
             </a:pPr>
             <a:r>
-              <a:rPr sz="1800">
-                <a:latin typeface="Courier"/>
-              </a:rPr>
-              <a:t>dw &lt;-</a:t>
-            </a:r>
-            <a:r>
-              <a:rPr sz="1800">
+              <a:rPr sz="1800" dirty="0">
+                <a:latin typeface="Courier"/>
+              </a:rPr>
+              <a:t>con &lt;-</a:t>
+            </a:r>
+            <a:r>
+              <a:rPr sz="1800" dirty="0">
                 <a:solidFill>
                   <a:srgbClr val="4070A0"/>
                 </a:solidFill>
@@ -10082,13 +7698,28 @@
               <a:t> </a:t>
             </a:r>
             <a:r>
-              <a:rPr sz="1800">
-                <a:latin typeface="Courier"/>
-              </a:rPr>
-              <a:t>config</a:t>
-            </a:r>
-            <a:r>
-              <a:rPr sz="1800">
+              <a:rPr sz="1800" b="1" dirty="0" err="1">
+                <a:solidFill>
+                  <a:srgbClr val="007020"/>
+                </a:solidFill>
+                <a:latin typeface="Courier"/>
+              </a:rPr>
+              <a:t>dbConnect</a:t>
+            </a:r>
+            <a:r>
+              <a:rPr sz="1800" dirty="0">
+                <a:latin typeface="Courier"/>
+              </a:rPr>
+              <a:t>(</a:t>
+            </a:r>
+            <a:r>
+              <a:rPr sz="1800" dirty="0" err="1">
+                <a:latin typeface="Courier"/>
+              </a:rPr>
+              <a:t>odbc</a:t>
+            </a:r>
+            <a:r>
+              <a:rPr sz="1800" dirty="0">
                 <a:solidFill>
                   <a:srgbClr val="666666"/>
                 </a:solidFill>
@@ -10097,334 +7728,367 @@
               <a:t>::</a:t>
             </a:r>
             <a:r>
-              <a:rPr sz="1800" b="1">
+              <a:rPr sz="1800" b="1" dirty="0" err="1">
                 <a:solidFill>
                   <a:srgbClr val="007020"/>
                 </a:solidFill>
                 <a:latin typeface="Courier"/>
               </a:rPr>
-              <a:t>get</a:t>
-            </a:r>
-            <a:r>
-              <a:rPr sz="1800">
+              <a:t>odbc</a:t>
+            </a:r>
+            <a:r>
+              <a:rPr sz="1800" dirty="0">
+                <a:latin typeface="Courier"/>
+              </a:rPr>
+              <a:t>(), </a:t>
+            </a:r>
+            <a:br>
+              <a:rPr dirty="0"/>
+            </a:br>
+            <a:r>
+              <a:rPr sz="1800" dirty="0">
+                <a:latin typeface="Courier"/>
+              </a:rPr>
+              <a:t>  </a:t>
+            </a:r>
+            <a:r>
+              <a:rPr sz="1800" dirty="0">
+                <a:solidFill>
+                  <a:srgbClr val="902000"/>
+                </a:solidFill>
+                <a:latin typeface="Courier"/>
+              </a:rPr>
+              <a:t>Driver   =</a:t>
+            </a:r>
+            <a:r>
+              <a:rPr sz="1800" dirty="0">
+                <a:latin typeface="Courier"/>
+              </a:rPr>
+              <a:t> </a:t>
+            </a:r>
+            <a:r>
+              <a:rPr sz="1800" dirty="0">
+                <a:solidFill>
+                  <a:srgbClr val="4070A0"/>
+                </a:solidFill>
+                <a:latin typeface="Courier"/>
+              </a:rPr>
+              <a:t>"</a:t>
+            </a:r>
+            <a:r>
+              <a:rPr sz="1800" dirty="0" err="1">
+                <a:solidFill>
+                  <a:srgbClr val="4070A0"/>
+                </a:solidFill>
+                <a:latin typeface="Courier"/>
+              </a:rPr>
+              <a:t>SQLServer</a:t>
+            </a:r>
+            <a:r>
+              <a:rPr sz="1800" dirty="0">
+                <a:solidFill>
+                  <a:srgbClr val="4070A0"/>
+                </a:solidFill>
+                <a:latin typeface="Courier"/>
+              </a:rPr>
+              <a:t>"</a:t>
+            </a:r>
+            <a:r>
+              <a:rPr sz="1800" dirty="0">
+                <a:latin typeface="Courier"/>
+              </a:rPr>
+              <a:t>,</a:t>
+            </a:r>
+            <a:br>
+              <a:rPr dirty="0"/>
+            </a:br>
+            <a:r>
+              <a:rPr sz="1800" dirty="0">
+                <a:latin typeface="Courier"/>
+              </a:rPr>
+              <a:t>  </a:t>
+            </a:r>
+            <a:r>
+              <a:rPr sz="1800" dirty="0">
+                <a:solidFill>
+                  <a:srgbClr val="902000"/>
+                </a:solidFill>
+                <a:latin typeface="Courier"/>
+              </a:rPr>
+              <a:t>Server   =</a:t>
+            </a:r>
+            <a:r>
+              <a:rPr sz="1800" dirty="0">
+                <a:latin typeface="Courier"/>
+              </a:rPr>
+              <a:t> </a:t>
+            </a:r>
+            <a:r>
+              <a:rPr sz="1800" dirty="0">
+                <a:solidFill>
+                  <a:srgbClr val="4070A0"/>
+                </a:solidFill>
+                <a:latin typeface="Courier"/>
+              </a:rPr>
+              <a:t>"my-database"</a:t>
+            </a:r>
+            <a:r>
+              <a:rPr sz="1800" dirty="0">
+                <a:latin typeface="Courier"/>
+              </a:rPr>
+              <a:t>,</a:t>
+            </a:r>
+            <a:br>
+              <a:rPr dirty="0"/>
+            </a:br>
+            <a:r>
+              <a:rPr sz="1800" dirty="0">
+                <a:latin typeface="Courier"/>
+              </a:rPr>
+              <a:t>  </a:t>
+            </a:r>
+            <a:r>
+              <a:rPr sz="1800" dirty="0">
+                <a:solidFill>
+                  <a:srgbClr val="902000"/>
+                </a:solidFill>
+                <a:latin typeface="Courier"/>
+              </a:rPr>
+              <a:t>Port     =</a:t>
+            </a:r>
+            <a:r>
+              <a:rPr sz="1800" dirty="0">
+                <a:latin typeface="Courier"/>
+              </a:rPr>
+              <a:t> </a:t>
+            </a:r>
+            <a:r>
+              <a:rPr sz="1800" dirty="0">
+                <a:solidFill>
+                  <a:srgbClr val="40A070"/>
+                </a:solidFill>
+                <a:latin typeface="Courier"/>
+              </a:rPr>
+              <a:t>1433</a:t>
+            </a:r>
+            <a:r>
+              <a:rPr sz="1800" dirty="0">
+                <a:latin typeface="Courier"/>
+              </a:rPr>
+              <a:t>,</a:t>
+            </a:r>
+            <a:br>
+              <a:rPr dirty="0"/>
+            </a:br>
+            <a:r>
+              <a:rPr sz="1800" dirty="0">
+                <a:latin typeface="Courier"/>
+              </a:rPr>
+              <a:t>  </a:t>
+            </a:r>
+            <a:r>
+              <a:rPr sz="1800" dirty="0">
+                <a:solidFill>
+                  <a:srgbClr val="902000"/>
+                </a:solidFill>
+                <a:latin typeface="Courier"/>
+              </a:rPr>
+              <a:t>Database =</a:t>
+            </a:r>
+            <a:r>
+              <a:rPr sz="1800" dirty="0">
+                <a:latin typeface="Courier"/>
+              </a:rPr>
+              <a:t> </a:t>
+            </a:r>
+            <a:r>
+              <a:rPr sz="1800" dirty="0">
+                <a:solidFill>
+                  <a:srgbClr val="4070A0"/>
+                </a:solidFill>
+                <a:latin typeface="Courier"/>
+              </a:rPr>
+              <a:t>"default"</a:t>
+            </a:r>
+            <a:r>
+              <a:rPr sz="1800" dirty="0">
+                <a:latin typeface="Courier"/>
+              </a:rPr>
+              <a:t>,</a:t>
+            </a:r>
+            <a:br>
+              <a:rPr dirty="0"/>
+            </a:br>
+            <a:r>
+              <a:rPr sz="1800" dirty="0">
+                <a:latin typeface="Courier"/>
+              </a:rPr>
+              <a:t>  </a:t>
+            </a:r>
+            <a:r>
+              <a:rPr sz="1800" dirty="0">
+                <a:solidFill>
+                  <a:srgbClr val="902000"/>
+                </a:solidFill>
+                <a:latin typeface="Courier"/>
+              </a:rPr>
+              <a:t>UID      =</a:t>
+            </a:r>
+            <a:r>
+              <a:rPr sz="1800" dirty="0">
+                <a:latin typeface="Courier"/>
+              </a:rPr>
+              <a:t> keyring</a:t>
+            </a:r>
+            <a:r>
+              <a:rPr sz="1800" dirty="0">
+                <a:solidFill>
+                  <a:srgbClr val="666666"/>
+                </a:solidFill>
+                <a:latin typeface="Courier"/>
+              </a:rPr>
+              <a:t>::</a:t>
+            </a:r>
+            <a:r>
+              <a:rPr sz="1800" b="1" dirty="0" err="1">
+                <a:solidFill>
+                  <a:srgbClr val="007020"/>
+                </a:solidFill>
+                <a:latin typeface="Courier"/>
+              </a:rPr>
+              <a:t>key_list</a:t>
+            </a:r>
+            <a:r>
+              <a:rPr sz="1800" dirty="0">
                 <a:latin typeface="Courier"/>
               </a:rPr>
               <a:t>(</a:t>
             </a:r>
             <a:r>
-              <a:rPr sz="1800">
+              <a:rPr sz="1800" dirty="0">
                 <a:solidFill>
                   <a:srgbClr val="4070A0"/>
                 </a:solidFill>
                 <a:latin typeface="Courier"/>
               </a:rPr>
-              <a:t>"datawarehouse"</a:t>
-            </a:r>
-            <a:r>
-              <a:rPr sz="1800">
-                <a:latin typeface="Courier"/>
-              </a:rPr>
-              <a:t>)</a:t>
-            </a:r>
-            <a:br/>
-            <a:br/>
-            <a:r>
-              <a:rPr sz="1800">
-                <a:latin typeface="Courier"/>
-              </a:rPr>
-              <a:t>con &lt;-</a:t>
-            </a:r>
-            <a:r>
-              <a:rPr sz="1800">
+              <a:t>"my-database"</a:t>
+            </a:r>
+            <a:r>
+              <a:rPr sz="1800" dirty="0">
+                <a:latin typeface="Courier"/>
+              </a:rPr>
+              <a:t>)[</a:t>
+            </a:r>
+            <a:r>
+              <a:rPr sz="1800" dirty="0">
+                <a:solidFill>
+                  <a:srgbClr val="40A070"/>
+                </a:solidFill>
+                <a:latin typeface="Courier"/>
+              </a:rPr>
+              <a:t>1</a:t>
+            </a:r>
+            <a:r>
+              <a:rPr sz="1800" dirty="0">
+                <a:latin typeface="Courier"/>
+              </a:rPr>
+              <a:t>,</a:t>
+            </a:r>
+            <a:r>
+              <a:rPr sz="1800" dirty="0">
+                <a:solidFill>
+                  <a:srgbClr val="40A070"/>
+                </a:solidFill>
+                <a:latin typeface="Courier"/>
+              </a:rPr>
+              <a:t>2</a:t>
+            </a:r>
+            <a:r>
+              <a:rPr sz="1800" dirty="0">
+                <a:latin typeface="Courier"/>
+              </a:rPr>
+              <a:t>], </a:t>
+            </a:r>
+            <a:r>
+              <a:rPr sz="1800" i="1" dirty="0">
+                <a:solidFill>
+                  <a:srgbClr val="60A0B0"/>
+                </a:solidFill>
+                <a:latin typeface="Courier"/>
+              </a:rPr>
+              <a:t># format to retrieve username</a:t>
+            </a:r>
+            <a:br>
+              <a:rPr dirty="0"/>
+            </a:br>
+            <a:r>
+              <a:rPr sz="1800" dirty="0">
+                <a:latin typeface="Courier"/>
+              </a:rPr>
+              <a:t>  </a:t>
+            </a:r>
+            <a:r>
+              <a:rPr sz="1800" dirty="0">
+                <a:solidFill>
+                  <a:srgbClr val="902000"/>
+                </a:solidFill>
+                <a:latin typeface="Courier"/>
+              </a:rPr>
+              <a:t>PWD      =</a:t>
+            </a:r>
+            <a:r>
+              <a:rPr sz="1800" dirty="0">
+                <a:latin typeface="Courier"/>
+              </a:rPr>
+              <a:t> keyring</a:t>
+            </a:r>
+            <a:r>
+              <a:rPr sz="1800" dirty="0">
+                <a:solidFill>
+                  <a:srgbClr val="666666"/>
+                </a:solidFill>
+                <a:latin typeface="Courier"/>
+              </a:rPr>
+              <a:t>::</a:t>
+            </a:r>
+            <a:r>
+              <a:rPr sz="1800" b="1" dirty="0" err="1">
+                <a:solidFill>
+                  <a:srgbClr val="007020"/>
+                </a:solidFill>
+                <a:latin typeface="Courier"/>
+              </a:rPr>
+              <a:t>key_get</a:t>
+            </a:r>
+            <a:r>
+              <a:rPr sz="1800" dirty="0">
+                <a:latin typeface="Courier"/>
+              </a:rPr>
+              <a:t>(</a:t>
+            </a:r>
+            <a:r>
+              <a:rPr sz="1800" dirty="0">
                 <a:solidFill>
                   <a:srgbClr val="4070A0"/>
                 </a:solidFill>
                 <a:latin typeface="Courier"/>
               </a:rPr>
-              <a:t> </a:t>
-            </a:r>
-            <a:r>
-              <a:rPr sz="1800">
-                <a:latin typeface="Courier"/>
-              </a:rPr>
-              <a:t>DBI</a:t>
-            </a:r>
-            <a:r>
-              <a:rPr sz="1800">
-                <a:solidFill>
-                  <a:srgbClr val="666666"/>
-                </a:solidFill>
-                <a:latin typeface="Courier"/>
-              </a:rPr>
-              <a:t>::</a:t>
-            </a:r>
-            <a:r>
-              <a:rPr sz="1800" b="1">
-                <a:solidFill>
-                  <a:srgbClr val="007020"/>
-                </a:solidFill>
-                <a:latin typeface="Courier"/>
-              </a:rPr>
-              <a:t>dbConnect</a:t>
-            </a:r>
-            <a:r>
-              <a:rPr sz="1800">
-                <a:latin typeface="Courier"/>
-              </a:rPr>
-              <a:t>(odbc</a:t>
-            </a:r>
-            <a:r>
-              <a:rPr sz="1800">
-                <a:solidFill>
-                  <a:srgbClr val="666666"/>
-                </a:solidFill>
-                <a:latin typeface="Courier"/>
-              </a:rPr>
-              <a:t>::</a:t>
-            </a:r>
-            <a:r>
-              <a:rPr sz="1800" b="1">
-                <a:solidFill>
-                  <a:srgbClr val="007020"/>
-                </a:solidFill>
-                <a:latin typeface="Courier"/>
-              </a:rPr>
-              <a:t>odbc</a:t>
-            </a:r>
-            <a:r>
-              <a:rPr sz="1800">
-                <a:latin typeface="Courier"/>
-              </a:rPr>
-              <a:t>(),</a:t>
-            </a:r>
-            <a:br/>
-            <a:r>
-              <a:rPr sz="1800">
-                <a:latin typeface="Courier"/>
-              </a:rPr>
-              <a:t>   </a:t>
-            </a:r>
-            <a:r>
-              <a:rPr sz="1800">
-                <a:solidFill>
-                  <a:srgbClr val="902000"/>
-                </a:solidFill>
-                <a:latin typeface="Courier"/>
-              </a:rPr>
-              <a:t>Driver =</a:t>
-            </a:r>
-            <a:r>
-              <a:rPr sz="1800">
-                <a:latin typeface="Courier"/>
-              </a:rPr>
-              <a:t> dw</a:t>
-            </a:r>
-            <a:r>
-              <a:rPr sz="1800">
-                <a:solidFill>
-                  <a:srgbClr val="666666"/>
-                </a:solidFill>
-                <a:latin typeface="Courier"/>
-              </a:rPr>
-              <a:t>$</a:t>
-            </a:r>
-            <a:r>
-              <a:rPr sz="1800">
-                <a:latin typeface="Courier"/>
-              </a:rPr>
-              <a:t>driver,</a:t>
-            </a:r>
-            <a:br/>
-            <a:r>
-              <a:rPr sz="1800">
-                <a:latin typeface="Courier"/>
-              </a:rPr>
-              <a:t>   </a:t>
-            </a:r>
-            <a:r>
-              <a:rPr sz="1800">
-                <a:solidFill>
-                  <a:srgbClr val="902000"/>
-                </a:solidFill>
-                <a:latin typeface="Courier"/>
-              </a:rPr>
-              <a:t>Server =</a:t>
-            </a:r>
-            <a:r>
-              <a:rPr sz="1800">
-                <a:latin typeface="Courier"/>
-              </a:rPr>
-              <a:t> dw</a:t>
-            </a:r>
-            <a:r>
-              <a:rPr sz="1800">
-                <a:solidFill>
-                  <a:srgbClr val="666666"/>
-                </a:solidFill>
-                <a:latin typeface="Courier"/>
-              </a:rPr>
-              <a:t>$</a:t>
-            </a:r>
-            <a:r>
-              <a:rPr sz="1800">
-                <a:latin typeface="Courier"/>
-              </a:rPr>
-              <a:t>server,</a:t>
-            </a:r>
-            <a:br/>
-            <a:r>
-              <a:rPr sz="1800">
-                <a:latin typeface="Courier"/>
-              </a:rPr>
-              <a:t>   </a:t>
-            </a:r>
-            <a:r>
-              <a:rPr sz="1800">
-                <a:solidFill>
-                  <a:srgbClr val="902000"/>
-                </a:solidFill>
-                <a:latin typeface="Courier"/>
-              </a:rPr>
-              <a:t>UID    =</a:t>
-            </a:r>
-            <a:r>
-              <a:rPr sz="1800">
-                <a:latin typeface="Courier"/>
-              </a:rPr>
-              <a:t> dw</a:t>
-            </a:r>
-            <a:r>
-              <a:rPr sz="1800">
-                <a:solidFill>
-                  <a:srgbClr val="666666"/>
-                </a:solidFill>
-                <a:latin typeface="Courier"/>
-              </a:rPr>
-              <a:t>$</a:t>
-            </a:r>
-            <a:r>
-              <a:rPr sz="1800">
-                <a:latin typeface="Courier"/>
-              </a:rPr>
-              <a:t>uid,</a:t>
-            </a:r>
-            <a:br/>
-            <a:r>
-              <a:rPr sz="1800">
-                <a:latin typeface="Courier"/>
-              </a:rPr>
-              <a:t>   </a:t>
-            </a:r>
-            <a:r>
-              <a:rPr sz="1800">
-                <a:solidFill>
-                  <a:srgbClr val="902000"/>
-                </a:solidFill>
-                <a:latin typeface="Courier"/>
-              </a:rPr>
-              <a:t>PWD    =</a:t>
-            </a:r>
-            <a:r>
-              <a:rPr sz="1800">
-                <a:latin typeface="Courier"/>
-              </a:rPr>
-              <a:t> dw</a:t>
-            </a:r>
-            <a:r>
-              <a:rPr sz="1800">
-                <a:solidFill>
-                  <a:srgbClr val="666666"/>
-                </a:solidFill>
-                <a:latin typeface="Courier"/>
-              </a:rPr>
-              <a:t>$</a:t>
-            </a:r>
-            <a:r>
-              <a:rPr sz="1800">
-                <a:latin typeface="Courier"/>
-              </a:rPr>
-              <a:t>pwd,</a:t>
-            </a:r>
-            <a:br/>
-            <a:r>
-              <a:rPr sz="1800">
-                <a:latin typeface="Courier"/>
-              </a:rPr>
-              <a:t>   </a:t>
-            </a:r>
-            <a:r>
-              <a:rPr sz="1800">
-                <a:solidFill>
-                  <a:srgbClr val="902000"/>
-                </a:solidFill>
-                <a:latin typeface="Courier"/>
-              </a:rPr>
-              <a:t>Port   =</a:t>
-            </a:r>
-            <a:r>
-              <a:rPr sz="1800">
-                <a:latin typeface="Courier"/>
-              </a:rPr>
-              <a:t> dw</a:t>
-            </a:r>
-            <a:r>
-              <a:rPr sz="1800">
-                <a:solidFill>
-                  <a:srgbClr val="666666"/>
-                </a:solidFill>
-                <a:latin typeface="Courier"/>
-              </a:rPr>
-              <a:t>$</a:t>
-            </a:r>
-            <a:r>
-              <a:rPr sz="1800">
-                <a:latin typeface="Courier"/>
-              </a:rPr>
-              <a:t>port,</a:t>
-            </a:r>
-            <a:br/>
-            <a:r>
-              <a:rPr sz="1800">
-                <a:latin typeface="Courier"/>
-              </a:rPr>
-              <a:t>   </a:t>
-            </a:r>
-            <a:r>
-              <a:rPr sz="1800">
-                <a:solidFill>
-                  <a:srgbClr val="902000"/>
-                </a:solidFill>
-                <a:latin typeface="Courier"/>
-              </a:rPr>
-              <a:t>Database =</a:t>
-            </a:r>
-            <a:r>
-              <a:rPr sz="1800">
-                <a:latin typeface="Courier"/>
-              </a:rPr>
-              <a:t> dw</a:t>
-            </a:r>
-            <a:r>
-              <a:rPr sz="1800">
-                <a:solidFill>
-                  <a:srgbClr val="666666"/>
-                </a:solidFill>
-                <a:latin typeface="Courier"/>
-              </a:rPr>
-              <a:t>$</a:t>
-            </a:r>
-            <a:r>
-              <a:rPr sz="1800">
-                <a:latin typeface="Courier"/>
-              </a:rPr>
-              <a:t>database</a:t>
-            </a:r>
-            <a:br/>
-            <a:r>
-              <a:rPr sz="1800">
-                <a:latin typeface="Courier"/>
-              </a:rPr>
-              <a:t>)</a:t>
+              <a:t>"my-database"</a:t>
+            </a:r>
+            <a:r>
+              <a:rPr sz="1800" dirty="0">
+                <a:latin typeface="Courier"/>
+              </a:rPr>
+              <a:t>)) </a:t>
+            </a:r>
+            <a:r>
+              <a:rPr sz="1800" i="1" dirty="0">
+                <a:solidFill>
+                  <a:srgbClr val="60A0B0"/>
+                </a:solidFill>
+                <a:latin typeface="Courier"/>
+              </a:rPr>
+              <a:t># retrieves password</a:t>
             </a:r>
           </a:p>
         </p:txBody>
@@ -10466,73 +8130,65 @@
         </p:nvSpPr>
         <p:spPr/>
         <p:txBody>
+          <a:bodyPr>
+            <a:normAutofit fontScale="90000"/>
+          </a:bodyPr>
+          <a:lstStyle/>
+          <a:p>
+            <a:pPr marL="0" lvl="0" indent="0">
+              <a:buNone/>
+            </a:pPr>
+            <a:r>
+              <a:t>Set up configuration with config package</a:t>
+            </a:r>
+          </a:p>
+        </p:txBody>
+      </p:sp>
+      <p:sp>
+        <p:nvSpPr>
+          <p:cNvPr id="3" name="Content Placeholder 2"/>
+          <p:cNvSpPr>
+            <a:spLocks noGrp="1"/>
+          </p:cNvSpPr>
+          <p:nvPr>
+            <p:ph idx="1"/>
+          </p:nvPr>
+        </p:nvSpPr>
+        <p:spPr/>
+        <p:txBody>
           <a:bodyPr/>
           <a:lstStyle/>
           <a:p>
-            <a:pPr marL="0" lvl="0" indent="0">
-              <a:buNone/>
-            </a:pPr>
-            <a:r>
-              <a:t>Exercise 3</a:t>
-            </a:r>
-          </a:p>
-        </p:txBody>
-      </p:sp>
-      <p:sp>
-        <p:nvSpPr>
-          <p:cNvPr id="3" name="Content Placeholder 2"/>
-          <p:cNvSpPr>
-            <a:spLocks noGrp="1"/>
-          </p:cNvSpPr>
-          <p:nvPr>
-            <p:ph idx="1"/>
-          </p:nvPr>
-        </p:nvSpPr>
-        <p:spPr/>
-        <p:txBody>
-          <a:bodyPr>
-            <a:normAutofit fontScale="92500" lnSpcReduction="20000"/>
-          </a:bodyPr>
-          <a:lstStyle/>
-          <a:p>
-            <a:pPr lvl="1">
-              <a:buAutoNum type="arabicPeriod"/>
-            </a:pPr>
-            <a:r>
-              <a:t>Install the config package with </a:t>
+            <a:pPr lvl="1"/>
+            <a:r>
+              <a:t>Alternative approach: define database connection configuration in file external from script</a:t>
+            </a:r>
+          </a:p>
+          <a:p>
+            <a:pPr lvl="2"/>
+            <a:r>
+              <a:t>File can be restricted to only your user account (e.g. chmod 600 “filename”)</a:t>
+            </a:r>
+          </a:p>
+          <a:p>
+            <a:pPr lvl="1"/>
+            <a:r>
+              <a:t>Create a config.yml file that has key value pairs for various connection properties</a:t>
+            </a:r>
+          </a:p>
+          <a:p>
+            <a:pPr lvl="1"/>
+            <a:r>
+              <a:t>Use </a:t>
             </a:r>
             <a:r>
               <a:rPr sz="1800">
                 <a:latin typeface="Courier"/>
               </a:rPr>
-              <a:t>install.packages("config")</a:t>
-            </a:r>
-            <a:r>
-              <a:t>.</a:t>
-            </a:r>
-          </a:p>
-          <a:p>
-            <a:pPr lvl="1">
-              <a:buAutoNum type="arabicPeriod"/>
-            </a:pPr>
-            <a:r>
-              <a:t>Create a config.yml file in the same directory as this R Markdown document and include the following info: host, dbname, port, username, password. Note that exact names of the configuration fields are dependent on the driver (the example above is for a different type of connection than PostgreSQL).</a:t>
-            </a:r>
-          </a:p>
-          <a:p>
-            <a:pPr lvl="1">
-              <a:buAutoNum type="arabicPeriod"/>
-            </a:pPr>
-            <a:r>
-              <a:t>Connect to the database and retrieve the first 20 entries of the rna table, similarly to what we retrieved in the original example.</a:t>
-            </a:r>
-          </a:p>
-          <a:p>
-            <a:pPr lvl="1">
-              <a:buAutoNum type="arabicPeriod"/>
-            </a:pPr>
-            <a:r>
-              <a:t>Disconnect from the database.</a:t>
+              <a:t>get()</a:t>
+            </a:r>
+            <a:r>
+              <a:t> from config package to retrieve info</a:t>
             </a:r>
           </a:p>
         </p:txBody>
@@ -10581,7 +8237,7 @@
               <a:buNone/>
             </a:pPr>
             <a:r>
-              <a:t>Additional resources</a:t>
+              <a:t>Example config.yml</a:t>
             </a:r>
           </a:p>
         </p:txBody>
@@ -10601,14 +8257,21 @@
           <a:bodyPr/>
           <a:lstStyle/>
           <a:p>
-            <a:pPr marL="0" lvl="0" indent="0">
+            <a:pPr marL="1270000" lvl="0" indent="0">
               <a:buNone/>
             </a:pPr>
             <a:r>
-              <a:rPr>
-                <a:hlinkClick r:id="rId2"/>
-              </a:rPr>
-              <a:t>https://db.rstudio.com/getting-started/</a:t>
+              <a:rPr sz="1800">
+                <a:latin typeface="Courier"/>
+              </a:rPr>
+              <a:t>default:
+  datawarehouse:
+    driver: 'Postgres' 
+    server: 'mydb-test.company.com'
+    uid: 'local-account'
+    pwd: 'my-password'  
+    port: 5432
+    database: 'regional-sales'</a:t>
             </a:r>
           </a:p>
         </p:txBody>
@@ -10622,6 +8285,620 @@
 </file>
 
 <file path=ppt/slides/slide26.xml><?xml version="1.0" encoding="utf-8"?>
+<p:sld xmlns:a="http://schemas.openxmlformats.org/drawingml/2006/main" xmlns:r="http://schemas.openxmlformats.org/officeDocument/2006/relationships" xmlns:p="http://schemas.openxmlformats.org/presentationml/2006/main">
+  <p:cSld>
+    <p:spTree>
+      <p:nvGrpSpPr>
+        <p:cNvPr id="1" name=""/>
+        <p:cNvGrpSpPr/>
+        <p:nvPr/>
+      </p:nvGrpSpPr>
+      <p:grpSpPr>
+        <a:xfrm>
+          <a:off x="0" y="0"/>
+          <a:ext cx="0" cy="0"/>
+          <a:chOff x="0" y="0"/>
+          <a:chExt cx="0" cy="0"/>
+        </a:xfrm>
+      </p:grpSpPr>
+      <p:sp>
+        <p:nvSpPr>
+          <p:cNvPr id="2" name="Title 1"/>
+          <p:cNvSpPr>
+            <a:spLocks noGrp="1"/>
+          </p:cNvSpPr>
+          <p:nvPr>
+            <p:ph type="title"/>
+          </p:nvPr>
+        </p:nvSpPr>
+        <p:spPr/>
+        <p:txBody>
+          <a:bodyPr/>
+          <a:lstStyle/>
+          <a:p>
+            <a:pPr marL="0" lvl="0" indent="0">
+              <a:buNone/>
+            </a:pPr>
+            <a:r>
+              <a:t>Retrieve info from config file</a:t>
+            </a:r>
+          </a:p>
+        </p:txBody>
+      </p:sp>
+      <p:sp>
+        <p:nvSpPr>
+          <p:cNvPr id="3" name="Content Placeholder 2"/>
+          <p:cNvSpPr>
+            <a:spLocks noGrp="1"/>
+          </p:cNvSpPr>
+          <p:nvPr>
+            <p:ph idx="1"/>
+          </p:nvPr>
+        </p:nvSpPr>
+        <p:spPr/>
+        <p:txBody>
+          <a:bodyPr/>
+          <a:lstStyle/>
+          <a:p>
+            <a:pPr marL="1270000" lvl="0" indent="0">
+              <a:buNone/>
+            </a:pPr>
+            <a:r>
+              <a:rPr sz="1800">
+                <a:latin typeface="Courier"/>
+              </a:rPr>
+              <a:t>dw &lt;-</a:t>
+            </a:r>
+            <a:r>
+              <a:rPr sz="1800">
+                <a:solidFill>
+                  <a:srgbClr val="4070A0"/>
+                </a:solidFill>
+                <a:latin typeface="Courier"/>
+              </a:rPr>
+              <a:t> </a:t>
+            </a:r>
+            <a:r>
+              <a:rPr sz="1800">
+                <a:latin typeface="Courier"/>
+              </a:rPr>
+              <a:t>config</a:t>
+            </a:r>
+            <a:r>
+              <a:rPr sz="1800">
+                <a:solidFill>
+                  <a:srgbClr val="666666"/>
+                </a:solidFill>
+                <a:latin typeface="Courier"/>
+              </a:rPr>
+              <a:t>::</a:t>
+            </a:r>
+            <a:r>
+              <a:rPr sz="1800" b="1">
+                <a:solidFill>
+                  <a:srgbClr val="007020"/>
+                </a:solidFill>
+                <a:latin typeface="Courier"/>
+              </a:rPr>
+              <a:t>get</a:t>
+            </a:r>
+            <a:r>
+              <a:rPr sz="1800">
+                <a:latin typeface="Courier"/>
+              </a:rPr>
+              <a:t>(</a:t>
+            </a:r>
+            <a:r>
+              <a:rPr sz="1800">
+                <a:solidFill>
+                  <a:srgbClr val="4070A0"/>
+                </a:solidFill>
+                <a:latin typeface="Courier"/>
+              </a:rPr>
+              <a:t>"datawarehouse"</a:t>
+            </a:r>
+            <a:r>
+              <a:rPr sz="1800">
+                <a:latin typeface="Courier"/>
+              </a:rPr>
+              <a:t>)</a:t>
+            </a:r>
+            <a:br/>
+            <a:br/>
+            <a:r>
+              <a:rPr sz="1800">
+                <a:latin typeface="Courier"/>
+              </a:rPr>
+              <a:t>con &lt;-</a:t>
+            </a:r>
+            <a:r>
+              <a:rPr sz="1800">
+                <a:solidFill>
+                  <a:srgbClr val="4070A0"/>
+                </a:solidFill>
+                <a:latin typeface="Courier"/>
+              </a:rPr>
+              <a:t> </a:t>
+            </a:r>
+            <a:r>
+              <a:rPr sz="1800">
+                <a:latin typeface="Courier"/>
+              </a:rPr>
+              <a:t>DBI</a:t>
+            </a:r>
+            <a:r>
+              <a:rPr sz="1800">
+                <a:solidFill>
+                  <a:srgbClr val="666666"/>
+                </a:solidFill>
+                <a:latin typeface="Courier"/>
+              </a:rPr>
+              <a:t>::</a:t>
+            </a:r>
+            <a:r>
+              <a:rPr sz="1800" b="1">
+                <a:solidFill>
+                  <a:srgbClr val="007020"/>
+                </a:solidFill>
+                <a:latin typeface="Courier"/>
+              </a:rPr>
+              <a:t>dbConnect</a:t>
+            </a:r>
+            <a:r>
+              <a:rPr sz="1800">
+                <a:latin typeface="Courier"/>
+              </a:rPr>
+              <a:t>(odbc</a:t>
+            </a:r>
+            <a:r>
+              <a:rPr sz="1800">
+                <a:solidFill>
+                  <a:srgbClr val="666666"/>
+                </a:solidFill>
+                <a:latin typeface="Courier"/>
+              </a:rPr>
+              <a:t>::</a:t>
+            </a:r>
+            <a:r>
+              <a:rPr sz="1800" b="1">
+                <a:solidFill>
+                  <a:srgbClr val="007020"/>
+                </a:solidFill>
+                <a:latin typeface="Courier"/>
+              </a:rPr>
+              <a:t>odbc</a:t>
+            </a:r>
+            <a:r>
+              <a:rPr sz="1800">
+                <a:latin typeface="Courier"/>
+              </a:rPr>
+              <a:t>(),</a:t>
+            </a:r>
+            <a:br/>
+            <a:r>
+              <a:rPr sz="1800">
+                <a:latin typeface="Courier"/>
+              </a:rPr>
+              <a:t>   </a:t>
+            </a:r>
+            <a:r>
+              <a:rPr sz="1800">
+                <a:solidFill>
+                  <a:srgbClr val="902000"/>
+                </a:solidFill>
+                <a:latin typeface="Courier"/>
+              </a:rPr>
+              <a:t>Driver =</a:t>
+            </a:r>
+            <a:r>
+              <a:rPr sz="1800">
+                <a:latin typeface="Courier"/>
+              </a:rPr>
+              <a:t> dw</a:t>
+            </a:r>
+            <a:r>
+              <a:rPr sz="1800">
+                <a:solidFill>
+                  <a:srgbClr val="666666"/>
+                </a:solidFill>
+                <a:latin typeface="Courier"/>
+              </a:rPr>
+              <a:t>$</a:t>
+            </a:r>
+            <a:r>
+              <a:rPr sz="1800">
+                <a:latin typeface="Courier"/>
+              </a:rPr>
+              <a:t>driver,</a:t>
+            </a:r>
+            <a:br/>
+            <a:r>
+              <a:rPr sz="1800">
+                <a:latin typeface="Courier"/>
+              </a:rPr>
+              <a:t>   </a:t>
+            </a:r>
+            <a:r>
+              <a:rPr sz="1800">
+                <a:solidFill>
+                  <a:srgbClr val="902000"/>
+                </a:solidFill>
+                <a:latin typeface="Courier"/>
+              </a:rPr>
+              <a:t>Server =</a:t>
+            </a:r>
+            <a:r>
+              <a:rPr sz="1800">
+                <a:latin typeface="Courier"/>
+              </a:rPr>
+              <a:t> dw</a:t>
+            </a:r>
+            <a:r>
+              <a:rPr sz="1800">
+                <a:solidFill>
+                  <a:srgbClr val="666666"/>
+                </a:solidFill>
+                <a:latin typeface="Courier"/>
+              </a:rPr>
+              <a:t>$</a:t>
+            </a:r>
+            <a:r>
+              <a:rPr sz="1800">
+                <a:latin typeface="Courier"/>
+              </a:rPr>
+              <a:t>server,</a:t>
+            </a:r>
+            <a:br/>
+            <a:r>
+              <a:rPr sz="1800">
+                <a:latin typeface="Courier"/>
+              </a:rPr>
+              <a:t>   </a:t>
+            </a:r>
+            <a:r>
+              <a:rPr sz="1800">
+                <a:solidFill>
+                  <a:srgbClr val="902000"/>
+                </a:solidFill>
+                <a:latin typeface="Courier"/>
+              </a:rPr>
+              <a:t>UID    =</a:t>
+            </a:r>
+            <a:r>
+              <a:rPr sz="1800">
+                <a:latin typeface="Courier"/>
+              </a:rPr>
+              <a:t> dw</a:t>
+            </a:r>
+            <a:r>
+              <a:rPr sz="1800">
+                <a:solidFill>
+                  <a:srgbClr val="666666"/>
+                </a:solidFill>
+                <a:latin typeface="Courier"/>
+              </a:rPr>
+              <a:t>$</a:t>
+            </a:r>
+            <a:r>
+              <a:rPr sz="1800">
+                <a:latin typeface="Courier"/>
+              </a:rPr>
+              <a:t>uid,</a:t>
+            </a:r>
+            <a:br/>
+            <a:r>
+              <a:rPr sz="1800">
+                <a:latin typeface="Courier"/>
+              </a:rPr>
+              <a:t>   </a:t>
+            </a:r>
+            <a:r>
+              <a:rPr sz="1800">
+                <a:solidFill>
+                  <a:srgbClr val="902000"/>
+                </a:solidFill>
+                <a:latin typeface="Courier"/>
+              </a:rPr>
+              <a:t>PWD    =</a:t>
+            </a:r>
+            <a:r>
+              <a:rPr sz="1800">
+                <a:latin typeface="Courier"/>
+              </a:rPr>
+              <a:t> dw</a:t>
+            </a:r>
+            <a:r>
+              <a:rPr sz="1800">
+                <a:solidFill>
+                  <a:srgbClr val="666666"/>
+                </a:solidFill>
+                <a:latin typeface="Courier"/>
+              </a:rPr>
+              <a:t>$</a:t>
+            </a:r>
+            <a:r>
+              <a:rPr sz="1800">
+                <a:latin typeface="Courier"/>
+              </a:rPr>
+              <a:t>pwd,</a:t>
+            </a:r>
+            <a:br/>
+            <a:r>
+              <a:rPr sz="1800">
+                <a:latin typeface="Courier"/>
+              </a:rPr>
+              <a:t>   </a:t>
+            </a:r>
+            <a:r>
+              <a:rPr sz="1800">
+                <a:solidFill>
+                  <a:srgbClr val="902000"/>
+                </a:solidFill>
+                <a:latin typeface="Courier"/>
+              </a:rPr>
+              <a:t>Port   =</a:t>
+            </a:r>
+            <a:r>
+              <a:rPr sz="1800">
+                <a:latin typeface="Courier"/>
+              </a:rPr>
+              <a:t> dw</a:t>
+            </a:r>
+            <a:r>
+              <a:rPr sz="1800">
+                <a:solidFill>
+                  <a:srgbClr val="666666"/>
+                </a:solidFill>
+                <a:latin typeface="Courier"/>
+              </a:rPr>
+              <a:t>$</a:t>
+            </a:r>
+            <a:r>
+              <a:rPr sz="1800">
+                <a:latin typeface="Courier"/>
+              </a:rPr>
+              <a:t>port,</a:t>
+            </a:r>
+            <a:br/>
+            <a:r>
+              <a:rPr sz="1800">
+                <a:latin typeface="Courier"/>
+              </a:rPr>
+              <a:t>   </a:t>
+            </a:r>
+            <a:r>
+              <a:rPr sz="1800">
+                <a:solidFill>
+                  <a:srgbClr val="902000"/>
+                </a:solidFill>
+                <a:latin typeface="Courier"/>
+              </a:rPr>
+              <a:t>Database =</a:t>
+            </a:r>
+            <a:r>
+              <a:rPr sz="1800">
+                <a:latin typeface="Courier"/>
+              </a:rPr>
+              <a:t> dw</a:t>
+            </a:r>
+            <a:r>
+              <a:rPr sz="1800">
+                <a:solidFill>
+                  <a:srgbClr val="666666"/>
+                </a:solidFill>
+                <a:latin typeface="Courier"/>
+              </a:rPr>
+              <a:t>$</a:t>
+            </a:r>
+            <a:r>
+              <a:rPr sz="1800">
+                <a:latin typeface="Courier"/>
+              </a:rPr>
+              <a:t>database</a:t>
+            </a:r>
+            <a:br/>
+            <a:r>
+              <a:rPr sz="1800">
+                <a:latin typeface="Courier"/>
+              </a:rPr>
+              <a:t>)</a:t>
+            </a:r>
+          </a:p>
+        </p:txBody>
+      </p:sp>
+    </p:spTree>
+  </p:cSld>
+  <p:clrMapOvr>
+    <a:masterClrMapping/>
+  </p:clrMapOvr>
+</p:sld>
+</file>
+
+<file path=ppt/slides/slide27.xml><?xml version="1.0" encoding="utf-8"?>
+<p:sld xmlns:a="http://schemas.openxmlformats.org/drawingml/2006/main" xmlns:r="http://schemas.openxmlformats.org/officeDocument/2006/relationships" xmlns:p="http://schemas.openxmlformats.org/presentationml/2006/main">
+  <p:cSld>
+    <p:spTree>
+      <p:nvGrpSpPr>
+        <p:cNvPr id="1" name=""/>
+        <p:cNvGrpSpPr/>
+        <p:nvPr/>
+      </p:nvGrpSpPr>
+      <p:grpSpPr>
+        <a:xfrm>
+          <a:off x="0" y="0"/>
+          <a:ext cx="0" cy="0"/>
+          <a:chOff x="0" y="0"/>
+          <a:chExt cx="0" cy="0"/>
+        </a:xfrm>
+      </p:grpSpPr>
+      <p:sp>
+        <p:nvSpPr>
+          <p:cNvPr id="2" name="Title 1"/>
+          <p:cNvSpPr>
+            <a:spLocks noGrp="1"/>
+          </p:cNvSpPr>
+          <p:nvPr>
+            <p:ph type="title"/>
+          </p:nvPr>
+        </p:nvSpPr>
+        <p:spPr/>
+        <p:txBody>
+          <a:bodyPr/>
+          <a:lstStyle/>
+          <a:p>
+            <a:pPr marL="0" lvl="0" indent="0">
+              <a:buNone/>
+            </a:pPr>
+            <a:r>
+              <a:t>Exercise 3</a:t>
+            </a:r>
+          </a:p>
+        </p:txBody>
+      </p:sp>
+      <p:sp>
+        <p:nvSpPr>
+          <p:cNvPr id="3" name="Content Placeholder 2"/>
+          <p:cNvSpPr>
+            <a:spLocks noGrp="1"/>
+          </p:cNvSpPr>
+          <p:nvPr>
+            <p:ph idx="1"/>
+          </p:nvPr>
+        </p:nvSpPr>
+        <p:spPr/>
+        <p:txBody>
+          <a:bodyPr>
+            <a:normAutofit fontScale="92500" lnSpcReduction="20000"/>
+          </a:bodyPr>
+          <a:lstStyle/>
+          <a:p>
+            <a:pPr lvl="1">
+              <a:buAutoNum type="arabicPeriod"/>
+            </a:pPr>
+            <a:r>
+              <a:t>Install the config package with </a:t>
+            </a:r>
+            <a:r>
+              <a:rPr sz="1800">
+                <a:latin typeface="Courier"/>
+              </a:rPr>
+              <a:t>install.packages("config")</a:t>
+            </a:r>
+            <a:r>
+              <a:t>.</a:t>
+            </a:r>
+          </a:p>
+          <a:p>
+            <a:pPr lvl="1">
+              <a:buAutoNum type="arabicPeriod"/>
+            </a:pPr>
+            <a:r>
+              <a:t>Create a config.yml file in the same directory as this R Markdown document and include the following info: host, dbname, port, username, password. Note that exact names of the configuration fields are dependent on the driver (the example above is for a different type of connection than PostgreSQL).</a:t>
+            </a:r>
+          </a:p>
+          <a:p>
+            <a:pPr lvl="1">
+              <a:buAutoNum type="arabicPeriod"/>
+            </a:pPr>
+            <a:r>
+              <a:t>Connect to the database and retrieve the first 20 entries of the rna table, similarly to what we retrieved in the original example.</a:t>
+            </a:r>
+          </a:p>
+          <a:p>
+            <a:pPr lvl="1">
+              <a:buAutoNum type="arabicPeriod"/>
+            </a:pPr>
+            <a:r>
+              <a:t>Disconnect from the database.</a:t>
+            </a:r>
+          </a:p>
+        </p:txBody>
+      </p:sp>
+    </p:spTree>
+  </p:cSld>
+  <p:clrMapOvr>
+    <a:masterClrMapping/>
+  </p:clrMapOvr>
+</p:sld>
+</file>
+
+<file path=ppt/slides/slide28.xml><?xml version="1.0" encoding="utf-8"?>
+<p:sld xmlns:a="http://schemas.openxmlformats.org/drawingml/2006/main" xmlns:r="http://schemas.openxmlformats.org/officeDocument/2006/relationships" xmlns:p="http://schemas.openxmlformats.org/presentationml/2006/main">
+  <p:cSld>
+    <p:spTree>
+      <p:nvGrpSpPr>
+        <p:cNvPr id="1" name=""/>
+        <p:cNvGrpSpPr/>
+        <p:nvPr/>
+      </p:nvGrpSpPr>
+      <p:grpSpPr>
+        <a:xfrm>
+          <a:off x="0" y="0"/>
+          <a:ext cx="0" cy="0"/>
+          <a:chOff x="0" y="0"/>
+          <a:chExt cx="0" cy="0"/>
+        </a:xfrm>
+      </p:grpSpPr>
+      <p:sp>
+        <p:nvSpPr>
+          <p:cNvPr id="2" name="Title 1"/>
+          <p:cNvSpPr>
+            <a:spLocks noGrp="1"/>
+          </p:cNvSpPr>
+          <p:nvPr>
+            <p:ph type="title"/>
+          </p:nvPr>
+        </p:nvSpPr>
+        <p:spPr/>
+        <p:txBody>
+          <a:bodyPr/>
+          <a:lstStyle/>
+          <a:p>
+            <a:pPr marL="0" lvl="0" indent="0">
+              <a:buNone/>
+            </a:pPr>
+            <a:r>
+              <a:t>Additional resources</a:t>
+            </a:r>
+          </a:p>
+        </p:txBody>
+      </p:sp>
+      <p:sp>
+        <p:nvSpPr>
+          <p:cNvPr id="3" name="Content Placeholder 2"/>
+          <p:cNvSpPr>
+            <a:spLocks noGrp="1"/>
+          </p:cNvSpPr>
+          <p:nvPr>
+            <p:ph idx="1"/>
+          </p:nvPr>
+        </p:nvSpPr>
+        <p:spPr/>
+        <p:txBody>
+          <a:bodyPr/>
+          <a:lstStyle/>
+          <a:p>
+            <a:pPr marL="0" lvl="0" indent="0">
+              <a:buNone/>
+            </a:pPr>
+            <a:r>
+              <a:rPr>
+                <a:hlinkClick r:id="rId2"/>
+              </a:rPr>
+              <a:t>https://db.rstudio.com/getting-started/</a:t>
+            </a:r>
+          </a:p>
+        </p:txBody>
+      </p:sp>
+    </p:spTree>
+  </p:cSld>
+  <p:clrMapOvr>
+    <a:masterClrMapping/>
+  </p:clrMapOvr>
+</p:sld>
+</file>
+
+<file path=ppt/slides/slide29.xml><?xml version="1.0" encoding="utf-8"?>
 <p:sld xmlns:a="http://schemas.openxmlformats.org/drawingml/2006/main" xmlns:r="http://schemas.openxmlformats.org/officeDocument/2006/relationships" xmlns:p="http://schemas.openxmlformats.org/presentationml/2006/main">
   <p:cSld>
     <p:spTree>
@@ -10882,39 +9159,10 @@
       </p:pic>
       <p:sp>
         <p:nvSpPr>
-          <p:cNvPr id="4" name="TextBox 3"/>
-          <p:cNvSpPr txBox="1"/>
-          <p:nvPr/>
-        </p:nvSpPr>
-        <p:spPr>
-          <a:xfrm>
-            <a:off x="362198" y="3301011"/>
-            <a:ext cx="8229600" cy="508000"/>
-          </a:xfrm>
-          <a:prstGeom prst="rect">
-            <a:avLst/>
-          </a:prstGeom>
-          <a:noFill/>
-        </p:spPr>
-        <p:txBody>
-          <a:bodyPr/>
-          <a:lstStyle/>
-          <a:p>
-            <a:pPr marL="0" lvl="0" indent="0" algn="ctr">
-              <a:buNone/>
-            </a:pPr>
-            <a:r>
-              <a:t>Local database configuration</a:t>
-            </a:r>
-          </a:p>
-        </p:txBody>
-      </p:sp>
-      <p:sp>
-        <p:nvSpPr>
           <p:cNvPr id="5" name="Content Placeholder 2">
             <a:extLst>
               <a:ext uri="{FF2B5EF4-FFF2-40B4-BE49-F238E27FC236}">
-                <a16:creationId xmlns:a16="http://schemas.microsoft.com/office/drawing/2014/main" id="{C35002A1-D738-164D-98F4-4346950C0314}"/>
+                <a16:creationId xmlns:a16="http://schemas.microsoft.com/office/drawing/2014/main" id="{D243FC38-4606-664F-939D-8562F37D4DA7}"/>
               </a:ext>
             </a:extLst>
           </p:cNvPr>
@@ -10927,8 +9175,8 @@
         </p:nvSpPr>
         <p:spPr>
           <a:xfrm>
-            <a:off x="457200" y="3942608"/>
-            <a:ext cx="8229600" cy="2183555"/>
+            <a:off x="457200" y="3598223"/>
+            <a:ext cx="8229600" cy="2527940"/>
           </a:xfrm>
         </p:spPr>
         <p:txBody>
@@ -10948,6 +9196,10 @@
             <a:pPr marL="0" lvl="0" indent="0">
               <a:buNone/>
             </a:pPr>
+            <a:r>
+              <a:rPr lang="en-US" dirty="0"/>
+              <a:t> </a:t>
+            </a:r>
             <a:r>
               <a:rPr dirty="0"/>
               <a:t>- May or may not require additional credentials, i.e. database may require separate username and password</a:t>
@@ -11022,7 +9274,7 @@
         </p:blipFill>
         <p:spPr bwMode="auto">
           <a:xfrm>
-            <a:off x="457200" y="1776846"/>
+            <a:off x="457200" y="1753094"/>
             <a:ext cx="8229600" cy="1498600"/>
           </a:xfrm>
           <a:prstGeom prst="rect">
@@ -11038,40 +9290,10 @@
       </p:pic>
       <p:sp>
         <p:nvSpPr>
-          <p:cNvPr id="4" name="TextBox 3"/>
-          <p:cNvSpPr txBox="1"/>
-          <p:nvPr/>
-        </p:nvSpPr>
-        <p:spPr>
-          <a:xfrm>
-            <a:off x="457200" y="3175000"/>
-            <a:ext cx="8229600" cy="508000"/>
-          </a:xfrm>
-          <a:prstGeom prst="rect">
-            <a:avLst/>
-          </a:prstGeom>
-          <a:noFill/>
-        </p:spPr>
-        <p:txBody>
-          <a:bodyPr/>
-          <a:lstStyle/>
-          <a:p>
-            <a:pPr marL="0" lvl="0" indent="0" algn="ctr">
-              <a:buNone/>
-            </a:pPr>
-            <a:r>
-              <a:rPr dirty="0"/>
-              <a:t>Remote database configuration</a:t>
-            </a:r>
-          </a:p>
-        </p:txBody>
-      </p:sp>
-      <p:sp>
-        <p:nvSpPr>
           <p:cNvPr id="5" name="Content Placeholder 2">
             <a:extLst>
               <a:ext uri="{FF2B5EF4-FFF2-40B4-BE49-F238E27FC236}">
-                <a16:creationId xmlns:a16="http://schemas.microsoft.com/office/drawing/2014/main" id="{824DE109-5318-A74A-AE14-29A58E057B15}"/>
+                <a16:creationId xmlns:a16="http://schemas.microsoft.com/office/drawing/2014/main" id="{CDC7804D-A913-3A45-8900-D8E0EFE2D79D}"/>
               </a:ext>
             </a:extLst>
           </p:cNvPr>
@@ -11084,8 +9306,8 @@
         </p:nvSpPr>
         <p:spPr>
           <a:xfrm>
-            <a:off x="457200" y="3990109"/>
-            <a:ext cx="8229600" cy="2136054"/>
+            <a:off x="457200" y="3705101"/>
+            <a:ext cx="8229600" cy="2421062"/>
           </a:xfrm>
         </p:spPr>
         <p:txBody>
@@ -11304,8 +9526,8 @@
         </p:nvSpPr>
         <p:spPr>
           <a:xfrm>
-            <a:off x="-1080655" y="1600200"/>
-            <a:ext cx="10319658" cy="4525963"/>
+            <a:off x="-581891" y="2003961"/>
+            <a:ext cx="9725891" cy="5560621"/>
           </a:xfrm>
         </p:spPr>
         <p:txBody>
@@ -12065,15 +10287,7 @@
             <a:pPr marL="1270000" lvl="0" indent="0">
               <a:buNone/>
             </a:pPr>
-            <a:endParaRPr lang="en-US" sz="1800" dirty="0">
-              <a:latin typeface="Courier"/>
-            </a:endParaRPr>
-          </a:p>
-          <a:p>
-            <a:pPr marL="1270000" lvl="0" indent="0">
-              <a:buNone/>
-            </a:pPr>
-            <a:endParaRPr sz="1800" dirty="0">
+            <a:endParaRPr sz="4500" dirty="0">
               <a:latin typeface="Courier"/>
             </a:endParaRPr>
           </a:p>
@@ -12184,8 +10398,8 @@
         </p:nvSpPr>
         <p:spPr>
           <a:xfrm>
-            <a:off x="457200" y="3429000"/>
-            <a:ext cx="8229600" cy="2697163"/>
+            <a:off x="457200" y="3028208"/>
+            <a:ext cx="8229600" cy="3097955"/>
           </a:xfrm>
         </p:spPr>
         <p:txBody>
